--- a/Opentrons_experiments/BOTorch_optimization/Shivam_Report/Graphs_updated.pptx
+++ b/Opentrons_experiments/BOTorch_optimization/Shivam_Report/Graphs_updated.pptx
@@ -878,7 +878,7 @@
           <a:p>
             <a:fld id="{E562C55A-646D-49D0-A2F0-B5B5B12C5BD3}" type="datetimeFigureOut">
               <a:rPr lang="en-SG" smtClean="0"/>
-              <a:t>30/5/2023</a:t>
+              <a:t>8/6/2023</a:t>
             </a:fld>
             <a:endParaRPr lang="en-SG"/>
           </a:p>
@@ -1078,7 +1078,7 @@
           <a:p>
             <a:fld id="{E562C55A-646D-49D0-A2F0-B5B5B12C5BD3}" type="datetimeFigureOut">
               <a:rPr lang="en-SG" smtClean="0"/>
-              <a:t>30/5/2023</a:t>
+              <a:t>8/6/2023</a:t>
             </a:fld>
             <a:endParaRPr lang="en-SG"/>
           </a:p>
@@ -1288,7 +1288,7 @@
           <a:p>
             <a:fld id="{E562C55A-646D-49D0-A2F0-B5B5B12C5BD3}" type="datetimeFigureOut">
               <a:rPr lang="en-SG" smtClean="0"/>
-              <a:t>30/5/2023</a:t>
+              <a:t>8/6/2023</a:t>
             </a:fld>
             <a:endParaRPr lang="en-SG"/>
           </a:p>
@@ -1488,7 +1488,7 @@
           <a:p>
             <a:fld id="{E562C55A-646D-49D0-A2F0-B5B5B12C5BD3}" type="datetimeFigureOut">
               <a:rPr lang="en-SG" smtClean="0"/>
-              <a:t>30/5/2023</a:t>
+              <a:t>8/6/2023</a:t>
             </a:fld>
             <a:endParaRPr lang="en-SG"/>
           </a:p>
@@ -1764,7 +1764,7 @@
           <a:p>
             <a:fld id="{E562C55A-646D-49D0-A2F0-B5B5B12C5BD3}" type="datetimeFigureOut">
               <a:rPr lang="en-SG" smtClean="0"/>
-              <a:t>30/5/2023</a:t>
+              <a:t>8/6/2023</a:t>
             </a:fld>
             <a:endParaRPr lang="en-SG"/>
           </a:p>
@@ -2032,7 +2032,7 @@
           <a:p>
             <a:fld id="{E562C55A-646D-49D0-A2F0-B5B5B12C5BD3}" type="datetimeFigureOut">
               <a:rPr lang="en-SG" smtClean="0"/>
-              <a:t>30/5/2023</a:t>
+              <a:t>8/6/2023</a:t>
             </a:fld>
             <a:endParaRPr lang="en-SG"/>
           </a:p>
@@ -2447,7 +2447,7 @@
           <a:p>
             <a:fld id="{E562C55A-646D-49D0-A2F0-B5B5B12C5BD3}" type="datetimeFigureOut">
               <a:rPr lang="en-SG" smtClean="0"/>
-              <a:t>30/5/2023</a:t>
+              <a:t>8/6/2023</a:t>
             </a:fld>
             <a:endParaRPr lang="en-SG"/>
           </a:p>
@@ -2589,7 +2589,7 @@
           <a:p>
             <a:fld id="{E562C55A-646D-49D0-A2F0-B5B5B12C5BD3}" type="datetimeFigureOut">
               <a:rPr lang="en-SG" smtClean="0"/>
-              <a:t>30/5/2023</a:t>
+              <a:t>8/6/2023</a:t>
             </a:fld>
             <a:endParaRPr lang="en-SG"/>
           </a:p>
@@ -2702,7 +2702,7 @@
           <a:p>
             <a:fld id="{E562C55A-646D-49D0-A2F0-B5B5B12C5BD3}" type="datetimeFigureOut">
               <a:rPr lang="en-SG" smtClean="0"/>
-              <a:t>30/5/2023</a:t>
+              <a:t>8/6/2023</a:t>
             </a:fld>
             <a:endParaRPr lang="en-SG"/>
           </a:p>
@@ -3015,7 +3015,7 @@
           <a:p>
             <a:fld id="{E562C55A-646D-49D0-A2F0-B5B5B12C5BD3}" type="datetimeFigureOut">
               <a:rPr lang="en-SG" smtClean="0"/>
-              <a:t>30/5/2023</a:t>
+              <a:t>8/6/2023</a:t>
             </a:fld>
             <a:endParaRPr lang="en-SG"/>
           </a:p>
@@ -3304,7 +3304,7 @@
           <a:p>
             <a:fld id="{E562C55A-646D-49D0-A2F0-B5B5B12C5BD3}" type="datetimeFigureOut">
               <a:rPr lang="en-SG" smtClean="0"/>
-              <a:t>30/5/2023</a:t>
+              <a:t>8/6/2023</a:t>
             </a:fld>
             <a:endParaRPr lang="en-SG"/>
           </a:p>
@@ -3547,7 +3547,7 @@
           <a:p>
             <a:fld id="{E562C55A-646D-49D0-A2F0-B5B5B12C5BD3}" type="datetimeFigureOut">
               <a:rPr lang="en-SG" smtClean="0"/>
-              <a:t>30/5/2023</a:t>
+              <a:t>8/6/2023</a:t>
             </a:fld>
             <a:endParaRPr lang="en-SG"/>
           </a:p>

--- a/Opentrons_experiments/BOTorch_optimization/Shivam_Report/Graphs_updated.pptx
+++ b/Opentrons_experiments/BOTorch_optimization/Shivam_Report/Graphs_updated.pptx
@@ -5,26 +5,31 @@
     <p:sldMasterId id="2147483648" r:id="rId1"/>
   </p:sldMasterIdLst>
   <p:sldIdLst>
-    <p:sldId id="295" r:id="rId2"/>
-    <p:sldId id="296" r:id="rId3"/>
-    <p:sldId id="297" r:id="rId4"/>
-    <p:sldId id="298" r:id="rId5"/>
-    <p:sldId id="299" r:id="rId6"/>
-    <p:sldId id="300" r:id="rId7"/>
-    <p:sldId id="301" r:id="rId8"/>
-    <p:sldId id="302" r:id="rId9"/>
-    <p:sldId id="303" r:id="rId10"/>
-    <p:sldId id="304" r:id="rId11"/>
-    <p:sldId id="305" r:id="rId12"/>
-    <p:sldId id="306" r:id="rId13"/>
-    <p:sldId id="307" r:id="rId14"/>
-    <p:sldId id="308" r:id="rId15"/>
-    <p:sldId id="309" r:id="rId16"/>
-    <p:sldId id="310" r:id="rId17"/>
-    <p:sldId id="293" r:id="rId18"/>
-    <p:sldId id="294" r:id="rId19"/>
-    <p:sldId id="291" r:id="rId20"/>
-    <p:sldId id="292" r:id="rId21"/>
+    <p:sldId id="311" r:id="rId2"/>
+    <p:sldId id="295" r:id="rId3"/>
+    <p:sldId id="296" r:id="rId4"/>
+    <p:sldId id="297" r:id="rId5"/>
+    <p:sldId id="298" r:id="rId6"/>
+    <p:sldId id="312" r:id="rId7"/>
+    <p:sldId id="299" r:id="rId8"/>
+    <p:sldId id="300" r:id="rId9"/>
+    <p:sldId id="301" r:id="rId10"/>
+    <p:sldId id="302" r:id="rId11"/>
+    <p:sldId id="313" r:id="rId12"/>
+    <p:sldId id="303" r:id="rId13"/>
+    <p:sldId id="304" r:id="rId14"/>
+    <p:sldId id="305" r:id="rId15"/>
+    <p:sldId id="306" r:id="rId16"/>
+    <p:sldId id="314" r:id="rId17"/>
+    <p:sldId id="307" r:id="rId18"/>
+    <p:sldId id="308" r:id="rId19"/>
+    <p:sldId id="309" r:id="rId20"/>
+    <p:sldId id="310" r:id="rId21"/>
+    <p:sldId id="315" r:id="rId22"/>
+    <p:sldId id="293" r:id="rId23"/>
+    <p:sldId id="294" r:id="rId24"/>
+    <p:sldId id="291" r:id="rId25"/>
+    <p:sldId id="292" r:id="rId26"/>
   </p:sldIdLst>
   <p:sldSz cx="12192000" cy="6858000"/>
   <p:notesSz cx="6858000" cy="9144000"/>
@@ -878,7 +883,7 @@
           <a:p>
             <a:fld id="{E562C55A-646D-49D0-A2F0-B5B5B12C5BD3}" type="datetimeFigureOut">
               <a:rPr lang="en-SG" smtClean="0"/>
-              <a:t>8/6/2023</a:t>
+              <a:t>9/6/2023</a:t>
             </a:fld>
             <a:endParaRPr lang="en-SG"/>
           </a:p>
@@ -1078,7 +1083,7 @@
           <a:p>
             <a:fld id="{E562C55A-646D-49D0-A2F0-B5B5B12C5BD3}" type="datetimeFigureOut">
               <a:rPr lang="en-SG" smtClean="0"/>
-              <a:t>8/6/2023</a:t>
+              <a:t>9/6/2023</a:t>
             </a:fld>
             <a:endParaRPr lang="en-SG"/>
           </a:p>
@@ -1288,7 +1293,7 @@
           <a:p>
             <a:fld id="{E562C55A-646D-49D0-A2F0-B5B5B12C5BD3}" type="datetimeFigureOut">
               <a:rPr lang="en-SG" smtClean="0"/>
-              <a:t>8/6/2023</a:t>
+              <a:t>9/6/2023</a:t>
             </a:fld>
             <a:endParaRPr lang="en-SG"/>
           </a:p>
@@ -1488,7 +1493,7 @@
           <a:p>
             <a:fld id="{E562C55A-646D-49D0-A2F0-B5B5B12C5BD3}" type="datetimeFigureOut">
               <a:rPr lang="en-SG" smtClean="0"/>
-              <a:t>8/6/2023</a:t>
+              <a:t>9/6/2023</a:t>
             </a:fld>
             <a:endParaRPr lang="en-SG"/>
           </a:p>
@@ -1764,7 +1769,7 @@
           <a:p>
             <a:fld id="{E562C55A-646D-49D0-A2F0-B5B5B12C5BD3}" type="datetimeFigureOut">
               <a:rPr lang="en-SG" smtClean="0"/>
-              <a:t>8/6/2023</a:t>
+              <a:t>9/6/2023</a:t>
             </a:fld>
             <a:endParaRPr lang="en-SG"/>
           </a:p>
@@ -2032,7 +2037,7 @@
           <a:p>
             <a:fld id="{E562C55A-646D-49D0-A2F0-B5B5B12C5BD3}" type="datetimeFigureOut">
               <a:rPr lang="en-SG" smtClean="0"/>
-              <a:t>8/6/2023</a:t>
+              <a:t>9/6/2023</a:t>
             </a:fld>
             <a:endParaRPr lang="en-SG"/>
           </a:p>
@@ -2447,7 +2452,7 @@
           <a:p>
             <a:fld id="{E562C55A-646D-49D0-A2F0-B5B5B12C5BD3}" type="datetimeFigureOut">
               <a:rPr lang="en-SG" smtClean="0"/>
-              <a:t>8/6/2023</a:t>
+              <a:t>9/6/2023</a:t>
             </a:fld>
             <a:endParaRPr lang="en-SG"/>
           </a:p>
@@ -2589,7 +2594,7 @@
           <a:p>
             <a:fld id="{E562C55A-646D-49D0-A2F0-B5B5B12C5BD3}" type="datetimeFigureOut">
               <a:rPr lang="en-SG" smtClean="0"/>
-              <a:t>8/6/2023</a:t>
+              <a:t>9/6/2023</a:t>
             </a:fld>
             <a:endParaRPr lang="en-SG"/>
           </a:p>
@@ -2702,7 +2707,7 @@
           <a:p>
             <a:fld id="{E562C55A-646D-49D0-A2F0-B5B5B12C5BD3}" type="datetimeFigureOut">
               <a:rPr lang="en-SG" smtClean="0"/>
-              <a:t>8/6/2023</a:t>
+              <a:t>9/6/2023</a:t>
             </a:fld>
             <a:endParaRPr lang="en-SG"/>
           </a:p>
@@ -3015,7 +3020,7 @@
           <a:p>
             <a:fld id="{E562C55A-646D-49D0-A2F0-B5B5B12C5BD3}" type="datetimeFigureOut">
               <a:rPr lang="en-SG" smtClean="0"/>
-              <a:t>8/6/2023</a:t>
+              <a:t>9/6/2023</a:t>
             </a:fld>
             <a:endParaRPr lang="en-SG"/>
           </a:p>
@@ -3304,7 +3309,7 @@
           <a:p>
             <a:fld id="{E562C55A-646D-49D0-A2F0-B5B5B12C5BD3}" type="datetimeFigureOut">
               <a:rPr lang="en-SG" smtClean="0"/>
-              <a:t>8/6/2023</a:t>
+              <a:t>9/6/2023</a:t>
             </a:fld>
             <a:endParaRPr lang="en-SG"/>
           </a:p>
@@ -3547,7 +3552,7 @@
           <a:p>
             <a:fld id="{E562C55A-646D-49D0-A2F0-B5B5B12C5BD3}" type="datetimeFigureOut">
               <a:rPr lang="en-SG" smtClean="0"/>
-              <a:t>8/6/2023</a:t>
+              <a:t>9/6/2023</a:t>
             </a:fld>
             <a:endParaRPr lang="en-SG"/>
           </a:p>
@@ -3964,6 +3969,2737 @@
           <a:chExt cx="0" cy="0"/>
         </a:xfrm>
       </p:grpSpPr>
+      <p:graphicFrame>
+        <p:nvGraphicFramePr>
+          <p:cNvPr id="3" name="Table 3">
+            <a:extLst>
+              <a:ext uri="{FF2B5EF4-FFF2-40B4-BE49-F238E27FC236}">
+                <a16:creationId xmlns:a16="http://schemas.microsoft.com/office/drawing/2014/main" id="{610456E9-E52F-91E6-43D8-CEB8EB1E636C}"/>
+              </a:ext>
+            </a:extLst>
+          </p:cNvPr>
+          <p:cNvGraphicFramePr>
+            <a:graphicFrameLocks noGrp="1"/>
+          </p:cNvGraphicFramePr>
+          <p:nvPr>
+            <p:extLst>
+              <p:ext uri="{D42A27DB-BD31-4B8C-83A1-F6EECF244321}">
+                <p14:modId xmlns:p14="http://schemas.microsoft.com/office/powerpoint/2010/main" val="2080776234"/>
+              </p:ext>
+            </p:extLst>
+          </p:nvPr>
+        </p:nvGraphicFramePr>
+        <p:xfrm>
+          <a:off x="2032000" y="2316480"/>
+          <a:ext cx="8128000" cy="2225040"/>
+        </p:xfrm>
+        <a:graphic>
+          <a:graphicData uri="http://schemas.openxmlformats.org/drawingml/2006/table">
+            <a:tbl>
+              <a:tblPr firstRow="1" bandRow="1">
+                <a:tableStyleId>{5C22544A-7EE6-4342-B048-85BDC9FD1C3A}</a:tableStyleId>
+              </a:tblPr>
+              <a:tblGrid>
+                <a:gridCol w="4064000">
+                  <a:extLst>
+                    <a:ext uri="{9D8B030D-6E8A-4147-A177-3AD203B41FA5}">
+                      <a16:colId xmlns:a16="http://schemas.microsoft.com/office/drawing/2014/main" val="800087567"/>
+                    </a:ext>
+                  </a:extLst>
+                </a:gridCol>
+                <a:gridCol w="4064000">
+                  <a:extLst>
+                    <a:ext uri="{9D8B030D-6E8A-4147-A177-3AD203B41FA5}">
+                      <a16:colId xmlns:a16="http://schemas.microsoft.com/office/drawing/2014/main" val="3778205308"/>
+                    </a:ext>
+                  </a:extLst>
+                </a:gridCol>
+              </a:tblGrid>
+              <a:tr h="370840">
+                <a:tc>
+                  <a:txBody>
+                    <a:bodyPr/>
+                    <a:lstStyle/>
+                    <a:p>
+                      <a:r>
+                        <a:rPr lang="en-SG" dirty="0"/>
+                        <a:t>Viscosity Standards @25°C</a:t>
+                      </a:r>
+                    </a:p>
+                  </a:txBody>
+                  <a:tcPr/>
+                </a:tc>
+                <a:tc>
+                  <a:txBody>
+                    <a:bodyPr/>
+                    <a:lstStyle/>
+                    <a:p>
+                      <a:r>
+                        <a:rPr lang="en-SG" dirty="0"/>
+                        <a:t>Density @25°C</a:t>
+                      </a:r>
+                    </a:p>
+                  </a:txBody>
+                  <a:tcPr/>
+                </a:tc>
+                <a:extLst>
+                  <a:ext uri="{0D108BD9-81ED-4DB2-BD59-A6C34878D82A}">
+                    <a16:rowId xmlns:a16="http://schemas.microsoft.com/office/drawing/2014/main" val="804246196"/>
+                  </a:ext>
+                </a:extLst>
+              </a:tr>
+              <a:tr h="370840">
+                <a:tc>
+                  <a:txBody>
+                    <a:bodyPr/>
+                    <a:lstStyle/>
+                    <a:p>
+                      <a:r>
+                        <a:rPr lang="en-SG" dirty="0"/>
+                        <a:t>204</a:t>
+                      </a:r>
+                    </a:p>
+                  </a:txBody>
+                  <a:tcPr>
+                    <a:solidFill>
+                      <a:srgbClr val="FFFF00"/>
+                    </a:solidFill>
+                  </a:tcPr>
+                </a:tc>
+                <a:tc>
+                  <a:txBody>
+                    <a:bodyPr/>
+                    <a:lstStyle/>
+                    <a:p>
+                      <a:r>
+                        <a:rPr lang="en-SG" dirty="0"/>
+                        <a:t>.8639</a:t>
+                      </a:r>
+                    </a:p>
+                  </a:txBody>
+                  <a:tcPr>
+                    <a:solidFill>
+                      <a:srgbClr val="FFFF00"/>
+                    </a:solidFill>
+                  </a:tcPr>
+                </a:tc>
+                <a:extLst>
+                  <a:ext uri="{0D108BD9-81ED-4DB2-BD59-A6C34878D82A}">
+                    <a16:rowId xmlns:a16="http://schemas.microsoft.com/office/drawing/2014/main" val="251864798"/>
+                  </a:ext>
+                </a:extLst>
+              </a:tr>
+              <a:tr h="370840">
+                <a:tc>
+                  <a:txBody>
+                    <a:bodyPr/>
+                    <a:lstStyle/>
+                    <a:p>
+                      <a:r>
+                        <a:rPr lang="en-SG" dirty="0"/>
+                        <a:t>398</a:t>
+                      </a:r>
+                    </a:p>
+                  </a:txBody>
+                  <a:tcPr/>
+                </a:tc>
+                <a:tc>
+                  <a:txBody>
+                    <a:bodyPr/>
+                    <a:lstStyle/>
+                    <a:p>
+                      <a:r>
+                        <a:rPr lang="en-SG" dirty="0"/>
+                        <a:t>.8672</a:t>
+                      </a:r>
+                    </a:p>
+                  </a:txBody>
+                  <a:tcPr/>
+                </a:tc>
+                <a:extLst>
+                  <a:ext uri="{0D108BD9-81ED-4DB2-BD59-A6C34878D82A}">
+                    <a16:rowId xmlns:a16="http://schemas.microsoft.com/office/drawing/2014/main" val="822895331"/>
+                  </a:ext>
+                </a:extLst>
+              </a:tr>
+              <a:tr h="370840">
+                <a:tc>
+                  <a:txBody>
+                    <a:bodyPr/>
+                    <a:lstStyle/>
+                    <a:p>
+                      <a:r>
+                        <a:rPr lang="en-SG" dirty="0"/>
+                        <a:t>505</a:t>
+                      </a:r>
+                    </a:p>
+                  </a:txBody>
+                  <a:tcPr/>
+                </a:tc>
+                <a:tc>
+                  <a:txBody>
+                    <a:bodyPr/>
+                    <a:lstStyle/>
+                    <a:p>
+                      <a:r>
+                        <a:rPr lang="en-SG" dirty="0"/>
+                        <a:t>.8683</a:t>
+                      </a:r>
+                    </a:p>
+                  </a:txBody>
+                  <a:tcPr/>
+                </a:tc>
+                <a:extLst>
+                  <a:ext uri="{0D108BD9-81ED-4DB2-BD59-A6C34878D82A}">
+                    <a16:rowId xmlns:a16="http://schemas.microsoft.com/office/drawing/2014/main" val="2110739059"/>
+                  </a:ext>
+                </a:extLst>
+              </a:tr>
+              <a:tr h="370840">
+                <a:tc>
+                  <a:txBody>
+                    <a:bodyPr/>
+                    <a:lstStyle/>
+                    <a:p>
+                      <a:r>
+                        <a:rPr lang="en-SG" dirty="0"/>
+                        <a:t>817</a:t>
+                      </a:r>
+                    </a:p>
+                  </a:txBody>
+                  <a:tcPr/>
+                </a:tc>
+                <a:tc>
+                  <a:txBody>
+                    <a:bodyPr/>
+                    <a:lstStyle/>
+                    <a:p>
+                      <a:r>
+                        <a:rPr lang="en-SG" dirty="0"/>
+                        <a:t>.8466</a:t>
+                      </a:r>
+                    </a:p>
+                  </a:txBody>
+                  <a:tcPr/>
+                </a:tc>
+                <a:extLst>
+                  <a:ext uri="{0D108BD9-81ED-4DB2-BD59-A6C34878D82A}">
+                    <a16:rowId xmlns:a16="http://schemas.microsoft.com/office/drawing/2014/main" val="4266566110"/>
+                  </a:ext>
+                </a:extLst>
+              </a:tr>
+              <a:tr h="370840">
+                <a:tc>
+                  <a:txBody>
+                    <a:bodyPr/>
+                    <a:lstStyle/>
+                    <a:p>
+                      <a:r>
+                        <a:rPr lang="en-SG" dirty="0"/>
+                        <a:t>1275</a:t>
+                      </a:r>
+                    </a:p>
+                  </a:txBody>
+                  <a:tcPr/>
+                </a:tc>
+                <a:tc>
+                  <a:txBody>
+                    <a:bodyPr/>
+                    <a:lstStyle/>
+                    <a:p>
+                      <a:r>
+                        <a:rPr lang="en-SG" dirty="0"/>
+                        <a:t>.8736</a:t>
+                      </a:r>
+                    </a:p>
+                  </a:txBody>
+                  <a:tcPr/>
+                </a:tc>
+                <a:extLst>
+                  <a:ext uri="{0D108BD9-81ED-4DB2-BD59-A6C34878D82A}">
+                    <a16:rowId xmlns:a16="http://schemas.microsoft.com/office/drawing/2014/main" val="772297377"/>
+                  </a:ext>
+                </a:extLst>
+              </a:tr>
+            </a:tbl>
+          </a:graphicData>
+        </a:graphic>
+      </p:graphicFrame>
+    </p:spTree>
+    <p:extLst>
+      <p:ext uri="{BB962C8B-B14F-4D97-AF65-F5344CB8AC3E}">
+        <p14:creationId xmlns:p14="http://schemas.microsoft.com/office/powerpoint/2010/main" val="250622124"/>
+      </p:ext>
+    </p:extLst>
+  </p:cSld>
+  <p:clrMapOvr>
+    <a:masterClrMapping/>
+  </p:clrMapOvr>
+</p:sld>
+</file>
+
+<file path=ppt/slides/slide10.xml><?xml version="1.0" encoding="utf-8"?>
+<p:sld xmlns:a="http://schemas.openxmlformats.org/drawingml/2006/main" xmlns:r="http://schemas.openxmlformats.org/officeDocument/2006/relationships" xmlns:p="http://schemas.openxmlformats.org/presentationml/2006/main">
+  <p:cSld>
+    <p:spTree>
+      <p:nvGrpSpPr>
+        <p:cNvPr id="1" name=""/>
+        <p:cNvGrpSpPr/>
+        <p:nvPr/>
+      </p:nvGrpSpPr>
+      <p:grpSpPr>
+        <a:xfrm>
+          <a:off x="0" y="0"/>
+          <a:ext cx="0" cy="0"/>
+          <a:chOff x="0" y="0"/>
+          <a:chExt cx="0" cy="0"/>
+        </a:xfrm>
+      </p:grpSpPr>
+      <p:graphicFrame>
+        <p:nvGraphicFramePr>
+          <p:cNvPr id="2" name="Table 2">
+            <a:extLst>
+              <a:ext uri="{FF2B5EF4-FFF2-40B4-BE49-F238E27FC236}">
+                <a16:creationId xmlns:a16="http://schemas.microsoft.com/office/drawing/2014/main" id="{989BA033-4F80-E70F-3B44-29B8A78A35EE}"/>
+              </a:ext>
+            </a:extLst>
+          </p:cNvPr>
+          <p:cNvGraphicFramePr>
+            <a:graphicFrameLocks noGrp="1"/>
+          </p:cNvGraphicFramePr>
+          <p:nvPr>
+            <p:extLst>
+              <p:ext uri="{D42A27DB-BD31-4B8C-83A1-F6EECF244321}">
+                <p14:modId xmlns:p14="http://schemas.microsoft.com/office/powerpoint/2010/main" val="1659865467"/>
+              </p:ext>
+            </p:extLst>
+          </p:nvPr>
+        </p:nvGraphicFramePr>
+        <p:xfrm>
+          <a:off x="0" y="1431063"/>
+          <a:ext cx="12192004" cy="4531360"/>
+        </p:xfrm>
+        <a:graphic>
+          <a:graphicData uri="http://schemas.openxmlformats.org/drawingml/2006/table">
+            <a:tbl>
+              <a:tblPr firstRow="1" bandRow="1">
+                <a:tableStyleId>{5C22544A-7EE6-4342-B048-85BDC9FD1C3A}</a:tableStyleId>
+              </a:tblPr>
+              <a:tblGrid>
+                <a:gridCol w="897467">
+                  <a:extLst>
+                    <a:ext uri="{9D8B030D-6E8A-4147-A177-3AD203B41FA5}">
+                      <a16:colId xmlns:a16="http://schemas.microsoft.com/office/drawing/2014/main" val="2206697726"/>
+                    </a:ext>
+                  </a:extLst>
+                </a:gridCol>
+                <a:gridCol w="872066">
+                  <a:extLst>
+                    <a:ext uri="{9D8B030D-6E8A-4147-A177-3AD203B41FA5}">
+                      <a16:colId xmlns:a16="http://schemas.microsoft.com/office/drawing/2014/main" val="4145438764"/>
+                    </a:ext>
+                  </a:extLst>
+                </a:gridCol>
+                <a:gridCol w="1397000">
+                  <a:extLst>
+                    <a:ext uri="{9D8B030D-6E8A-4147-A177-3AD203B41FA5}">
+                      <a16:colId xmlns:a16="http://schemas.microsoft.com/office/drawing/2014/main" val="867641991"/>
+                    </a:ext>
+                  </a:extLst>
+                </a:gridCol>
+                <a:gridCol w="1109134">
+                  <a:extLst>
+                    <a:ext uri="{9D8B030D-6E8A-4147-A177-3AD203B41FA5}">
+                      <a16:colId xmlns:a16="http://schemas.microsoft.com/office/drawing/2014/main" val="468753050"/>
+                    </a:ext>
+                  </a:extLst>
+                </a:gridCol>
+                <a:gridCol w="1058333">
+                  <a:extLst>
+                    <a:ext uri="{9D8B030D-6E8A-4147-A177-3AD203B41FA5}">
+                      <a16:colId xmlns:a16="http://schemas.microsoft.com/office/drawing/2014/main" val="1258009846"/>
+                    </a:ext>
+                  </a:extLst>
+                </a:gridCol>
+                <a:gridCol w="1134533">
+                  <a:extLst>
+                    <a:ext uri="{9D8B030D-6E8A-4147-A177-3AD203B41FA5}">
+                      <a16:colId xmlns:a16="http://schemas.microsoft.com/office/drawing/2014/main" val="3496989669"/>
+                    </a:ext>
+                  </a:extLst>
+                </a:gridCol>
+                <a:gridCol w="965200">
+                  <a:extLst>
+                    <a:ext uri="{9D8B030D-6E8A-4147-A177-3AD203B41FA5}">
+                      <a16:colId xmlns:a16="http://schemas.microsoft.com/office/drawing/2014/main" val="2906866505"/>
+                    </a:ext>
+                  </a:extLst>
+                </a:gridCol>
+                <a:gridCol w="1066800">
+                  <a:extLst>
+                    <a:ext uri="{9D8B030D-6E8A-4147-A177-3AD203B41FA5}">
+                      <a16:colId xmlns:a16="http://schemas.microsoft.com/office/drawing/2014/main" val="2120826267"/>
+                    </a:ext>
+                  </a:extLst>
+                </a:gridCol>
+                <a:gridCol w="1286934">
+                  <a:extLst>
+                    <a:ext uri="{9D8B030D-6E8A-4147-A177-3AD203B41FA5}">
+                      <a16:colId xmlns:a16="http://schemas.microsoft.com/office/drawing/2014/main" val="1970964562"/>
+                    </a:ext>
+                  </a:extLst>
+                </a:gridCol>
+                <a:gridCol w="1296173">
+                  <a:extLst>
+                    <a:ext uri="{9D8B030D-6E8A-4147-A177-3AD203B41FA5}">
+                      <a16:colId xmlns:a16="http://schemas.microsoft.com/office/drawing/2014/main" val="4241872789"/>
+                    </a:ext>
+                  </a:extLst>
+                </a:gridCol>
+                <a:gridCol w="1108364">
+                  <a:extLst>
+                    <a:ext uri="{9D8B030D-6E8A-4147-A177-3AD203B41FA5}">
+                      <a16:colId xmlns:a16="http://schemas.microsoft.com/office/drawing/2014/main" val="655485241"/>
+                    </a:ext>
+                  </a:extLst>
+                </a:gridCol>
+              </a:tblGrid>
+              <a:tr h="370840">
+                <a:tc gridSpan="11">
+                  <a:txBody>
+                    <a:bodyPr/>
+                    <a:lstStyle/>
+                    <a:p>
+                      <a:pPr algn="l"/>
+                      <a:r>
+                        <a:rPr lang="en-SG" sz="1600" dirty="0"/>
+                        <a:t>Viscosity Standard 398 – Best parameters according to volume pipetted experiment 3</a:t>
+                      </a:r>
+                    </a:p>
+                  </a:txBody>
+                  <a:tcPr/>
+                </a:tc>
+                <a:tc hMerge="1">
+                  <a:txBody>
+                    <a:bodyPr/>
+                    <a:lstStyle/>
+                    <a:p>
+                      <a:endParaRPr lang="en-SG" dirty="0"/>
+                    </a:p>
+                  </a:txBody>
+                  <a:tcPr/>
+                </a:tc>
+                <a:tc hMerge="1">
+                  <a:txBody>
+                    <a:bodyPr/>
+                    <a:lstStyle/>
+                    <a:p>
+                      <a:endParaRPr lang="en-SG"/>
+                    </a:p>
+                  </a:txBody>
+                  <a:tcPr/>
+                </a:tc>
+                <a:tc hMerge="1">
+                  <a:txBody>
+                    <a:bodyPr/>
+                    <a:lstStyle/>
+                    <a:p>
+                      <a:endParaRPr lang="en-SG"/>
+                    </a:p>
+                  </a:txBody>
+                  <a:tcPr/>
+                </a:tc>
+                <a:tc hMerge="1">
+                  <a:txBody>
+                    <a:bodyPr/>
+                    <a:lstStyle/>
+                    <a:p>
+                      <a:endParaRPr lang="en-SG"/>
+                    </a:p>
+                  </a:txBody>
+                  <a:tcPr/>
+                </a:tc>
+                <a:tc hMerge="1">
+                  <a:txBody>
+                    <a:bodyPr/>
+                    <a:lstStyle/>
+                    <a:p>
+                      <a:endParaRPr lang="en-SG"/>
+                    </a:p>
+                  </a:txBody>
+                  <a:tcPr/>
+                </a:tc>
+                <a:tc hMerge="1">
+                  <a:txBody>
+                    <a:bodyPr/>
+                    <a:lstStyle/>
+                    <a:p>
+                      <a:endParaRPr lang="en-SG" dirty="0"/>
+                    </a:p>
+                  </a:txBody>
+                  <a:tcPr/>
+                </a:tc>
+                <a:tc hMerge="1">
+                  <a:txBody>
+                    <a:bodyPr/>
+                    <a:lstStyle/>
+                    <a:p>
+                      <a:endParaRPr lang="en-SG"/>
+                    </a:p>
+                  </a:txBody>
+                  <a:tcPr/>
+                </a:tc>
+                <a:tc hMerge="1">
+                  <a:txBody>
+                    <a:bodyPr/>
+                    <a:lstStyle/>
+                    <a:p>
+                      <a:endParaRPr lang="en-SG" dirty="0"/>
+                    </a:p>
+                  </a:txBody>
+                  <a:tcPr/>
+                </a:tc>
+                <a:tc hMerge="1">
+                  <a:txBody>
+                    <a:bodyPr/>
+                    <a:lstStyle/>
+                    <a:p>
+                      <a:endParaRPr lang="en-SG" dirty="0"/>
+                    </a:p>
+                  </a:txBody>
+                  <a:tcPr/>
+                </a:tc>
+                <a:tc hMerge="1">
+                  <a:txBody>
+                    <a:bodyPr/>
+                    <a:lstStyle/>
+                    <a:p>
+                      <a:endParaRPr lang="en-SG" dirty="0"/>
+                    </a:p>
+                  </a:txBody>
+                  <a:tcPr/>
+                </a:tc>
+                <a:extLst>
+                  <a:ext uri="{0D108BD9-81ED-4DB2-BD59-A6C34878D82A}">
+                    <a16:rowId xmlns:a16="http://schemas.microsoft.com/office/drawing/2014/main" val="1977855465"/>
+                  </a:ext>
+                </a:extLst>
+              </a:tr>
+              <a:tr h="370840">
+                <a:tc>
+                  <a:txBody>
+                    <a:bodyPr/>
+                    <a:lstStyle/>
+                    <a:p>
+                      <a:pPr algn="l"/>
+                      <a:r>
+                        <a:rPr lang="en-SG" sz="1600" dirty="0"/>
+                        <a:t>Volume</a:t>
+                      </a:r>
+                    </a:p>
+                  </a:txBody>
+                  <a:tcPr/>
+                </a:tc>
+                <a:tc>
+                  <a:txBody>
+                    <a:bodyPr/>
+                    <a:lstStyle/>
+                    <a:p>
+                      <a:pPr algn="l"/>
+                      <a:r>
+                        <a:rPr lang="en-SG" sz="1600" dirty="0"/>
+                        <a:t>ML or Human</a:t>
+                      </a:r>
+                    </a:p>
+                  </a:txBody>
+                  <a:tcPr/>
+                </a:tc>
+                <a:tc>
+                  <a:txBody>
+                    <a:bodyPr/>
+                    <a:lstStyle/>
+                    <a:p>
+                      <a:pPr algn="l"/>
+                      <a:r>
+                        <a:rPr lang="en-SG" sz="1600" dirty="0"/>
+                        <a:t>Aspiration Rate</a:t>
+                      </a:r>
+                    </a:p>
+                  </a:txBody>
+                  <a:tcPr/>
+                </a:tc>
+                <a:tc>
+                  <a:txBody>
+                    <a:bodyPr/>
+                    <a:lstStyle/>
+                    <a:p>
+                      <a:pPr algn="l"/>
+                      <a:r>
+                        <a:rPr lang="en-SG" sz="1600" dirty="0"/>
+                        <a:t>Dispense Rate</a:t>
+                      </a:r>
+                    </a:p>
+                  </a:txBody>
+                  <a:tcPr/>
+                </a:tc>
+                <a:tc>
+                  <a:txBody>
+                    <a:bodyPr/>
+                    <a:lstStyle/>
+                    <a:p>
+                      <a:pPr algn="l"/>
+                      <a:r>
+                        <a:rPr lang="en-SG" sz="1600" dirty="0"/>
+                        <a:t>Blow Out Rate</a:t>
+                      </a:r>
+                    </a:p>
+                  </a:txBody>
+                  <a:tcPr/>
+                </a:tc>
+                <a:tc>
+                  <a:txBody>
+                    <a:bodyPr/>
+                    <a:lstStyle/>
+                    <a:p>
+                      <a:pPr algn="l"/>
+                      <a:r>
+                        <a:rPr lang="en-SG" sz="1600" dirty="0"/>
+                        <a:t>Delay Aspirate</a:t>
+                      </a:r>
+                    </a:p>
+                  </a:txBody>
+                  <a:tcPr/>
+                </a:tc>
+                <a:tc>
+                  <a:txBody>
+                    <a:bodyPr/>
+                    <a:lstStyle/>
+                    <a:p>
+                      <a:pPr algn="l"/>
+                      <a:r>
+                        <a:rPr lang="en-SG" sz="1600" dirty="0"/>
+                        <a:t>Delay Dispense</a:t>
+                      </a:r>
+                    </a:p>
+                  </a:txBody>
+                  <a:tcPr/>
+                </a:tc>
+                <a:tc>
+                  <a:txBody>
+                    <a:bodyPr/>
+                    <a:lstStyle/>
+                    <a:p>
+                      <a:pPr algn="l"/>
+                      <a:r>
+                        <a:rPr lang="en-SG" sz="1600" dirty="0"/>
+                        <a:t>Delay Blow Out</a:t>
+                      </a:r>
+                    </a:p>
+                  </a:txBody>
+                  <a:tcPr/>
+                </a:tc>
+                <a:tc>
+                  <a:txBody>
+                    <a:bodyPr/>
+                    <a:lstStyle/>
+                    <a:p>
+                      <a:pPr algn="l"/>
+                      <a:r>
+                        <a:rPr lang="en-SG" sz="1600" dirty="0"/>
+                        <a:t>%error</a:t>
+                      </a:r>
+                    </a:p>
+                  </a:txBody>
+                  <a:tcPr/>
+                </a:tc>
+                <a:tc>
+                  <a:txBody>
+                    <a:bodyPr/>
+                    <a:lstStyle/>
+                    <a:p>
+                      <a:pPr algn="l"/>
+                      <a:r>
+                        <a:rPr lang="en-SG" sz="1600" dirty="0"/>
+                        <a:t>Total Time for transfer 1000 </a:t>
+                      </a:r>
+                      <a:r>
+                        <a:rPr lang="en-SG" sz="1600" dirty="0" err="1"/>
+                        <a:t>ul</a:t>
+                      </a:r>
+                      <a:endParaRPr lang="en-SG" sz="1600" dirty="0"/>
+                    </a:p>
+                  </a:txBody>
+                  <a:tcPr/>
+                </a:tc>
+                <a:tc>
+                  <a:txBody>
+                    <a:bodyPr/>
+                    <a:lstStyle/>
+                    <a:p>
+                      <a:pPr algn="l"/>
+                      <a:r>
+                        <a:rPr lang="en-SG" sz="1600" dirty="0"/>
+                        <a:t>Iteration</a:t>
+                      </a:r>
+                    </a:p>
+                  </a:txBody>
+                  <a:tcPr/>
+                </a:tc>
+                <a:extLst>
+                  <a:ext uri="{0D108BD9-81ED-4DB2-BD59-A6C34878D82A}">
+                    <a16:rowId xmlns:a16="http://schemas.microsoft.com/office/drawing/2014/main" val="360042618"/>
+                  </a:ext>
+                </a:extLst>
+              </a:tr>
+              <a:tr h="370840">
+                <a:tc>
+                  <a:txBody>
+                    <a:bodyPr/>
+                    <a:lstStyle/>
+                    <a:p>
+                      <a:pPr algn="l"/>
+                      <a:r>
+                        <a:rPr lang="en-SG" sz="1600" dirty="0"/>
+                        <a:t>300</a:t>
+                      </a:r>
+                    </a:p>
+                  </a:txBody>
+                  <a:tcPr>
+                    <a:solidFill>
+                      <a:srgbClr val="FFFF00"/>
+                    </a:solidFill>
+                  </a:tcPr>
+                </a:tc>
+                <a:tc>
+                  <a:txBody>
+                    <a:bodyPr/>
+                    <a:lstStyle/>
+                    <a:p>
+                      <a:pPr algn="l"/>
+                      <a:r>
+                        <a:rPr lang="en-SG" sz="1600" dirty="0"/>
+                        <a:t>ML</a:t>
+                      </a:r>
+                    </a:p>
+                  </a:txBody>
+                  <a:tcPr>
+                    <a:solidFill>
+                      <a:srgbClr val="FFFF00"/>
+                    </a:solidFill>
+                  </a:tcPr>
+                </a:tc>
+                <a:tc>
+                  <a:txBody>
+                    <a:bodyPr/>
+                    <a:lstStyle/>
+                    <a:p>
+                      <a:pPr algn="l"/>
+                      <a:r>
+                        <a:rPr lang="en-SG" sz="1600" dirty="0"/>
+                        <a:t>54.909220</a:t>
+                      </a:r>
+                    </a:p>
+                  </a:txBody>
+                  <a:tcPr>
+                    <a:solidFill>
+                      <a:srgbClr val="FFFF00"/>
+                    </a:solidFill>
+                  </a:tcPr>
+                </a:tc>
+                <a:tc>
+                  <a:txBody>
+                    <a:bodyPr/>
+                    <a:lstStyle/>
+                    <a:p>
+                      <a:pPr algn="l" fontAlgn="ctr"/>
+                      <a:r>
+                        <a:rPr lang="en-SG" sz="1600" dirty="0">
+                          <a:effectLst/>
+                        </a:rPr>
+                        <a:t>35.685845	</a:t>
+                      </a:r>
+                    </a:p>
+                  </a:txBody>
+                  <a:tcPr anchor="ctr">
+                    <a:solidFill>
+                      <a:srgbClr val="FFFF00"/>
+                    </a:solidFill>
+                  </a:tcPr>
+                </a:tc>
+                <a:tc>
+                  <a:txBody>
+                    <a:bodyPr/>
+                    <a:lstStyle/>
+                    <a:p>
+                      <a:pPr algn="l"/>
+                      <a:r>
+                        <a:rPr lang="en-SG" sz="1600" dirty="0"/>
+                        <a:t>0</a:t>
+                      </a:r>
+                    </a:p>
+                  </a:txBody>
+                  <a:tcPr>
+                    <a:solidFill>
+                      <a:srgbClr val="FFFF00"/>
+                    </a:solidFill>
+                  </a:tcPr>
+                </a:tc>
+                <a:tc>
+                  <a:txBody>
+                    <a:bodyPr/>
+                    <a:lstStyle/>
+                    <a:p>
+                      <a:pPr algn="l"/>
+                      <a:r>
+                        <a:rPr lang="en-SG" sz="1600" dirty="0"/>
+                        <a:t>5</a:t>
+                      </a:r>
+                    </a:p>
+                  </a:txBody>
+                  <a:tcPr>
+                    <a:solidFill>
+                      <a:srgbClr val="FFFF00"/>
+                    </a:solidFill>
+                  </a:tcPr>
+                </a:tc>
+                <a:tc>
+                  <a:txBody>
+                    <a:bodyPr/>
+                    <a:lstStyle/>
+                    <a:p>
+                      <a:pPr algn="l"/>
+                      <a:r>
+                        <a:rPr lang="en-SG" sz="1600" dirty="0"/>
+                        <a:t>5</a:t>
+                      </a:r>
+                    </a:p>
+                  </a:txBody>
+                  <a:tcPr>
+                    <a:solidFill>
+                      <a:srgbClr val="FFFF00"/>
+                    </a:solidFill>
+                  </a:tcPr>
+                </a:tc>
+                <a:tc>
+                  <a:txBody>
+                    <a:bodyPr/>
+                    <a:lstStyle/>
+                    <a:p>
+                      <a:pPr algn="l" fontAlgn="ctr"/>
+                      <a:r>
+                        <a:rPr lang="en-SG" sz="1600" dirty="0">
+                          <a:effectLst/>
+                        </a:rPr>
+                        <a:t>0</a:t>
+                      </a:r>
+                    </a:p>
+                  </a:txBody>
+                  <a:tcPr anchor="ctr">
+                    <a:solidFill>
+                      <a:srgbClr val="FFFF00"/>
+                    </a:solidFill>
+                  </a:tcPr>
+                </a:tc>
+                <a:tc>
+                  <a:txBody>
+                    <a:bodyPr/>
+                    <a:lstStyle/>
+                    <a:p>
+                      <a:pPr algn="l" fontAlgn="ctr"/>
+                      <a:r>
+                        <a:rPr lang="en-SG" sz="1600" dirty="0">
+                          <a:effectLst/>
+                        </a:rPr>
+                        <a:t>-0.984010	</a:t>
+                      </a:r>
+                    </a:p>
+                  </a:txBody>
+                  <a:tcPr anchor="ctr">
+                    <a:solidFill>
+                      <a:srgbClr val="FFFF00"/>
+                    </a:solidFill>
+                  </a:tcPr>
+                </a:tc>
+                <a:tc>
+                  <a:txBody>
+                    <a:bodyPr/>
+                    <a:lstStyle/>
+                    <a:p>
+                      <a:pPr algn="l"/>
+                      <a:r>
+                        <a:rPr lang="en-SG" sz="1600" dirty="0"/>
+                        <a:t>56.234193	</a:t>
+                      </a:r>
+                    </a:p>
+                  </a:txBody>
+                  <a:tcPr>
+                    <a:solidFill>
+                      <a:srgbClr val="FFFF00"/>
+                    </a:solidFill>
+                  </a:tcPr>
+                </a:tc>
+                <a:tc>
+                  <a:txBody>
+                    <a:bodyPr/>
+                    <a:lstStyle/>
+                    <a:p>
+                      <a:pPr algn="l"/>
+                      <a:r>
+                        <a:rPr lang="en-SG" sz="1600" dirty="0"/>
+                        <a:t>6</a:t>
+                      </a:r>
+                    </a:p>
+                  </a:txBody>
+                  <a:tcPr>
+                    <a:solidFill>
+                      <a:srgbClr val="FFFF00"/>
+                    </a:solidFill>
+                  </a:tcPr>
+                </a:tc>
+                <a:extLst>
+                  <a:ext uri="{0D108BD9-81ED-4DB2-BD59-A6C34878D82A}">
+                    <a16:rowId xmlns:a16="http://schemas.microsoft.com/office/drawing/2014/main" val="2839940444"/>
+                  </a:ext>
+                </a:extLst>
+              </a:tr>
+              <a:tr h="370840">
+                <a:tc>
+                  <a:txBody>
+                    <a:bodyPr/>
+                    <a:lstStyle/>
+                    <a:p>
+                      <a:pPr algn="l"/>
+                      <a:r>
+                        <a:rPr lang="en-SG" sz="1600" dirty="0"/>
+                        <a:t>300</a:t>
+                      </a:r>
+                    </a:p>
+                  </a:txBody>
+                  <a:tcPr>
+                    <a:solidFill>
+                      <a:srgbClr val="FFFF00"/>
+                    </a:solidFill>
+                  </a:tcPr>
+                </a:tc>
+                <a:tc>
+                  <a:txBody>
+                    <a:bodyPr/>
+                    <a:lstStyle/>
+                    <a:p>
+                      <a:pPr algn="l"/>
+                      <a:r>
+                        <a:rPr lang="en-SG" sz="1600" dirty="0"/>
+                        <a:t>ML</a:t>
+                      </a:r>
+                    </a:p>
+                  </a:txBody>
+                  <a:tcPr>
+                    <a:solidFill>
+                      <a:srgbClr val="FFFF00"/>
+                    </a:solidFill>
+                  </a:tcPr>
+                </a:tc>
+                <a:tc>
+                  <a:txBody>
+                    <a:bodyPr/>
+                    <a:lstStyle/>
+                    <a:p>
+                      <a:pPr algn="l"/>
+                      <a:r>
+                        <a:rPr lang="en-SG" sz="1600" dirty="0"/>
+                        <a:t>45.322314</a:t>
+                      </a:r>
+                    </a:p>
+                  </a:txBody>
+                  <a:tcPr>
+                    <a:solidFill>
+                      <a:srgbClr val="FFFF00"/>
+                    </a:solidFill>
+                  </a:tcPr>
+                </a:tc>
+                <a:tc>
+                  <a:txBody>
+                    <a:bodyPr/>
+                    <a:lstStyle/>
+                    <a:p>
+                      <a:pPr algn="l" fontAlgn="ctr"/>
+                      <a:r>
+                        <a:rPr lang="en-SG" sz="1600" dirty="0">
+                          <a:effectLst/>
+                        </a:rPr>
+                        <a:t>35.333833	</a:t>
+                      </a:r>
+                    </a:p>
+                  </a:txBody>
+                  <a:tcPr anchor="ctr">
+                    <a:solidFill>
+                      <a:srgbClr val="FFFF00"/>
+                    </a:solidFill>
+                  </a:tcPr>
+                </a:tc>
+                <a:tc>
+                  <a:txBody>
+                    <a:bodyPr/>
+                    <a:lstStyle/>
+                    <a:p>
+                      <a:pPr algn="l"/>
+                      <a:r>
+                        <a:rPr lang="en-SG" sz="1600" dirty="0"/>
+                        <a:t>0</a:t>
+                      </a:r>
+                    </a:p>
+                  </a:txBody>
+                  <a:tcPr>
+                    <a:solidFill>
+                      <a:srgbClr val="FFFF00"/>
+                    </a:solidFill>
+                  </a:tcPr>
+                </a:tc>
+                <a:tc>
+                  <a:txBody>
+                    <a:bodyPr/>
+                    <a:lstStyle/>
+                    <a:p>
+                      <a:pPr algn="l"/>
+                      <a:r>
+                        <a:rPr lang="en-SG" sz="1600" dirty="0"/>
+                        <a:t>5</a:t>
+                      </a:r>
+                    </a:p>
+                  </a:txBody>
+                  <a:tcPr>
+                    <a:solidFill>
+                      <a:srgbClr val="FFFF00"/>
+                    </a:solidFill>
+                  </a:tcPr>
+                </a:tc>
+                <a:tc>
+                  <a:txBody>
+                    <a:bodyPr/>
+                    <a:lstStyle/>
+                    <a:p>
+                      <a:pPr algn="l"/>
+                      <a:r>
+                        <a:rPr lang="en-SG" sz="1600" dirty="0"/>
+                        <a:t>5</a:t>
+                      </a:r>
+                    </a:p>
+                  </a:txBody>
+                  <a:tcPr>
+                    <a:solidFill>
+                      <a:srgbClr val="FFFF00"/>
+                    </a:solidFill>
+                  </a:tcPr>
+                </a:tc>
+                <a:tc>
+                  <a:txBody>
+                    <a:bodyPr/>
+                    <a:lstStyle/>
+                    <a:p>
+                      <a:pPr algn="l" fontAlgn="ctr"/>
+                      <a:r>
+                        <a:rPr lang="en-SG" sz="1600" dirty="0">
+                          <a:effectLst/>
+                        </a:rPr>
+                        <a:t>0</a:t>
+                      </a:r>
+                    </a:p>
+                  </a:txBody>
+                  <a:tcPr anchor="ctr">
+                    <a:solidFill>
+                      <a:srgbClr val="FFFF00"/>
+                    </a:solidFill>
+                  </a:tcPr>
+                </a:tc>
+                <a:tc>
+                  <a:txBody>
+                    <a:bodyPr/>
+                    <a:lstStyle/>
+                    <a:p>
+                      <a:pPr algn="l" fontAlgn="ctr"/>
+                      <a:r>
+                        <a:rPr lang="en-SG" sz="1600" dirty="0">
+                          <a:effectLst/>
+                        </a:rPr>
+                        <a:t>0.899446	</a:t>
+                      </a:r>
+                    </a:p>
+                  </a:txBody>
+                  <a:tcPr anchor="ctr">
+                    <a:solidFill>
+                      <a:srgbClr val="FFFF00"/>
+                    </a:solidFill>
+                  </a:tcPr>
+                </a:tc>
+                <a:tc>
+                  <a:txBody>
+                    <a:bodyPr/>
+                    <a:lstStyle/>
+                    <a:p>
+                      <a:pPr algn="l"/>
+                      <a:r>
+                        <a:rPr lang="en-SG" sz="1600" dirty="0"/>
+                        <a:t>60.365673	</a:t>
+                      </a:r>
+                    </a:p>
+                  </a:txBody>
+                  <a:tcPr>
+                    <a:solidFill>
+                      <a:srgbClr val="FFFF00"/>
+                    </a:solidFill>
+                  </a:tcPr>
+                </a:tc>
+                <a:tc>
+                  <a:txBody>
+                    <a:bodyPr/>
+                    <a:lstStyle/>
+                    <a:p>
+                      <a:pPr algn="l"/>
+                      <a:r>
+                        <a:rPr lang="en-SG" sz="1600" dirty="0"/>
+                        <a:t>7</a:t>
+                      </a:r>
+                    </a:p>
+                  </a:txBody>
+                  <a:tcPr>
+                    <a:solidFill>
+                      <a:srgbClr val="FFFF00"/>
+                    </a:solidFill>
+                  </a:tcPr>
+                </a:tc>
+                <a:extLst>
+                  <a:ext uri="{0D108BD9-81ED-4DB2-BD59-A6C34878D82A}">
+                    <a16:rowId xmlns:a16="http://schemas.microsoft.com/office/drawing/2014/main" val="2869700518"/>
+                  </a:ext>
+                </a:extLst>
+              </a:tr>
+              <a:tr h="370840">
+                <a:tc>
+                  <a:txBody>
+                    <a:bodyPr/>
+                    <a:lstStyle/>
+                    <a:p>
+                      <a:pPr algn="l"/>
+                      <a:r>
+                        <a:rPr lang="en-SG" sz="1600" dirty="0"/>
+                        <a:t>300</a:t>
+                      </a:r>
+                    </a:p>
+                  </a:txBody>
+                  <a:tcPr/>
+                </a:tc>
+                <a:tc>
+                  <a:txBody>
+                    <a:bodyPr/>
+                    <a:lstStyle/>
+                    <a:p>
+                      <a:pPr algn="l"/>
+                      <a:r>
+                        <a:rPr lang="en-SG" sz="1600" dirty="0"/>
+                        <a:t>Human</a:t>
+                      </a:r>
+                    </a:p>
+                  </a:txBody>
+                  <a:tcPr/>
+                </a:tc>
+                <a:tc>
+                  <a:txBody>
+                    <a:bodyPr/>
+                    <a:lstStyle/>
+                    <a:p>
+                      <a:pPr algn="l"/>
+                      <a:r>
+                        <a:rPr lang="en-SG" sz="1600" dirty="0"/>
+                        <a:t>53</a:t>
+                      </a:r>
+                    </a:p>
+                  </a:txBody>
+                  <a:tcPr/>
+                </a:tc>
+                <a:tc>
+                  <a:txBody>
+                    <a:bodyPr/>
+                    <a:lstStyle/>
+                    <a:p>
+                      <a:pPr algn="l"/>
+                      <a:r>
+                        <a:rPr lang="en-SG" sz="1600" dirty="0"/>
+                        <a:t>53</a:t>
+                      </a:r>
+                    </a:p>
+                  </a:txBody>
+                  <a:tcPr/>
+                </a:tc>
+                <a:tc>
+                  <a:txBody>
+                    <a:bodyPr/>
+                    <a:lstStyle/>
+                    <a:p>
+                      <a:pPr algn="l"/>
+                      <a:r>
+                        <a:rPr lang="en-SG" sz="1600" dirty="0"/>
+                        <a:t>5 </a:t>
+                      </a:r>
+                    </a:p>
+                  </a:txBody>
+                  <a:tcPr/>
+                </a:tc>
+                <a:tc>
+                  <a:txBody>
+                    <a:bodyPr/>
+                    <a:lstStyle/>
+                    <a:p>
+                      <a:pPr algn="l"/>
+                      <a:r>
+                        <a:rPr lang="en-SG" sz="1600" dirty="0"/>
+                        <a:t>2.83</a:t>
+                      </a:r>
+                    </a:p>
+                  </a:txBody>
+                  <a:tcPr/>
+                </a:tc>
+                <a:tc>
+                  <a:txBody>
+                    <a:bodyPr/>
+                    <a:lstStyle/>
+                    <a:p>
+                      <a:pPr algn="l"/>
+                      <a:r>
+                        <a:rPr lang="en-SG" sz="1600" dirty="0"/>
+                        <a:t>3</a:t>
+                      </a:r>
+                    </a:p>
+                  </a:txBody>
+                  <a:tcPr/>
+                </a:tc>
+                <a:tc>
+                  <a:txBody>
+                    <a:bodyPr/>
+                    <a:lstStyle/>
+                    <a:p>
+                      <a:pPr algn="l"/>
+                      <a:r>
+                        <a:rPr lang="en-SG" sz="1600" dirty="0"/>
+                        <a:t>0</a:t>
+                      </a:r>
+                    </a:p>
+                  </a:txBody>
+                  <a:tcPr/>
+                </a:tc>
+                <a:tc>
+                  <a:txBody>
+                    <a:bodyPr/>
+                    <a:lstStyle/>
+                    <a:p>
+                      <a:pPr algn="l"/>
+                      <a:r>
+                        <a:rPr lang="en-SG" sz="1600" dirty="0"/>
+                        <a:t>-0.023063	</a:t>
+                      </a:r>
+                    </a:p>
+                  </a:txBody>
+                  <a:tcPr/>
+                </a:tc>
+                <a:tc>
+                  <a:txBody>
+                    <a:bodyPr/>
+                    <a:lstStyle/>
+                    <a:p>
+                      <a:pPr algn="l"/>
+                      <a:r>
+                        <a:rPr lang="en-SG" sz="1600" dirty="0"/>
+                        <a:t>73.565849</a:t>
+                      </a:r>
+                    </a:p>
+                  </a:txBody>
+                  <a:tcPr/>
+                </a:tc>
+                <a:tc>
+                  <a:txBody>
+                    <a:bodyPr/>
+                    <a:lstStyle/>
+                    <a:p>
+                      <a:pPr algn="l"/>
+                      <a:r>
+                        <a:rPr lang="en-SG" sz="1600" dirty="0"/>
+                        <a:t>16</a:t>
+                      </a:r>
+                    </a:p>
+                  </a:txBody>
+                  <a:tcPr/>
+                </a:tc>
+                <a:extLst>
+                  <a:ext uri="{0D108BD9-81ED-4DB2-BD59-A6C34878D82A}">
+                    <a16:rowId xmlns:a16="http://schemas.microsoft.com/office/drawing/2014/main" val="2296966347"/>
+                  </a:ext>
+                </a:extLst>
+              </a:tr>
+              <a:tr h="370840">
+                <a:tc>
+                  <a:txBody>
+                    <a:bodyPr/>
+                    <a:lstStyle/>
+                    <a:p>
+                      <a:pPr algn="l"/>
+                      <a:r>
+                        <a:rPr lang="en-SG" sz="1600" dirty="0"/>
+                        <a:t>500</a:t>
+                      </a:r>
+                    </a:p>
+                  </a:txBody>
+                  <a:tcPr/>
+                </a:tc>
+                <a:tc>
+                  <a:txBody>
+                    <a:bodyPr/>
+                    <a:lstStyle/>
+                    <a:p>
+                      <a:pPr algn="l"/>
+                      <a:r>
+                        <a:rPr lang="en-SG" sz="1600" dirty="0"/>
+                        <a:t>ML</a:t>
+                      </a:r>
+                    </a:p>
+                  </a:txBody>
+                  <a:tcPr/>
+                </a:tc>
+                <a:tc>
+                  <a:txBody>
+                    <a:bodyPr/>
+                    <a:lstStyle/>
+                    <a:p>
+                      <a:pPr algn="l"/>
+                      <a:r>
+                        <a:rPr lang="en-SG" sz="1600" dirty="0"/>
+                        <a:t>54.909220</a:t>
+                      </a:r>
+                    </a:p>
+                  </a:txBody>
+                  <a:tcPr/>
+                </a:tc>
+                <a:tc>
+                  <a:txBody>
+                    <a:bodyPr/>
+                    <a:lstStyle/>
+                    <a:p>
+                      <a:pPr algn="l"/>
+                      <a:r>
+                        <a:rPr lang="en-SG" sz="1600" dirty="0"/>
+                        <a:t>35.685845</a:t>
+                      </a:r>
+                    </a:p>
+                  </a:txBody>
+                  <a:tcPr/>
+                </a:tc>
+                <a:tc>
+                  <a:txBody>
+                    <a:bodyPr/>
+                    <a:lstStyle/>
+                    <a:p>
+                      <a:pPr algn="l"/>
+                      <a:r>
+                        <a:rPr lang="en-SG" sz="1600" dirty="0"/>
+                        <a:t>0</a:t>
+                      </a:r>
+                    </a:p>
+                  </a:txBody>
+                  <a:tcPr/>
+                </a:tc>
+                <a:tc>
+                  <a:txBody>
+                    <a:bodyPr/>
+                    <a:lstStyle/>
+                    <a:p>
+                      <a:pPr algn="l"/>
+                      <a:r>
+                        <a:rPr lang="en-SG" sz="1600" dirty="0"/>
+                        <a:t>5</a:t>
+                      </a:r>
+                    </a:p>
+                  </a:txBody>
+                  <a:tcPr/>
+                </a:tc>
+                <a:tc>
+                  <a:txBody>
+                    <a:bodyPr/>
+                    <a:lstStyle/>
+                    <a:p>
+                      <a:pPr algn="l"/>
+                      <a:r>
+                        <a:rPr lang="en-SG" sz="1600" dirty="0"/>
+                        <a:t>5</a:t>
+                      </a:r>
+                    </a:p>
+                  </a:txBody>
+                  <a:tcPr/>
+                </a:tc>
+                <a:tc>
+                  <a:txBody>
+                    <a:bodyPr/>
+                    <a:lstStyle/>
+                    <a:p>
+                      <a:pPr algn="l" fontAlgn="ctr"/>
+                      <a:r>
+                        <a:rPr lang="en-SG" sz="1600" dirty="0">
+                          <a:effectLst/>
+                        </a:rPr>
+                        <a:t>0</a:t>
+                      </a:r>
+                    </a:p>
+                  </a:txBody>
+                  <a:tcPr anchor="ctr"/>
+                </a:tc>
+                <a:tc>
+                  <a:txBody>
+                    <a:bodyPr/>
+                    <a:lstStyle/>
+                    <a:p>
+                      <a:pPr algn="l"/>
+                      <a:r>
+                        <a:rPr lang="en-SG" sz="1600" dirty="0"/>
+                        <a:t>-0.415129</a:t>
+                      </a:r>
+                    </a:p>
+                  </a:txBody>
+                  <a:tcPr/>
+                </a:tc>
+                <a:tc>
+                  <a:txBody>
+                    <a:bodyPr/>
+                    <a:lstStyle/>
+                    <a:p>
+                      <a:pPr algn="l"/>
+                      <a:r>
+                        <a:rPr lang="en-SG" sz="1600" dirty="0"/>
+                        <a:t>56.234193</a:t>
+                      </a:r>
+                    </a:p>
+                  </a:txBody>
+                  <a:tcPr/>
+                </a:tc>
+                <a:tc>
+                  <a:txBody>
+                    <a:bodyPr/>
+                    <a:lstStyle/>
+                    <a:p>
+                      <a:pPr algn="l"/>
+                      <a:r>
+                        <a:rPr lang="en-SG" sz="1600" dirty="0"/>
+                        <a:t>6</a:t>
+                      </a:r>
+                    </a:p>
+                  </a:txBody>
+                  <a:tcPr/>
+                </a:tc>
+                <a:extLst>
+                  <a:ext uri="{0D108BD9-81ED-4DB2-BD59-A6C34878D82A}">
+                    <a16:rowId xmlns:a16="http://schemas.microsoft.com/office/drawing/2014/main" val="1124578759"/>
+                  </a:ext>
+                </a:extLst>
+              </a:tr>
+              <a:tr h="370840">
+                <a:tc>
+                  <a:txBody>
+                    <a:bodyPr/>
+                    <a:lstStyle/>
+                    <a:p>
+                      <a:pPr algn="l"/>
+                      <a:r>
+                        <a:rPr lang="en-SG" sz="1600" dirty="0"/>
+                        <a:t>500</a:t>
+                      </a:r>
+                    </a:p>
+                  </a:txBody>
+                  <a:tcPr/>
+                </a:tc>
+                <a:tc>
+                  <a:txBody>
+                    <a:bodyPr/>
+                    <a:lstStyle/>
+                    <a:p>
+                      <a:pPr algn="l"/>
+                      <a:r>
+                        <a:rPr lang="en-SG" sz="1600" dirty="0"/>
+                        <a:t>Human</a:t>
+                      </a:r>
+                    </a:p>
+                  </a:txBody>
+                  <a:tcPr/>
+                </a:tc>
+                <a:tc>
+                  <a:txBody>
+                    <a:bodyPr/>
+                    <a:lstStyle/>
+                    <a:p>
+                      <a:pPr algn="l"/>
+                      <a:r>
+                        <a:rPr lang="en-SG" sz="1600" dirty="0"/>
+                        <a:t>53</a:t>
+                      </a:r>
+                    </a:p>
+                  </a:txBody>
+                  <a:tcPr/>
+                </a:tc>
+                <a:tc>
+                  <a:txBody>
+                    <a:bodyPr/>
+                    <a:lstStyle/>
+                    <a:p>
+                      <a:pPr algn="l"/>
+                      <a:r>
+                        <a:rPr lang="en-SG" sz="1600" dirty="0"/>
+                        <a:t>53</a:t>
+                      </a:r>
+                    </a:p>
+                  </a:txBody>
+                  <a:tcPr/>
+                </a:tc>
+                <a:tc>
+                  <a:txBody>
+                    <a:bodyPr/>
+                    <a:lstStyle/>
+                    <a:p>
+                      <a:pPr algn="l"/>
+                      <a:r>
+                        <a:rPr lang="en-SG" sz="1600" dirty="0"/>
+                        <a:t>5</a:t>
+                      </a:r>
+                    </a:p>
+                  </a:txBody>
+                  <a:tcPr/>
+                </a:tc>
+                <a:tc>
+                  <a:txBody>
+                    <a:bodyPr/>
+                    <a:lstStyle/>
+                    <a:p>
+                      <a:pPr algn="l"/>
+                      <a:r>
+                        <a:rPr lang="en-SG" sz="1600" dirty="0"/>
+                        <a:t>3</a:t>
+                      </a:r>
+                    </a:p>
+                  </a:txBody>
+                  <a:tcPr/>
+                </a:tc>
+                <a:tc>
+                  <a:txBody>
+                    <a:bodyPr/>
+                    <a:lstStyle/>
+                    <a:p>
+                      <a:pPr algn="l"/>
+                      <a:r>
+                        <a:rPr lang="en-SG" sz="1600" dirty="0"/>
+                        <a:t>3</a:t>
+                      </a:r>
+                    </a:p>
+                  </a:txBody>
+                  <a:tcPr/>
+                </a:tc>
+                <a:tc>
+                  <a:txBody>
+                    <a:bodyPr/>
+                    <a:lstStyle/>
+                    <a:p>
+                      <a:pPr algn="l"/>
+                      <a:r>
+                        <a:rPr lang="en-SG" sz="1600" dirty="0"/>
+                        <a:t>0</a:t>
+                      </a:r>
+                    </a:p>
+                  </a:txBody>
+                  <a:tcPr/>
+                </a:tc>
+                <a:tc>
+                  <a:txBody>
+                    <a:bodyPr/>
+                    <a:lstStyle/>
+                    <a:p>
+                      <a:pPr algn="l"/>
+                      <a:r>
+                        <a:rPr lang="en-SG" sz="1600" dirty="0"/>
+                        <a:t>-0.668819	</a:t>
+                      </a:r>
+                    </a:p>
+                  </a:txBody>
+                  <a:tcPr/>
+                </a:tc>
+                <a:tc>
+                  <a:txBody>
+                    <a:bodyPr/>
+                    <a:lstStyle/>
+                    <a:p>
+                      <a:pPr algn="l"/>
+                      <a:r>
+                        <a:rPr lang="en-SG" sz="1600" dirty="0"/>
+                        <a:t>73.735849	</a:t>
+                      </a:r>
+                    </a:p>
+                  </a:txBody>
+                  <a:tcPr/>
+                </a:tc>
+                <a:tc>
+                  <a:txBody>
+                    <a:bodyPr/>
+                    <a:lstStyle/>
+                    <a:p>
+                      <a:pPr algn="l"/>
+                      <a:r>
+                        <a:rPr lang="en-SG" sz="1600" dirty="0"/>
+                        <a:t>6</a:t>
+                      </a:r>
+                    </a:p>
+                  </a:txBody>
+                  <a:tcPr/>
+                </a:tc>
+                <a:extLst>
+                  <a:ext uri="{0D108BD9-81ED-4DB2-BD59-A6C34878D82A}">
+                    <a16:rowId xmlns:a16="http://schemas.microsoft.com/office/drawing/2014/main" val="480828811"/>
+                  </a:ext>
+                </a:extLst>
+              </a:tr>
+              <a:tr h="370840">
+                <a:tc>
+                  <a:txBody>
+                    <a:bodyPr/>
+                    <a:lstStyle/>
+                    <a:p>
+                      <a:pPr algn="l"/>
+                      <a:r>
+                        <a:rPr lang="en-SG" sz="1600" dirty="0"/>
+                        <a:t>1000</a:t>
+                      </a:r>
+                    </a:p>
+                  </a:txBody>
+                  <a:tcPr>
+                    <a:solidFill>
+                      <a:srgbClr val="CFD5EA"/>
+                    </a:solidFill>
+                  </a:tcPr>
+                </a:tc>
+                <a:tc>
+                  <a:txBody>
+                    <a:bodyPr/>
+                    <a:lstStyle/>
+                    <a:p>
+                      <a:pPr algn="l"/>
+                      <a:r>
+                        <a:rPr lang="en-SG" sz="1600" dirty="0"/>
+                        <a:t>ML</a:t>
+                      </a:r>
+                    </a:p>
+                  </a:txBody>
+                  <a:tcPr>
+                    <a:solidFill>
+                      <a:srgbClr val="CFD5EA"/>
+                    </a:solidFill>
+                  </a:tcPr>
+                </a:tc>
+                <a:tc>
+                  <a:txBody>
+                    <a:bodyPr/>
+                    <a:lstStyle/>
+                    <a:p>
+                      <a:pPr algn="l"/>
+                      <a:r>
+                        <a:rPr lang="en-SG" sz="1600" dirty="0"/>
+                        <a:t>44.249646</a:t>
+                      </a:r>
+                    </a:p>
+                  </a:txBody>
+                  <a:tcPr>
+                    <a:solidFill>
+                      <a:srgbClr val="CFD5EA"/>
+                    </a:solidFill>
+                  </a:tcPr>
+                </a:tc>
+                <a:tc>
+                  <a:txBody>
+                    <a:bodyPr/>
+                    <a:lstStyle/>
+                    <a:p>
+                      <a:pPr algn="l"/>
+                      <a:r>
+                        <a:rPr lang="en-SG" sz="1600" dirty="0"/>
+                        <a:t>22.724214	</a:t>
+                      </a:r>
+                    </a:p>
+                  </a:txBody>
+                  <a:tcPr>
+                    <a:solidFill>
+                      <a:srgbClr val="CFD5EA"/>
+                    </a:solidFill>
+                  </a:tcPr>
+                </a:tc>
+                <a:tc>
+                  <a:txBody>
+                    <a:bodyPr/>
+                    <a:lstStyle/>
+                    <a:p>
+                      <a:pPr algn="l"/>
+                      <a:r>
+                        <a:rPr lang="en-SG" sz="1600" dirty="0"/>
+                        <a:t>0</a:t>
+                      </a:r>
+                    </a:p>
+                  </a:txBody>
+                  <a:tcPr>
+                    <a:solidFill>
+                      <a:srgbClr val="CFD5EA"/>
+                    </a:solidFill>
+                  </a:tcPr>
+                </a:tc>
+                <a:tc>
+                  <a:txBody>
+                    <a:bodyPr/>
+                    <a:lstStyle/>
+                    <a:p>
+                      <a:pPr algn="l"/>
+                      <a:r>
+                        <a:rPr lang="en-SG" sz="1600" dirty="0"/>
+                        <a:t>5</a:t>
+                      </a:r>
+                    </a:p>
+                  </a:txBody>
+                  <a:tcPr>
+                    <a:solidFill>
+                      <a:srgbClr val="CFD5EA"/>
+                    </a:solidFill>
+                  </a:tcPr>
+                </a:tc>
+                <a:tc>
+                  <a:txBody>
+                    <a:bodyPr/>
+                    <a:lstStyle/>
+                    <a:p>
+                      <a:pPr algn="l"/>
+                      <a:r>
+                        <a:rPr lang="en-SG" sz="1600" dirty="0"/>
+                        <a:t>5</a:t>
+                      </a:r>
+                    </a:p>
+                  </a:txBody>
+                  <a:tcPr>
+                    <a:solidFill>
+                      <a:srgbClr val="CFD5EA"/>
+                    </a:solidFill>
+                  </a:tcPr>
+                </a:tc>
+                <a:tc>
+                  <a:txBody>
+                    <a:bodyPr/>
+                    <a:lstStyle/>
+                    <a:p>
+                      <a:pPr algn="l" fontAlgn="ctr"/>
+                      <a:r>
+                        <a:rPr lang="en-SG" sz="1600" dirty="0">
+                          <a:effectLst/>
+                        </a:rPr>
+                        <a:t>0</a:t>
+                      </a:r>
+                    </a:p>
+                  </a:txBody>
+                  <a:tcPr anchor="ctr">
+                    <a:solidFill>
+                      <a:srgbClr val="CFD5EA"/>
+                    </a:solidFill>
+                  </a:tcPr>
+                </a:tc>
+                <a:tc>
+                  <a:txBody>
+                    <a:bodyPr/>
+                    <a:lstStyle/>
+                    <a:p>
+                      <a:pPr algn="l"/>
+                      <a:r>
+                        <a:rPr lang="en-SG" sz="1600" dirty="0"/>
+                        <a:t>-1.845018	</a:t>
+                      </a:r>
+                    </a:p>
+                  </a:txBody>
+                  <a:tcPr>
+                    <a:solidFill>
+                      <a:srgbClr val="CFD5EA"/>
+                    </a:solidFill>
+                  </a:tcPr>
+                </a:tc>
+                <a:tc>
+                  <a:txBody>
+                    <a:bodyPr/>
+                    <a:lstStyle/>
+                    <a:p>
+                      <a:pPr algn="l"/>
+                      <a:r>
+                        <a:rPr lang="en-SG" sz="1600" dirty="0"/>
+                        <a:t>76.604973	</a:t>
+                      </a:r>
+                    </a:p>
+                  </a:txBody>
+                  <a:tcPr>
+                    <a:solidFill>
+                      <a:srgbClr val="CFD5EA"/>
+                    </a:solidFill>
+                  </a:tcPr>
+                </a:tc>
+                <a:tc>
+                  <a:txBody>
+                    <a:bodyPr/>
+                    <a:lstStyle/>
+                    <a:p>
+                      <a:pPr algn="l"/>
+                      <a:r>
+                        <a:rPr lang="en-SG" sz="1600" dirty="0"/>
+                        <a:t>10</a:t>
+                      </a:r>
+                    </a:p>
+                  </a:txBody>
+                  <a:tcPr>
+                    <a:solidFill>
+                      <a:srgbClr val="CFD5EA"/>
+                    </a:solidFill>
+                  </a:tcPr>
+                </a:tc>
+                <a:extLst>
+                  <a:ext uri="{0D108BD9-81ED-4DB2-BD59-A6C34878D82A}">
+                    <a16:rowId xmlns:a16="http://schemas.microsoft.com/office/drawing/2014/main" val="823961516"/>
+                  </a:ext>
+                </a:extLst>
+              </a:tr>
+              <a:tr h="370840">
+                <a:tc>
+                  <a:txBody>
+                    <a:bodyPr/>
+                    <a:lstStyle/>
+                    <a:p>
+                      <a:pPr algn="l"/>
+                      <a:r>
+                        <a:rPr lang="en-SG" sz="1600" dirty="0"/>
+                        <a:t>1000</a:t>
+                      </a:r>
+                    </a:p>
+                  </a:txBody>
+                  <a:tcPr/>
+                </a:tc>
+                <a:tc>
+                  <a:txBody>
+                    <a:bodyPr/>
+                    <a:lstStyle/>
+                    <a:p>
+                      <a:pPr algn="l"/>
+                      <a:r>
+                        <a:rPr lang="en-SG" sz="1600" dirty="0"/>
+                        <a:t>Human</a:t>
+                      </a:r>
+                    </a:p>
+                  </a:txBody>
+                  <a:tcPr/>
+                </a:tc>
+                <a:tc>
+                  <a:txBody>
+                    <a:bodyPr/>
+                    <a:lstStyle/>
+                    <a:p>
+                      <a:pPr algn="l"/>
+                      <a:r>
+                        <a:rPr lang="en-SG" sz="1600" dirty="0"/>
+                        <a:t>53</a:t>
+                      </a:r>
+                    </a:p>
+                  </a:txBody>
+                  <a:tcPr/>
+                </a:tc>
+                <a:tc>
+                  <a:txBody>
+                    <a:bodyPr/>
+                    <a:lstStyle/>
+                    <a:p>
+                      <a:pPr algn="l"/>
+                      <a:r>
+                        <a:rPr lang="en-SG" sz="1600" dirty="0"/>
+                        <a:t>53</a:t>
+                      </a:r>
+                    </a:p>
+                  </a:txBody>
+                  <a:tcPr/>
+                </a:tc>
+                <a:tc>
+                  <a:txBody>
+                    <a:bodyPr/>
+                    <a:lstStyle/>
+                    <a:p>
+                      <a:pPr algn="l"/>
+                      <a:r>
+                        <a:rPr lang="en-SG" sz="1600" dirty="0"/>
+                        <a:t>5</a:t>
+                      </a:r>
+                    </a:p>
+                  </a:txBody>
+                  <a:tcPr/>
+                </a:tc>
+                <a:tc>
+                  <a:txBody>
+                    <a:bodyPr/>
+                    <a:lstStyle/>
+                    <a:p>
+                      <a:pPr algn="l"/>
+                      <a:r>
+                        <a:rPr lang="en-SG" sz="1600" dirty="0"/>
+                        <a:t>1</a:t>
+                      </a:r>
+                    </a:p>
+                  </a:txBody>
+                  <a:tcPr/>
+                </a:tc>
+                <a:tc>
+                  <a:txBody>
+                    <a:bodyPr/>
+                    <a:lstStyle/>
+                    <a:p>
+                      <a:pPr algn="l"/>
+                      <a:r>
+                        <a:rPr lang="en-SG" sz="1600" dirty="0"/>
+                        <a:t>5</a:t>
+                      </a:r>
+                    </a:p>
+                  </a:txBody>
+                  <a:tcPr/>
+                </a:tc>
+                <a:tc>
+                  <a:txBody>
+                    <a:bodyPr/>
+                    <a:lstStyle/>
+                    <a:p>
+                      <a:pPr algn="l"/>
+                      <a:r>
+                        <a:rPr lang="en-SG" sz="1600" dirty="0"/>
+                        <a:t>0</a:t>
+                      </a:r>
+                    </a:p>
+                  </a:txBody>
+                  <a:tcPr/>
+                </a:tc>
+                <a:tc>
+                  <a:txBody>
+                    <a:bodyPr/>
+                    <a:lstStyle/>
+                    <a:p>
+                      <a:pPr algn="l"/>
+                      <a:r>
+                        <a:rPr lang="en-SG" sz="1600" dirty="0"/>
+                        <a:t>-0.438192	</a:t>
+                      </a:r>
+                    </a:p>
+                  </a:txBody>
+                  <a:tcPr/>
+                </a:tc>
+                <a:tc>
+                  <a:txBody>
+                    <a:bodyPr/>
+                    <a:lstStyle/>
+                    <a:p>
+                      <a:pPr algn="l"/>
+                      <a:r>
+                        <a:rPr lang="en-SG" sz="1600" dirty="0"/>
+                        <a:t>73.735849</a:t>
+                      </a:r>
+                    </a:p>
+                  </a:txBody>
+                  <a:tcPr/>
+                </a:tc>
+                <a:tc>
+                  <a:txBody>
+                    <a:bodyPr/>
+                    <a:lstStyle/>
+                    <a:p>
+                      <a:pPr algn="l"/>
+                      <a:r>
+                        <a:rPr lang="en-SG" sz="1600" dirty="0"/>
+                        <a:t>4</a:t>
+                      </a:r>
+                    </a:p>
+                  </a:txBody>
+                  <a:tcPr/>
+                </a:tc>
+                <a:extLst>
+                  <a:ext uri="{0D108BD9-81ED-4DB2-BD59-A6C34878D82A}">
+                    <a16:rowId xmlns:a16="http://schemas.microsoft.com/office/drawing/2014/main" val="2473693101"/>
+                  </a:ext>
+                </a:extLst>
+              </a:tr>
+              <a:tr h="370840">
+                <a:tc>
+                  <a:txBody>
+                    <a:bodyPr/>
+                    <a:lstStyle/>
+                    <a:p>
+                      <a:pPr algn="l"/>
+                      <a:r>
+                        <a:rPr lang="en-SG" sz="1600" dirty="0"/>
+                        <a:t>Mean</a:t>
+                      </a:r>
+                    </a:p>
+                  </a:txBody>
+                  <a:tcPr>
+                    <a:solidFill>
+                      <a:srgbClr val="FFFF00"/>
+                    </a:solidFill>
+                  </a:tcPr>
+                </a:tc>
+                <a:tc>
+                  <a:txBody>
+                    <a:bodyPr/>
+                    <a:lstStyle/>
+                    <a:p>
+                      <a:pPr algn="l"/>
+                      <a:r>
+                        <a:rPr lang="en-SG" sz="1600" dirty="0"/>
+                        <a:t>ML</a:t>
+                      </a:r>
+                    </a:p>
+                  </a:txBody>
+                  <a:tcPr>
+                    <a:solidFill>
+                      <a:srgbClr val="FFFF00"/>
+                    </a:solidFill>
+                  </a:tcPr>
+                </a:tc>
+                <a:tc>
+                  <a:txBody>
+                    <a:bodyPr/>
+                    <a:lstStyle/>
+                    <a:p>
+                      <a:pPr algn="l"/>
+                      <a:r>
+                        <a:rPr lang="en-SG" sz="1600" dirty="0"/>
+                        <a:t>39.299209</a:t>
+                      </a:r>
+                    </a:p>
+                  </a:txBody>
+                  <a:tcPr>
+                    <a:solidFill>
+                      <a:srgbClr val="FFFF00"/>
+                    </a:solidFill>
+                  </a:tcPr>
+                </a:tc>
+                <a:tc>
+                  <a:txBody>
+                    <a:bodyPr/>
+                    <a:lstStyle/>
+                    <a:p>
+                      <a:pPr algn="l"/>
+                      <a:r>
+                        <a:rPr lang="en-SG" sz="1600" dirty="0"/>
+                        <a:t>33.334143</a:t>
+                      </a:r>
+                    </a:p>
+                  </a:txBody>
+                  <a:tcPr>
+                    <a:solidFill>
+                      <a:srgbClr val="FFFF00"/>
+                    </a:solidFill>
+                  </a:tcPr>
+                </a:tc>
+                <a:tc>
+                  <a:txBody>
+                    <a:bodyPr/>
+                    <a:lstStyle/>
+                    <a:p>
+                      <a:pPr algn="l"/>
+                      <a:r>
+                        <a:rPr lang="en-SG" sz="1600" dirty="0"/>
+                        <a:t>0</a:t>
+                      </a:r>
+                    </a:p>
+                  </a:txBody>
+                  <a:tcPr>
+                    <a:solidFill>
+                      <a:srgbClr val="FFFF00"/>
+                    </a:solidFill>
+                  </a:tcPr>
+                </a:tc>
+                <a:tc>
+                  <a:txBody>
+                    <a:bodyPr/>
+                    <a:lstStyle/>
+                    <a:p>
+                      <a:pPr algn="l"/>
+                      <a:r>
+                        <a:rPr lang="en-SG" sz="1600" dirty="0"/>
+                        <a:t>5</a:t>
+                      </a:r>
+                    </a:p>
+                  </a:txBody>
+                  <a:tcPr>
+                    <a:solidFill>
+                      <a:srgbClr val="FFFF00"/>
+                    </a:solidFill>
+                  </a:tcPr>
+                </a:tc>
+                <a:tc>
+                  <a:txBody>
+                    <a:bodyPr/>
+                    <a:lstStyle/>
+                    <a:p>
+                      <a:pPr algn="l"/>
+                      <a:r>
+                        <a:rPr lang="en-SG" sz="1600" dirty="0"/>
+                        <a:t>5</a:t>
+                      </a:r>
+                    </a:p>
+                  </a:txBody>
+                  <a:tcPr>
+                    <a:solidFill>
+                      <a:srgbClr val="FFFF00"/>
+                    </a:solidFill>
+                  </a:tcPr>
+                </a:tc>
+                <a:tc>
+                  <a:txBody>
+                    <a:bodyPr/>
+                    <a:lstStyle/>
+                    <a:p>
+                      <a:pPr algn="l" fontAlgn="ctr"/>
+                      <a:r>
+                        <a:rPr lang="en-SG" sz="1600" dirty="0">
+                          <a:effectLst/>
+                        </a:rPr>
+                        <a:t>0</a:t>
+                      </a:r>
+                    </a:p>
+                  </a:txBody>
+                  <a:tcPr anchor="ctr">
+                    <a:solidFill>
+                      <a:srgbClr val="FFFF00"/>
+                    </a:solidFill>
+                  </a:tcPr>
+                </a:tc>
+                <a:tc>
+                  <a:txBody>
+                    <a:bodyPr/>
+                    <a:lstStyle/>
+                    <a:p>
+                      <a:pPr algn="l"/>
+                      <a:r>
+                        <a:rPr lang="en-SG" sz="1600" dirty="0"/>
+                        <a:t>-2.066677	</a:t>
+                      </a:r>
+                    </a:p>
+                  </a:txBody>
+                  <a:tcPr>
+                    <a:solidFill>
+                      <a:srgbClr val="FFFF00"/>
+                    </a:solidFill>
+                  </a:tcPr>
+                </a:tc>
+                <a:tc>
+                  <a:txBody>
+                    <a:bodyPr/>
+                    <a:lstStyle/>
+                    <a:p>
+                      <a:pPr algn="l"/>
+                      <a:r>
+                        <a:rPr lang="en-SG" sz="1600" dirty="0"/>
+                        <a:t>65.445076</a:t>
+                      </a:r>
+                    </a:p>
+                  </a:txBody>
+                  <a:tcPr>
+                    <a:solidFill>
+                      <a:srgbClr val="FFFF00"/>
+                    </a:solidFill>
+                  </a:tcPr>
+                </a:tc>
+                <a:tc>
+                  <a:txBody>
+                    <a:bodyPr/>
+                    <a:lstStyle/>
+                    <a:p>
+                      <a:pPr algn="l"/>
+                      <a:r>
+                        <a:rPr lang="en-SG" sz="1600" dirty="0"/>
+                        <a:t>8</a:t>
+                      </a:r>
+                    </a:p>
+                  </a:txBody>
+                  <a:tcPr>
+                    <a:solidFill>
+                      <a:srgbClr val="FFFF00"/>
+                    </a:solidFill>
+                  </a:tcPr>
+                </a:tc>
+                <a:extLst>
+                  <a:ext uri="{0D108BD9-81ED-4DB2-BD59-A6C34878D82A}">
+                    <a16:rowId xmlns:a16="http://schemas.microsoft.com/office/drawing/2014/main" val="3628976853"/>
+                  </a:ext>
+                </a:extLst>
+              </a:tr>
+              <a:tr h="370840">
+                <a:tc>
+                  <a:txBody>
+                    <a:bodyPr/>
+                    <a:lstStyle/>
+                    <a:p>
+                      <a:pPr algn="l"/>
+                      <a:r>
+                        <a:rPr lang="en-SG" sz="1600" dirty="0"/>
+                        <a:t>Mean</a:t>
+                      </a:r>
+                    </a:p>
+                  </a:txBody>
+                  <a:tcPr>
+                    <a:solidFill>
+                      <a:srgbClr val="FFFF00"/>
+                    </a:solidFill>
+                  </a:tcPr>
+                </a:tc>
+                <a:tc>
+                  <a:txBody>
+                    <a:bodyPr/>
+                    <a:lstStyle/>
+                    <a:p>
+                      <a:pPr algn="l"/>
+                      <a:r>
+                        <a:rPr lang="en-SG" sz="1600" dirty="0"/>
+                        <a:t>ML</a:t>
+                      </a:r>
+                    </a:p>
+                  </a:txBody>
+                  <a:tcPr>
+                    <a:solidFill>
+                      <a:srgbClr val="FFFF00"/>
+                    </a:solidFill>
+                  </a:tcPr>
+                </a:tc>
+                <a:tc>
+                  <a:txBody>
+                    <a:bodyPr/>
+                    <a:lstStyle/>
+                    <a:p>
+                      <a:pPr algn="l"/>
+                      <a:r>
+                        <a:rPr lang="en-SG" sz="1600" dirty="0"/>
+                        <a:t>40.938049	</a:t>
+                      </a:r>
+                    </a:p>
+                  </a:txBody>
+                  <a:tcPr>
+                    <a:solidFill>
+                      <a:srgbClr val="FFFF00"/>
+                    </a:solidFill>
+                  </a:tcPr>
+                </a:tc>
+                <a:tc>
+                  <a:txBody>
+                    <a:bodyPr/>
+                    <a:lstStyle/>
+                    <a:p>
+                      <a:pPr algn="l"/>
+                      <a:r>
+                        <a:rPr lang="en-SG" sz="1600" dirty="0"/>
+                        <a:t>23.891547</a:t>
+                      </a:r>
+                    </a:p>
+                  </a:txBody>
+                  <a:tcPr>
+                    <a:solidFill>
+                      <a:srgbClr val="FFFF00"/>
+                    </a:solidFill>
+                  </a:tcPr>
+                </a:tc>
+                <a:tc>
+                  <a:txBody>
+                    <a:bodyPr/>
+                    <a:lstStyle/>
+                    <a:p>
+                      <a:pPr algn="l"/>
+                      <a:r>
+                        <a:rPr lang="en-SG" sz="1600" dirty="0"/>
+                        <a:t>0</a:t>
+                      </a:r>
+                    </a:p>
+                  </a:txBody>
+                  <a:tcPr>
+                    <a:solidFill>
+                      <a:srgbClr val="FFFF00"/>
+                    </a:solidFill>
+                  </a:tcPr>
+                </a:tc>
+                <a:tc>
+                  <a:txBody>
+                    <a:bodyPr/>
+                    <a:lstStyle/>
+                    <a:p>
+                      <a:pPr algn="l"/>
+                      <a:r>
+                        <a:rPr lang="en-SG" sz="1600" dirty="0"/>
+                        <a:t>5</a:t>
+                      </a:r>
+                    </a:p>
+                  </a:txBody>
+                  <a:tcPr>
+                    <a:solidFill>
+                      <a:srgbClr val="FFFF00"/>
+                    </a:solidFill>
+                  </a:tcPr>
+                </a:tc>
+                <a:tc>
+                  <a:txBody>
+                    <a:bodyPr/>
+                    <a:lstStyle/>
+                    <a:p>
+                      <a:pPr algn="l"/>
+                      <a:r>
+                        <a:rPr lang="en-SG" sz="1600" dirty="0"/>
+                        <a:t>5</a:t>
+                      </a:r>
+                    </a:p>
+                  </a:txBody>
+                  <a:tcPr>
+                    <a:solidFill>
+                      <a:srgbClr val="FFFF00"/>
+                    </a:solidFill>
+                  </a:tcPr>
+                </a:tc>
+                <a:tc>
+                  <a:txBody>
+                    <a:bodyPr/>
+                    <a:lstStyle/>
+                    <a:p>
+                      <a:pPr algn="l" fontAlgn="ctr"/>
+                      <a:r>
+                        <a:rPr lang="en-SG" sz="1600" dirty="0">
+                          <a:effectLst/>
+                        </a:rPr>
+                        <a:t>0</a:t>
+                      </a:r>
+                    </a:p>
+                  </a:txBody>
+                  <a:tcPr anchor="ctr">
+                    <a:solidFill>
+                      <a:srgbClr val="FFFF00"/>
+                    </a:solidFill>
+                  </a:tcPr>
+                </a:tc>
+                <a:tc>
+                  <a:txBody>
+                    <a:bodyPr/>
+                    <a:lstStyle/>
+                    <a:p>
+                      <a:pPr algn="l"/>
+                      <a:r>
+                        <a:rPr lang="en-SG" sz="1600"/>
+                        <a:t>0.426661</a:t>
+                      </a:r>
+                      <a:r>
+                        <a:rPr lang="en-SG" sz="1600" dirty="0"/>
+                        <a:t>	</a:t>
+                      </a:r>
+                    </a:p>
+                  </a:txBody>
+                  <a:tcPr>
+                    <a:solidFill>
+                      <a:srgbClr val="FFFF00"/>
+                    </a:solidFill>
+                  </a:tcPr>
+                </a:tc>
+                <a:tc>
+                  <a:txBody>
+                    <a:bodyPr/>
+                    <a:lstStyle/>
+                    <a:p>
+                      <a:pPr algn="l"/>
+                      <a:r>
+                        <a:rPr lang="en-SG" sz="1600" dirty="0"/>
+                        <a:t>76.282960	</a:t>
+                      </a:r>
+                    </a:p>
+                  </a:txBody>
+                  <a:tcPr>
+                    <a:solidFill>
+                      <a:srgbClr val="FFFF00"/>
+                    </a:solidFill>
+                  </a:tcPr>
+                </a:tc>
+                <a:tc>
+                  <a:txBody>
+                    <a:bodyPr/>
+                    <a:lstStyle/>
+                    <a:p>
+                      <a:pPr algn="l"/>
+                      <a:r>
+                        <a:rPr lang="en-SG" sz="1600" dirty="0"/>
+                        <a:t>9</a:t>
+                      </a:r>
+                    </a:p>
+                  </a:txBody>
+                  <a:tcPr>
+                    <a:solidFill>
+                      <a:srgbClr val="FFFF00"/>
+                    </a:solidFill>
+                  </a:tcPr>
+                </a:tc>
+                <a:extLst>
+                  <a:ext uri="{0D108BD9-81ED-4DB2-BD59-A6C34878D82A}">
+                    <a16:rowId xmlns:a16="http://schemas.microsoft.com/office/drawing/2014/main" val="2289668880"/>
+                  </a:ext>
+                </a:extLst>
+              </a:tr>
+            </a:tbl>
+          </a:graphicData>
+        </a:graphic>
+      </p:graphicFrame>
+      <p:sp>
+        <p:nvSpPr>
+          <p:cNvPr id="3" name="TextBox 2">
+            <a:extLst>
+              <a:ext uri="{FF2B5EF4-FFF2-40B4-BE49-F238E27FC236}">
+                <a16:creationId xmlns:a16="http://schemas.microsoft.com/office/drawing/2014/main" id="{1308D0C7-1A45-BA0F-910E-1B76483ABB3D}"/>
+              </a:ext>
+            </a:extLst>
+          </p:cNvPr>
+          <p:cNvSpPr txBox="1"/>
+          <p:nvPr/>
+        </p:nvSpPr>
+        <p:spPr>
+          <a:xfrm>
+            <a:off x="1786466" y="575733"/>
+            <a:ext cx="8619067" cy="369332"/>
+          </a:xfrm>
+          <a:prstGeom prst="rect">
+            <a:avLst/>
+          </a:prstGeom>
+          <a:noFill/>
+        </p:spPr>
+        <p:txBody>
+          <a:bodyPr wrap="square" rtlCol="0">
+            <a:spAutoFit/>
+          </a:bodyPr>
+          <a:lstStyle/>
+          <a:p>
+            <a:pPr algn="ctr"/>
+            <a:r>
+              <a:rPr lang="en-SG" dirty="0"/>
+              <a:t>All experiments we have touch tip for aspiration, no touch tip for dispense</a:t>
+            </a:r>
+          </a:p>
+        </p:txBody>
+      </p:sp>
+    </p:spTree>
+    <p:extLst>
+      <p:ext uri="{BB962C8B-B14F-4D97-AF65-F5344CB8AC3E}">
+        <p14:creationId xmlns:p14="http://schemas.microsoft.com/office/powerpoint/2010/main" val="550988208"/>
+      </p:ext>
+    </p:extLst>
+  </p:cSld>
+  <p:clrMapOvr>
+    <a:masterClrMapping/>
+  </p:clrMapOvr>
+</p:sld>
+</file>
+
+<file path=ppt/slides/slide11.xml><?xml version="1.0" encoding="utf-8"?>
+<p:sld xmlns:a="http://schemas.openxmlformats.org/drawingml/2006/main" xmlns:r="http://schemas.openxmlformats.org/officeDocument/2006/relationships" xmlns:p="http://schemas.openxmlformats.org/presentationml/2006/main">
+  <p:cSld>
+    <p:spTree>
+      <p:nvGrpSpPr>
+        <p:cNvPr id="1" name=""/>
+        <p:cNvGrpSpPr/>
+        <p:nvPr/>
+      </p:nvGrpSpPr>
+      <p:grpSpPr>
+        <a:xfrm>
+          <a:off x="0" y="0"/>
+          <a:ext cx="0" cy="0"/>
+          <a:chOff x="0" y="0"/>
+          <a:chExt cx="0" cy="0"/>
+        </a:xfrm>
+      </p:grpSpPr>
+      <p:graphicFrame>
+        <p:nvGraphicFramePr>
+          <p:cNvPr id="3" name="Table 3">
+            <a:extLst>
+              <a:ext uri="{FF2B5EF4-FFF2-40B4-BE49-F238E27FC236}">
+                <a16:creationId xmlns:a16="http://schemas.microsoft.com/office/drawing/2014/main" id="{610456E9-E52F-91E6-43D8-CEB8EB1E636C}"/>
+              </a:ext>
+            </a:extLst>
+          </p:cNvPr>
+          <p:cNvGraphicFramePr>
+            <a:graphicFrameLocks noGrp="1"/>
+          </p:cNvGraphicFramePr>
+          <p:nvPr>
+            <p:extLst>
+              <p:ext uri="{D42A27DB-BD31-4B8C-83A1-F6EECF244321}">
+                <p14:modId xmlns:p14="http://schemas.microsoft.com/office/powerpoint/2010/main" val="178093816"/>
+              </p:ext>
+            </p:extLst>
+          </p:nvPr>
+        </p:nvGraphicFramePr>
+        <p:xfrm>
+          <a:off x="2032000" y="2316480"/>
+          <a:ext cx="8128000" cy="2225040"/>
+        </p:xfrm>
+        <a:graphic>
+          <a:graphicData uri="http://schemas.openxmlformats.org/drawingml/2006/table">
+            <a:tbl>
+              <a:tblPr firstRow="1" bandRow="1">
+                <a:tableStyleId>{5C22544A-7EE6-4342-B048-85BDC9FD1C3A}</a:tableStyleId>
+              </a:tblPr>
+              <a:tblGrid>
+                <a:gridCol w="4064000">
+                  <a:extLst>
+                    <a:ext uri="{9D8B030D-6E8A-4147-A177-3AD203B41FA5}">
+                      <a16:colId xmlns:a16="http://schemas.microsoft.com/office/drawing/2014/main" val="800087567"/>
+                    </a:ext>
+                  </a:extLst>
+                </a:gridCol>
+                <a:gridCol w="4064000">
+                  <a:extLst>
+                    <a:ext uri="{9D8B030D-6E8A-4147-A177-3AD203B41FA5}">
+                      <a16:colId xmlns:a16="http://schemas.microsoft.com/office/drawing/2014/main" val="3778205308"/>
+                    </a:ext>
+                  </a:extLst>
+                </a:gridCol>
+              </a:tblGrid>
+              <a:tr h="370840">
+                <a:tc>
+                  <a:txBody>
+                    <a:bodyPr/>
+                    <a:lstStyle/>
+                    <a:p>
+                      <a:r>
+                        <a:rPr lang="en-SG" dirty="0"/>
+                        <a:t>Viscosity Standards @25°C</a:t>
+                      </a:r>
+                    </a:p>
+                  </a:txBody>
+                  <a:tcPr/>
+                </a:tc>
+                <a:tc>
+                  <a:txBody>
+                    <a:bodyPr/>
+                    <a:lstStyle/>
+                    <a:p>
+                      <a:r>
+                        <a:rPr lang="en-SG" dirty="0"/>
+                        <a:t>Density @25°C</a:t>
+                      </a:r>
+                    </a:p>
+                  </a:txBody>
+                  <a:tcPr/>
+                </a:tc>
+                <a:extLst>
+                  <a:ext uri="{0D108BD9-81ED-4DB2-BD59-A6C34878D82A}">
+                    <a16:rowId xmlns:a16="http://schemas.microsoft.com/office/drawing/2014/main" val="804246196"/>
+                  </a:ext>
+                </a:extLst>
+              </a:tr>
+              <a:tr h="370840">
+                <a:tc>
+                  <a:txBody>
+                    <a:bodyPr/>
+                    <a:lstStyle/>
+                    <a:p>
+                      <a:r>
+                        <a:rPr lang="en-SG" dirty="0"/>
+                        <a:t>204</a:t>
+                      </a:r>
+                    </a:p>
+                  </a:txBody>
+                  <a:tcPr/>
+                </a:tc>
+                <a:tc>
+                  <a:txBody>
+                    <a:bodyPr/>
+                    <a:lstStyle/>
+                    <a:p>
+                      <a:r>
+                        <a:rPr lang="en-SG" dirty="0"/>
+                        <a:t>.8639</a:t>
+                      </a:r>
+                    </a:p>
+                  </a:txBody>
+                  <a:tcPr/>
+                </a:tc>
+                <a:extLst>
+                  <a:ext uri="{0D108BD9-81ED-4DB2-BD59-A6C34878D82A}">
+                    <a16:rowId xmlns:a16="http://schemas.microsoft.com/office/drawing/2014/main" val="251864798"/>
+                  </a:ext>
+                </a:extLst>
+              </a:tr>
+              <a:tr h="370840">
+                <a:tc>
+                  <a:txBody>
+                    <a:bodyPr/>
+                    <a:lstStyle/>
+                    <a:p>
+                      <a:r>
+                        <a:rPr lang="en-SG" dirty="0"/>
+                        <a:t>398</a:t>
+                      </a:r>
+                    </a:p>
+                  </a:txBody>
+                  <a:tcPr/>
+                </a:tc>
+                <a:tc>
+                  <a:txBody>
+                    <a:bodyPr/>
+                    <a:lstStyle/>
+                    <a:p>
+                      <a:r>
+                        <a:rPr lang="en-SG" dirty="0"/>
+                        <a:t>.8672</a:t>
+                      </a:r>
+                    </a:p>
+                  </a:txBody>
+                  <a:tcPr/>
+                </a:tc>
+                <a:extLst>
+                  <a:ext uri="{0D108BD9-81ED-4DB2-BD59-A6C34878D82A}">
+                    <a16:rowId xmlns:a16="http://schemas.microsoft.com/office/drawing/2014/main" val="822895331"/>
+                  </a:ext>
+                </a:extLst>
+              </a:tr>
+              <a:tr h="370840">
+                <a:tc>
+                  <a:txBody>
+                    <a:bodyPr/>
+                    <a:lstStyle/>
+                    <a:p>
+                      <a:r>
+                        <a:rPr lang="en-SG" dirty="0"/>
+                        <a:t>505</a:t>
+                      </a:r>
+                    </a:p>
+                  </a:txBody>
+                  <a:tcPr>
+                    <a:solidFill>
+                      <a:srgbClr val="FFFF00"/>
+                    </a:solidFill>
+                  </a:tcPr>
+                </a:tc>
+                <a:tc>
+                  <a:txBody>
+                    <a:bodyPr/>
+                    <a:lstStyle/>
+                    <a:p>
+                      <a:r>
+                        <a:rPr lang="en-SG" dirty="0"/>
+                        <a:t>.8683</a:t>
+                      </a:r>
+                    </a:p>
+                  </a:txBody>
+                  <a:tcPr>
+                    <a:solidFill>
+                      <a:srgbClr val="FFFF00"/>
+                    </a:solidFill>
+                  </a:tcPr>
+                </a:tc>
+                <a:extLst>
+                  <a:ext uri="{0D108BD9-81ED-4DB2-BD59-A6C34878D82A}">
+                    <a16:rowId xmlns:a16="http://schemas.microsoft.com/office/drawing/2014/main" val="2110739059"/>
+                  </a:ext>
+                </a:extLst>
+              </a:tr>
+              <a:tr h="370840">
+                <a:tc>
+                  <a:txBody>
+                    <a:bodyPr/>
+                    <a:lstStyle/>
+                    <a:p>
+                      <a:r>
+                        <a:rPr lang="en-SG" dirty="0"/>
+                        <a:t>817</a:t>
+                      </a:r>
+                    </a:p>
+                  </a:txBody>
+                  <a:tcPr/>
+                </a:tc>
+                <a:tc>
+                  <a:txBody>
+                    <a:bodyPr/>
+                    <a:lstStyle/>
+                    <a:p>
+                      <a:r>
+                        <a:rPr lang="en-SG" dirty="0"/>
+                        <a:t>.8466</a:t>
+                      </a:r>
+                    </a:p>
+                  </a:txBody>
+                  <a:tcPr/>
+                </a:tc>
+                <a:extLst>
+                  <a:ext uri="{0D108BD9-81ED-4DB2-BD59-A6C34878D82A}">
+                    <a16:rowId xmlns:a16="http://schemas.microsoft.com/office/drawing/2014/main" val="4266566110"/>
+                  </a:ext>
+                </a:extLst>
+              </a:tr>
+              <a:tr h="370840">
+                <a:tc>
+                  <a:txBody>
+                    <a:bodyPr/>
+                    <a:lstStyle/>
+                    <a:p>
+                      <a:r>
+                        <a:rPr lang="en-SG" dirty="0"/>
+                        <a:t>1275</a:t>
+                      </a:r>
+                    </a:p>
+                  </a:txBody>
+                  <a:tcPr/>
+                </a:tc>
+                <a:tc>
+                  <a:txBody>
+                    <a:bodyPr/>
+                    <a:lstStyle/>
+                    <a:p>
+                      <a:r>
+                        <a:rPr lang="en-SG" dirty="0"/>
+                        <a:t>.8736</a:t>
+                      </a:r>
+                    </a:p>
+                  </a:txBody>
+                  <a:tcPr/>
+                </a:tc>
+                <a:extLst>
+                  <a:ext uri="{0D108BD9-81ED-4DB2-BD59-A6C34878D82A}">
+                    <a16:rowId xmlns:a16="http://schemas.microsoft.com/office/drawing/2014/main" val="772297377"/>
+                  </a:ext>
+                </a:extLst>
+              </a:tr>
+            </a:tbl>
+          </a:graphicData>
+        </a:graphic>
+      </p:graphicFrame>
+    </p:spTree>
+    <p:extLst>
+      <p:ext uri="{BB962C8B-B14F-4D97-AF65-F5344CB8AC3E}">
+        <p14:creationId xmlns:p14="http://schemas.microsoft.com/office/powerpoint/2010/main" val="2736881979"/>
+      </p:ext>
+    </p:extLst>
+  </p:cSld>
+  <p:clrMapOvr>
+    <a:masterClrMapping/>
+  </p:clrMapOvr>
+</p:sld>
+</file>
+
+<file path=ppt/slides/slide12.xml><?xml version="1.0" encoding="utf-8"?>
+<p:sld xmlns:a="http://schemas.openxmlformats.org/drawingml/2006/main" xmlns:r="http://schemas.openxmlformats.org/officeDocument/2006/relationships" xmlns:p="http://schemas.openxmlformats.org/presentationml/2006/main">
+  <p:cSld>
+    <p:spTree>
+      <p:nvGrpSpPr>
+        <p:cNvPr id="1" name=""/>
+        <p:cNvGrpSpPr/>
+        <p:nvPr/>
+      </p:nvGrpSpPr>
+      <p:grpSpPr>
+        <a:xfrm>
+          <a:off x="0" y="0"/>
+          <a:ext cx="0" cy="0"/>
+          <a:chOff x="0" y="0"/>
+          <a:chExt cx="0" cy="0"/>
+        </a:xfrm>
+      </p:grpSpPr>
       <p:pic>
         <p:nvPicPr>
           <p:cNvPr id="3" name="Picture 2">
@@ -3991,8 +6727,8 @@
         </p:blipFill>
         <p:spPr>
           <a:xfrm>
-            <a:off x="266700" y="320039"/>
-            <a:ext cx="11658600" cy="6217920"/>
+            <a:off x="266701" y="320039"/>
+            <a:ext cx="11658598" cy="6217919"/>
           </a:xfrm>
           <a:prstGeom prst="rect">
             <a:avLst/>
@@ -4002,7 +6738,7 @@
     </p:spTree>
     <p:extLst>
       <p:ext uri="{BB962C8B-B14F-4D97-AF65-F5344CB8AC3E}">
-        <p14:creationId xmlns:p14="http://schemas.microsoft.com/office/powerpoint/2010/main" val="2632320060"/>
+        <p14:creationId xmlns:p14="http://schemas.microsoft.com/office/powerpoint/2010/main" val="2831213154"/>
       </p:ext>
     </p:extLst>
   </p:cSld>
@@ -4012,7 +6748,7 @@
 </p:sld>
 </file>
 
-<file path=ppt/slides/slide10.xml><?xml version="1.0" encoding="utf-8"?>
+<file path=ppt/slides/slide13.xml><?xml version="1.0" encoding="utf-8"?>
 <p:sld xmlns:a="http://schemas.openxmlformats.org/drawingml/2006/main" xmlns:r="http://schemas.openxmlformats.org/officeDocument/2006/relationships" xmlns:p="http://schemas.openxmlformats.org/presentationml/2006/main">
   <p:cSld>
     <p:spTree>
@@ -6366,7 +9102,7 @@
 </p:sld>
 </file>
 
-<file path=ppt/slides/slide11.xml><?xml version="1.0" encoding="utf-8"?>
+<file path=ppt/slides/slide14.xml><?xml version="1.0" encoding="utf-8"?>
 <p:sld xmlns:a="http://schemas.openxmlformats.org/drawingml/2006/main" xmlns:r="http://schemas.openxmlformats.org/officeDocument/2006/relationships" xmlns:p="http://schemas.openxmlformats.org/presentationml/2006/main">
   <p:cSld>
     <p:spTree>
@@ -6431,7 +9167,7 @@
 </p:sld>
 </file>
 
-<file path=ppt/slides/slide12.xml><?xml version="1.0" encoding="utf-8"?>
+<file path=ppt/slides/slide15.xml><?xml version="1.0" encoding="utf-8"?>
 <p:sld xmlns:a="http://schemas.openxmlformats.org/drawingml/2006/main" xmlns:r="http://schemas.openxmlformats.org/officeDocument/2006/relationships" xmlns:p="http://schemas.openxmlformats.org/presentationml/2006/main">
   <p:cSld>
     <p:spTree>
@@ -8461,7 +11197,293 @@
 </p:sld>
 </file>
 
-<file path=ppt/slides/slide13.xml><?xml version="1.0" encoding="utf-8"?>
+<file path=ppt/slides/slide16.xml><?xml version="1.0" encoding="utf-8"?>
+<p:sld xmlns:a="http://schemas.openxmlformats.org/drawingml/2006/main" xmlns:r="http://schemas.openxmlformats.org/officeDocument/2006/relationships" xmlns:p="http://schemas.openxmlformats.org/presentationml/2006/main">
+  <p:cSld>
+    <p:spTree>
+      <p:nvGrpSpPr>
+        <p:cNvPr id="1" name=""/>
+        <p:cNvGrpSpPr/>
+        <p:nvPr/>
+      </p:nvGrpSpPr>
+      <p:grpSpPr>
+        <a:xfrm>
+          <a:off x="0" y="0"/>
+          <a:ext cx="0" cy="0"/>
+          <a:chOff x="0" y="0"/>
+          <a:chExt cx="0" cy="0"/>
+        </a:xfrm>
+      </p:grpSpPr>
+      <p:graphicFrame>
+        <p:nvGraphicFramePr>
+          <p:cNvPr id="3" name="Table 3">
+            <a:extLst>
+              <a:ext uri="{FF2B5EF4-FFF2-40B4-BE49-F238E27FC236}">
+                <a16:creationId xmlns:a16="http://schemas.microsoft.com/office/drawing/2014/main" id="{610456E9-E52F-91E6-43D8-CEB8EB1E636C}"/>
+              </a:ext>
+            </a:extLst>
+          </p:cNvPr>
+          <p:cNvGraphicFramePr>
+            <a:graphicFrameLocks noGrp="1"/>
+          </p:cNvGraphicFramePr>
+          <p:nvPr>
+            <p:extLst>
+              <p:ext uri="{D42A27DB-BD31-4B8C-83A1-F6EECF244321}">
+                <p14:modId xmlns:p14="http://schemas.microsoft.com/office/powerpoint/2010/main" val="3235986446"/>
+              </p:ext>
+            </p:extLst>
+          </p:nvPr>
+        </p:nvGraphicFramePr>
+        <p:xfrm>
+          <a:off x="2032000" y="2316480"/>
+          <a:ext cx="8128000" cy="2225040"/>
+        </p:xfrm>
+        <a:graphic>
+          <a:graphicData uri="http://schemas.openxmlformats.org/drawingml/2006/table">
+            <a:tbl>
+              <a:tblPr firstRow="1" bandRow="1">
+                <a:tableStyleId>{5C22544A-7EE6-4342-B048-85BDC9FD1C3A}</a:tableStyleId>
+              </a:tblPr>
+              <a:tblGrid>
+                <a:gridCol w="4064000">
+                  <a:extLst>
+                    <a:ext uri="{9D8B030D-6E8A-4147-A177-3AD203B41FA5}">
+                      <a16:colId xmlns:a16="http://schemas.microsoft.com/office/drawing/2014/main" val="800087567"/>
+                    </a:ext>
+                  </a:extLst>
+                </a:gridCol>
+                <a:gridCol w="4064000">
+                  <a:extLst>
+                    <a:ext uri="{9D8B030D-6E8A-4147-A177-3AD203B41FA5}">
+                      <a16:colId xmlns:a16="http://schemas.microsoft.com/office/drawing/2014/main" val="3778205308"/>
+                    </a:ext>
+                  </a:extLst>
+                </a:gridCol>
+              </a:tblGrid>
+              <a:tr h="370840">
+                <a:tc>
+                  <a:txBody>
+                    <a:bodyPr/>
+                    <a:lstStyle/>
+                    <a:p>
+                      <a:r>
+                        <a:rPr lang="en-SG" dirty="0"/>
+                        <a:t>Viscosity Standards @25°C</a:t>
+                      </a:r>
+                    </a:p>
+                  </a:txBody>
+                  <a:tcPr/>
+                </a:tc>
+                <a:tc>
+                  <a:txBody>
+                    <a:bodyPr/>
+                    <a:lstStyle/>
+                    <a:p>
+                      <a:r>
+                        <a:rPr lang="en-SG" dirty="0"/>
+                        <a:t>Density @25°C</a:t>
+                      </a:r>
+                    </a:p>
+                  </a:txBody>
+                  <a:tcPr/>
+                </a:tc>
+                <a:extLst>
+                  <a:ext uri="{0D108BD9-81ED-4DB2-BD59-A6C34878D82A}">
+                    <a16:rowId xmlns:a16="http://schemas.microsoft.com/office/drawing/2014/main" val="804246196"/>
+                  </a:ext>
+                </a:extLst>
+              </a:tr>
+              <a:tr h="370840">
+                <a:tc>
+                  <a:txBody>
+                    <a:bodyPr/>
+                    <a:lstStyle/>
+                    <a:p>
+                      <a:r>
+                        <a:rPr lang="en-SG" dirty="0"/>
+                        <a:t>204</a:t>
+                      </a:r>
+                    </a:p>
+                  </a:txBody>
+                  <a:tcPr/>
+                </a:tc>
+                <a:tc>
+                  <a:txBody>
+                    <a:bodyPr/>
+                    <a:lstStyle/>
+                    <a:p>
+                      <a:r>
+                        <a:rPr lang="en-SG" dirty="0"/>
+                        <a:t>.8639</a:t>
+                      </a:r>
+                    </a:p>
+                  </a:txBody>
+                  <a:tcPr/>
+                </a:tc>
+                <a:extLst>
+                  <a:ext uri="{0D108BD9-81ED-4DB2-BD59-A6C34878D82A}">
+                    <a16:rowId xmlns:a16="http://schemas.microsoft.com/office/drawing/2014/main" val="251864798"/>
+                  </a:ext>
+                </a:extLst>
+              </a:tr>
+              <a:tr h="370840">
+                <a:tc>
+                  <a:txBody>
+                    <a:bodyPr/>
+                    <a:lstStyle/>
+                    <a:p>
+                      <a:r>
+                        <a:rPr lang="en-SG" dirty="0"/>
+                        <a:t>398</a:t>
+                      </a:r>
+                    </a:p>
+                  </a:txBody>
+                  <a:tcPr/>
+                </a:tc>
+                <a:tc>
+                  <a:txBody>
+                    <a:bodyPr/>
+                    <a:lstStyle/>
+                    <a:p>
+                      <a:r>
+                        <a:rPr lang="en-SG" dirty="0"/>
+                        <a:t>.8672</a:t>
+                      </a:r>
+                    </a:p>
+                  </a:txBody>
+                  <a:tcPr/>
+                </a:tc>
+                <a:extLst>
+                  <a:ext uri="{0D108BD9-81ED-4DB2-BD59-A6C34878D82A}">
+                    <a16:rowId xmlns:a16="http://schemas.microsoft.com/office/drawing/2014/main" val="822895331"/>
+                  </a:ext>
+                </a:extLst>
+              </a:tr>
+              <a:tr h="370840">
+                <a:tc>
+                  <a:txBody>
+                    <a:bodyPr/>
+                    <a:lstStyle/>
+                    <a:p>
+                      <a:r>
+                        <a:rPr lang="en-SG" dirty="0"/>
+                        <a:t>505</a:t>
+                      </a:r>
+                    </a:p>
+                  </a:txBody>
+                  <a:tcPr/>
+                </a:tc>
+                <a:tc>
+                  <a:txBody>
+                    <a:bodyPr/>
+                    <a:lstStyle/>
+                    <a:p>
+                      <a:r>
+                        <a:rPr lang="en-SG" dirty="0"/>
+                        <a:t>.8683</a:t>
+                      </a:r>
+                    </a:p>
+                  </a:txBody>
+                  <a:tcPr/>
+                </a:tc>
+                <a:extLst>
+                  <a:ext uri="{0D108BD9-81ED-4DB2-BD59-A6C34878D82A}">
+                    <a16:rowId xmlns:a16="http://schemas.microsoft.com/office/drawing/2014/main" val="2110739059"/>
+                  </a:ext>
+                </a:extLst>
+              </a:tr>
+              <a:tr h="370840">
+                <a:tc>
+                  <a:txBody>
+                    <a:bodyPr/>
+                    <a:lstStyle/>
+                    <a:p>
+                      <a:r>
+                        <a:rPr lang="en-SG" dirty="0"/>
+                        <a:t>817</a:t>
+                      </a:r>
+                    </a:p>
+                  </a:txBody>
+                  <a:tcPr>
+                    <a:solidFill>
+                      <a:srgbClr val="FFFF00"/>
+                    </a:solidFill>
+                  </a:tcPr>
+                </a:tc>
+                <a:tc>
+                  <a:txBody>
+                    <a:bodyPr/>
+                    <a:lstStyle/>
+                    <a:p>
+                      <a:r>
+                        <a:rPr lang="en-SG" dirty="0"/>
+                        <a:t>.8466</a:t>
+                      </a:r>
+                    </a:p>
+                  </a:txBody>
+                  <a:tcPr>
+                    <a:solidFill>
+                      <a:srgbClr val="FFFF00"/>
+                    </a:solidFill>
+                  </a:tcPr>
+                </a:tc>
+                <a:extLst>
+                  <a:ext uri="{0D108BD9-81ED-4DB2-BD59-A6C34878D82A}">
+                    <a16:rowId xmlns:a16="http://schemas.microsoft.com/office/drawing/2014/main" val="4266566110"/>
+                  </a:ext>
+                </a:extLst>
+              </a:tr>
+              <a:tr h="370840">
+                <a:tc>
+                  <a:txBody>
+                    <a:bodyPr/>
+                    <a:lstStyle/>
+                    <a:p>
+                      <a:r>
+                        <a:rPr lang="en-SG" dirty="0"/>
+                        <a:t>1275</a:t>
+                      </a:r>
+                    </a:p>
+                  </a:txBody>
+                  <a:tcPr/>
+                </a:tc>
+                <a:tc>
+                  <a:txBody>
+                    <a:bodyPr/>
+                    <a:lstStyle/>
+                    <a:p>
+                      <a:r>
+                        <a:rPr lang="en-SG" dirty="0"/>
+                        <a:t>.8736</a:t>
+                      </a:r>
+                    </a:p>
+                  </a:txBody>
+                  <a:tcPr/>
+                </a:tc>
+                <a:extLst>
+                  <a:ext uri="{0D108BD9-81ED-4DB2-BD59-A6C34878D82A}">
+                    <a16:rowId xmlns:a16="http://schemas.microsoft.com/office/drawing/2014/main" val="772297377"/>
+                  </a:ext>
+                </a:extLst>
+              </a:tr>
+            </a:tbl>
+          </a:graphicData>
+        </a:graphic>
+      </p:graphicFrame>
+    </p:spTree>
+    <p:extLst>
+      <p:ext uri="{BB962C8B-B14F-4D97-AF65-F5344CB8AC3E}">
+        <p14:creationId xmlns:p14="http://schemas.microsoft.com/office/powerpoint/2010/main" val="1295236362"/>
+      </p:ext>
+    </p:extLst>
+  </p:cSld>
+  <p:clrMapOvr>
+    <a:masterClrMapping/>
+  </p:clrMapOvr>
+</p:sld>
+</file>
+
+<file path=ppt/slides/slide17.xml><?xml version="1.0" encoding="utf-8"?>
 <p:sld xmlns:a="http://schemas.openxmlformats.org/drawingml/2006/main" xmlns:r="http://schemas.openxmlformats.org/officeDocument/2006/relationships" xmlns:p="http://schemas.openxmlformats.org/presentationml/2006/main">
   <p:cSld>
     <p:spTree>
@@ -8526,7 +11548,7 @@
 </p:sld>
 </file>
 
-<file path=ppt/slides/slide14.xml><?xml version="1.0" encoding="utf-8"?>
+<file path=ppt/slides/slide18.xml><?xml version="1.0" encoding="utf-8"?>
 <p:sld xmlns:a="http://schemas.openxmlformats.org/drawingml/2006/main" xmlns:r="http://schemas.openxmlformats.org/officeDocument/2006/relationships" xmlns:p="http://schemas.openxmlformats.org/presentationml/2006/main">
   <p:cSld>
     <p:spTree>
@@ -10207,7 +13229,7 @@
 </p:sld>
 </file>
 
-<file path=ppt/slides/slide15.xml><?xml version="1.0" encoding="utf-8"?>
+<file path=ppt/slides/slide19.xml><?xml version="1.0" encoding="utf-8"?>
 <p:sld xmlns:a="http://schemas.openxmlformats.org/drawingml/2006/main" xmlns:r="http://schemas.openxmlformats.org/officeDocument/2006/relationships" xmlns:p="http://schemas.openxmlformats.org/presentationml/2006/main">
   <p:cSld>
     <p:spTree>
@@ -10272,7 +13294,72 @@
 </p:sld>
 </file>
 
-<file path=ppt/slides/slide16.xml><?xml version="1.0" encoding="utf-8"?>
+<file path=ppt/slides/slide2.xml><?xml version="1.0" encoding="utf-8"?>
+<p:sld xmlns:a="http://schemas.openxmlformats.org/drawingml/2006/main" xmlns:r="http://schemas.openxmlformats.org/officeDocument/2006/relationships" xmlns:p="http://schemas.openxmlformats.org/presentationml/2006/main">
+  <p:cSld>
+    <p:spTree>
+      <p:nvGrpSpPr>
+        <p:cNvPr id="1" name=""/>
+        <p:cNvGrpSpPr/>
+        <p:nvPr/>
+      </p:nvGrpSpPr>
+      <p:grpSpPr>
+        <a:xfrm>
+          <a:off x="0" y="0"/>
+          <a:ext cx="0" cy="0"/>
+          <a:chOff x="0" y="0"/>
+          <a:chExt cx="0" cy="0"/>
+        </a:xfrm>
+      </p:grpSpPr>
+      <p:pic>
+        <p:nvPicPr>
+          <p:cNvPr id="3" name="Picture 2">
+            <a:extLst>
+              <a:ext uri="{FF2B5EF4-FFF2-40B4-BE49-F238E27FC236}">
+                <a16:creationId xmlns:a16="http://schemas.microsoft.com/office/drawing/2014/main" id="{4D455D8F-3CE0-A86E-2D51-897DBDDF3079}"/>
+              </a:ext>
+            </a:extLst>
+          </p:cNvPr>
+          <p:cNvPicPr>
+            <a:picLocks noChangeAspect="1"/>
+          </p:cNvPicPr>
+          <p:nvPr/>
+        </p:nvPicPr>
+        <p:blipFill>
+          <a:blip r:embed="rId2">
+            <a:extLst>
+              <a:ext uri="{28A0092B-C50C-407E-A947-70E740481C1C}">
+                <a14:useLocalDpi xmlns:a14="http://schemas.microsoft.com/office/drawing/2010/main" val="0"/>
+              </a:ext>
+            </a:extLst>
+          </a:blip>
+          <a:srcRect/>
+          <a:stretch/>
+        </p:blipFill>
+        <p:spPr>
+          <a:xfrm>
+            <a:off x="266700" y="320039"/>
+            <a:ext cx="11658600" cy="6217920"/>
+          </a:xfrm>
+          <a:prstGeom prst="rect">
+            <a:avLst/>
+          </a:prstGeom>
+        </p:spPr>
+      </p:pic>
+    </p:spTree>
+    <p:extLst>
+      <p:ext uri="{BB962C8B-B14F-4D97-AF65-F5344CB8AC3E}">
+        <p14:creationId xmlns:p14="http://schemas.microsoft.com/office/powerpoint/2010/main" val="2632320060"/>
+      </p:ext>
+    </p:extLst>
+  </p:cSld>
+  <p:clrMapOvr>
+    <a:masterClrMapping/>
+  </p:clrMapOvr>
+</p:sld>
+</file>
+
+<file path=ppt/slides/slide20.xml><?xml version="1.0" encoding="utf-8"?>
 <p:sld xmlns:a="http://schemas.openxmlformats.org/drawingml/2006/main" xmlns:r="http://schemas.openxmlformats.org/officeDocument/2006/relationships" xmlns:p="http://schemas.openxmlformats.org/presentationml/2006/main">
   <p:cSld>
     <p:spTree>
@@ -12598,7 +15685,293 @@
 </p:sld>
 </file>
 
-<file path=ppt/slides/slide17.xml><?xml version="1.0" encoding="utf-8"?>
+<file path=ppt/slides/slide21.xml><?xml version="1.0" encoding="utf-8"?>
+<p:sld xmlns:a="http://schemas.openxmlformats.org/drawingml/2006/main" xmlns:r="http://schemas.openxmlformats.org/officeDocument/2006/relationships" xmlns:p="http://schemas.openxmlformats.org/presentationml/2006/main">
+  <p:cSld>
+    <p:spTree>
+      <p:nvGrpSpPr>
+        <p:cNvPr id="1" name=""/>
+        <p:cNvGrpSpPr/>
+        <p:nvPr/>
+      </p:nvGrpSpPr>
+      <p:grpSpPr>
+        <a:xfrm>
+          <a:off x="0" y="0"/>
+          <a:ext cx="0" cy="0"/>
+          <a:chOff x="0" y="0"/>
+          <a:chExt cx="0" cy="0"/>
+        </a:xfrm>
+      </p:grpSpPr>
+      <p:graphicFrame>
+        <p:nvGraphicFramePr>
+          <p:cNvPr id="3" name="Table 3">
+            <a:extLst>
+              <a:ext uri="{FF2B5EF4-FFF2-40B4-BE49-F238E27FC236}">
+                <a16:creationId xmlns:a16="http://schemas.microsoft.com/office/drawing/2014/main" id="{610456E9-E52F-91E6-43D8-CEB8EB1E636C}"/>
+              </a:ext>
+            </a:extLst>
+          </p:cNvPr>
+          <p:cNvGraphicFramePr>
+            <a:graphicFrameLocks noGrp="1"/>
+          </p:cNvGraphicFramePr>
+          <p:nvPr>
+            <p:extLst>
+              <p:ext uri="{D42A27DB-BD31-4B8C-83A1-F6EECF244321}">
+                <p14:modId xmlns:p14="http://schemas.microsoft.com/office/powerpoint/2010/main" val="131326384"/>
+              </p:ext>
+            </p:extLst>
+          </p:nvPr>
+        </p:nvGraphicFramePr>
+        <p:xfrm>
+          <a:off x="2032000" y="2316480"/>
+          <a:ext cx="8128000" cy="2225040"/>
+        </p:xfrm>
+        <a:graphic>
+          <a:graphicData uri="http://schemas.openxmlformats.org/drawingml/2006/table">
+            <a:tbl>
+              <a:tblPr firstRow="1" bandRow="1">
+                <a:tableStyleId>{5C22544A-7EE6-4342-B048-85BDC9FD1C3A}</a:tableStyleId>
+              </a:tblPr>
+              <a:tblGrid>
+                <a:gridCol w="4064000">
+                  <a:extLst>
+                    <a:ext uri="{9D8B030D-6E8A-4147-A177-3AD203B41FA5}">
+                      <a16:colId xmlns:a16="http://schemas.microsoft.com/office/drawing/2014/main" val="800087567"/>
+                    </a:ext>
+                  </a:extLst>
+                </a:gridCol>
+                <a:gridCol w="4064000">
+                  <a:extLst>
+                    <a:ext uri="{9D8B030D-6E8A-4147-A177-3AD203B41FA5}">
+                      <a16:colId xmlns:a16="http://schemas.microsoft.com/office/drawing/2014/main" val="3778205308"/>
+                    </a:ext>
+                  </a:extLst>
+                </a:gridCol>
+              </a:tblGrid>
+              <a:tr h="370840">
+                <a:tc>
+                  <a:txBody>
+                    <a:bodyPr/>
+                    <a:lstStyle/>
+                    <a:p>
+                      <a:r>
+                        <a:rPr lang="en-SG" dirty="0"/>
+                        <a:t>Viscosity Standards @25°C</a:t>
+                      </a:r>
+                    </a:p>
+                  </a:txBody>
+                  <a:tcPr/>
+                </a:tc>
+                <a:tc>
+                  <a:txBody>
+                    <a:bodyPr/>
+                    <a:lstStyle/>
+                    <a:p>
+                      <a:r>
+                        <a:rPr lang="en-SG" dirty="0"/>
+                        <a:t>Density @25°C</a:t>
+                      </a:r>
+                    </a:p>
+                  </a:txBody>
+                  <a:tcPr/>
+                </a:tc>
+                <a:extLst>
+                  <a:ext uri="{0D108BD9-81ED-4DB2-BD59-A6C34878D82A}">
+                    <a16:rowId xmlns:a16="http://schemas.microsoft.com/office/drawing/2014/main" val="804246196"/>
+                  </a:ext>
+                </a:extLst>
+              </a:tr>
+              <a:tr h="370840">
+                <a:tc>
+                  <a:txBody>
+                    <a:bodyPr/>
+                    <a:lstStyle/>
+                    <a:p>
+                      <a:r>
+                        <a:rPr lang="en-SG" dirty="0"/>
+                        <a:t>204</a:t>
+                      </a:r>
+                    </a:p>
+                  </a:txBody>
+                  <a:tcPr/>
+                </a:tc>
+                <a:tc>
+                  <a:txBody>
+                    <a:bodyPr/>
+                    <a:lstStyle/>
+                    <a:p>
+                      <a:r>
+                        <a:rPr lang="en-SG" dirty="0"/>
+                        <a:t>.8639</a:t>
+                      </a:r>
+                    </a:p>
+                  </a:txBody>
+                  <a:tcPr/>
+                </a:tc>
+                <a:extLst>
+                  <a:ext uri="{0D108BD9-81ED-4DB2-BD59-A6C34878D82A}">
+                    <a16:rowId xmlns:a16="http://schemas.microsoft.com/office/drawing/2014/main" val="251864798"/>
+                  </a:ext>
+                </a:extLst>
+              </a:tr>
+              <a:tr h="370840">
+                <a:tc>
+                  <a:txBody>
+                    <a:bodyPr/>
+                    <a:lstStyle/>
+                    <a:p>
+                      <a:r>
+                        <a:rPr lang="en-SG" dirty="0"/>
+                        <a:t>398</a:t>
+                      </a:r>
+                    </a:p>
+                  </a:txBody>
+                  <a:tcPr/>
+                </a:tc>
+                <a:tc>
+                  <a:txBody>
+                    <a:bodyPr/>
+                    <a:lstStyle/>
+                    <a:p>
+                      <a:r>
+                        <a:rPr lang="en-SG" dirty="0"/>
+                        <a:t>.8672</a:t>
+                      </a:r>
+                    </a:p>
+                  </a:txBody>
+                  <a:tcPr/>
+                </a:tc>
+                <a:extLst>
+                  <a:ext uri="{0D108BD9-81ED-4DB2-BD59-A6C34878D82A}">
+                    <a16:rowId xmlns:a16="http://schemas.microsoft.com/office/drawing/2014/main" val="822895331"/>
+                  </a:ext>
+                </a:extLst>
+              </a:tr>
+              <a:tr h="370840">
+                <a:tc>
+                  <a:txBody>
+                    <a:bodyPr/>
+                    <a:lstStyle/>
+                    <a:p>
+                      <a:r>
+                        <a:rPr lang="en-SG" dirty="0"/>
+                        <a:t>505</a:t>
+                      </a:r>
+                    </a:p>
+                  </a:txBody>
+                  <a:tcPr/>
+                </a:tc>
+                <a:tc>
+                  <a:txBody>
+                    <a:bodyPr/>
+                    <a:lstStyle/>
+                    <a:p>
+                      <a:r>
+                        <a:rPr lang="en-SG" dirty="0"/>
+                        <a:t>.8683</a:t>
+                      </a:r>
+                    </a:p>
+                  </a:txBody>
+                  <a:tcPr/>
+                </a:tc>
+                <a:extLst>
+                  <a:ext uri="{0D108BD9-81ED-4DB2-BD59-A6C34878D82A}">
+                    <a16:rowId xmlns:a16="http://schemas.microsoft.com/office/drawing/2014/main" val="2110739059"/>
+                  </a:ext>
+                </a:extLst>
+              </a:tr>
+              <a:tr h="370840">
+                <a:tc>
+                  <a:txBody>
+                    <a:bodyPr/>
+                    <a:lstStyle/>
+                    <a:p>
+                      <a:r>
+                        <a:rPr lang="en-SG" dirty="0"/>
+                        <a:t>817</a:t>
+                      </a:r>
+                    </a:p>
+                  </a:txBody>
+                  <a:tcPr/>
+                </a:tc>
+                <a:tc>
+                  <a:txBody>
+                    <a:bodyPr/>
+                    <a:lstStyle/>
+                    <a:p>
+                      <a:r>
+                        <a:rPr lang="en-SG" dirty="0"/>
+                        <a:t>.8466</a:t>
+                      </a:r>
+                    </a:p>
+                  </a:txBody>
+                  <a:tcPr/>
+                </a:tc>
+                <a:extLst>
+                  <a:ext uri="{0D108BD9-81ED-4DB2-BD59-A6C34878D82A}">
+                    <a16:rowId xmlns:a16="http://schemas.microsoft.com/office/drawing/2014/main" val="4266566110"/>
+                  </a:ext>
+                </a:extLst>
+              </a:tr>
+              <a:tr h="370840">
+                <a:tc>
+                  <a:txBody>
+                    <a:bodyPr/>
+                    <a:lstStyle/>
+                    <a:p>
+                      <a:r>
+                        <a:rPr lang="en-SG" dirty="0"/>
+                        <a:t>1275</a:t>
+                      </a:r>
+                    </a:p>
+                  </a:txBody>
+                  <a:tcPr>
+                    <a:solidFill>
+                      <a:srgbClr val="FFFF00"/>
+                    </a:solidFill>
+                  </a:tcPr>
+                </a:tc>
+                <a:tc>
+                  <a:txBody>
+                    <a:bodyPr/>
+                    <a:lstStyle/>
+                    <a:p>
+                      <a:r>
+                        <a:rPr lang="en-SG" dirty="0"/>
+                        <a:t>.8736</a:t>
+                      </a:r>
+                    </a:p>
+                  </a:txBody>
+                  <a:tcPr>
+                    <a:solidFill>
+                      <a:srgbClr val="FFFF00"/>
+                    </a:solidFill>
+                  </a:tcPr>
+                </a:tc>
+                <a:extLst>
+                  <a:ext uri="{0D108BD9-81ED-4DB2-BD59-A6C34878D82A}">
+                    <a16:rowId xmlns:a16="http://schemas.microsoft.com/office/drawing/2014/main" val="772297377"/>
+                  </a:ext>
+                </a:extLst>
+              </a:tr>
+            </a:tbl>
+          </a:graphicData>
+        </a:graphic>
+      </p:graphicFrame>
+    </p:spTree>
+    <p:extLst>
+      <p:ext uri="{BB962C8B-B14F-4D97-AF65-F5344CB8AC3E}">
+        <p14:creationId xmlns:p14="http://schemas.microsoft.com/office/powerpoint/2010/main" val="199356960"/>
+      </p:ext>
+    </p:extLst>
+  </p:cSld>
+  <p:clrMapOvr>
+    <a:masterClrMapping/>
+  </p:clrMapOvr>
+</p:sld>
+</file>
+
+<file path=ppt/slides/slide22.xml><?xml version="1.0" encoding="utf-8"?>
 <p:sld xmlns:a="http://schemas.openxmlformats.org/drawingml/2006/main" xmlns:r="http://schemas.openxmlformats.org/officeDocument/2006/relationships" xmlns:p="http://schemas.openxmlformats.org/presentationml/2006/main">
   <p:cSld>
     <p:spTree>
@@ -12663,7 +16036,7 @@
 </p:sld>
 </file>
 
-<file path=ppt/slides/slide18.xml><?xml version="1.0" encoding="utf-8"?>
+<file path=ppt/slides/slide23.xml><?xml version="1.0" encoding="utf-8"?>
 <p:sld xmlns:a="http://schemas.openxmlformats.org/drawingml/2006/main" xmlns:r="http://schemas.openxmlformats.org/officeDocument/2006/relationships" xmlns:p="http://schemas.openxmlformats.org/presentationml/2006/main">
   <p:cSld>
     <p:spTree>
@@ -14770,7 +18143,7 @@
 </p:sld>
 </file>
 
-<file path=ppt/slides/slide19.xml><?xml version="1.0" encoding="utf-8"?>
+<file path=ppt/slides/slide24.xml><?xml version="1.0" encoding="utf-8"?>
 <p:sld xmlns:a="http://schemas.openxmlformats.org/drawingml/2006/main" xmlns:r="http://schemas.openxmlformats.org/officeDocument/2006/relationships" xmlns:p="http://schemas.openxmlformats.org/presentationml/2006/main">
   <p:cSld>
     <p:spTree>
@@ -14835,1722 +18208,7 @@
 </p:sld>
 </file>
 
-<file path=ppt/slides/slide2.xml><?xml version="1.0" encoding="utf-8"?>
-<p:sld xmlns:a="http://schemas.openxmlformats.org/drawingml/2006/main" xmlns:r="http://schemas.openxmlformats.org/officeDocument/2006/relationships" xmlns:p="http://schemas.openxmlformats.org/presentationml/2006/main">
-  <p:cSld>
-    <p:spTree>
-      <p:nvGrpSpPr>
-        <p:cNvPr id="1" name=""/>
-        <p:cNvGrpSpPr/>
-        <p:nvPr/>
-      </p:nvGrpSpPr>
-      <p:grpSpPr>
-        <a:xfrm>
-          <a:off x="0" y="0"/>
-          <a:ext cx="0" cy="0"/>
-          <a:chOff x="0" y="0"/>
-          <a:chExt cx="0" cy="0"/>
-        </a:xfrm>
-      </p:grpSpPr>
-      <p:graphicFrame>
-        <p:nvGraphicFramePr>
-          <p:cNvPr id="2" name="Table 2">
-            <a:extLst>
-              <a:ext uri="{FF2B5EF4-FFF2-40B4-BE49-F238E27FC236}">
-                <a16:creationId xmlns:a16="http://schemas.microsoft.com/office/drawing/2014/main" id="{989BA033-4F80-E70F-3B44-29B8A78A35EE}"/>
-              </a:ext>
-            </a:extLst>
-          </p:cNvPr>
-          <p:cNvGraphicFramePr>
-            <a:graphicFrameLocks noGrp="1"/>
-          </p:cNvGraphicFramePr>
-          <p:nvPr>
-            <p:extLst>
-              <p:ext uri="{D42A27DB-BD31-4B8C-83A1-F6EECF244321}">
-                <p14:modId xmlns:p14="http://schemas.microsoft.com/office/powerpoint/2010/main" val="3315119240"/>
-              </p:ext>
-            </p:extLst>
-          </p:nvPr>
-        </p:nvGraphicFramePr>
-        <p:xfrm>
-          <a:off x="0" y="1431063"/>
-          <a:ext cx="12192004" cy="3545840"/>
-        </p:xfrm>
-        <a:graphic>
-          <a:graphicData uri="http://schemas.openxmlformats.org/drawingml/2006/table">
-            <a:tbl>
-              <a:tblPr firstRow="1" bandRow="1">
-                <a:tableStyleId>{5C22544A-7EE6-4342-B048-85BDC9FD1C3A}</a:tableStyleId>
-              </a:tblPr>
-              <a:tblGrid>
-                <a:gridCol w="897467">
-                  <a:extLst>
-                    <a:ext uri="{9D8B030D-6E8A-4147-A177-3AD203B41FA5}">
-                      <a16:colId xmlns:a16="http://schemas.microsoft.com/office/drawing/2014/main" val="2206697726"/>
-                    </a:ext>
-                  </a:extLst>
-                </a:gridCol>
-                <a:gridCol w="872066">
-                  <a:extLst>
-                    <a:ext uri="{9D8B030D-6E8A-4147-A177-3AD203B41FA5}">
-                      <a16:colId xmlns:a16="http://schemas.microsoft.com/office/drawing/2014/main" val="4145438764"/>
-                    </a:ext>
-                  </a:extLst>
-                </a:gridCol>
-                <a:gridCol w="1109134">
-                  <a:extLst>
-                    <a:ext uri="{9D8B030D-6E8A-4147-A177-3AD203B41FA5}">
-                      <a16:colId xmlns:a16="http://schemas.microsoft.com/office/drawing/2014/main" val="867641991"/>
-                    </a:ext>
-                  </a:extLst>
-                </a:gridCol>
-                <a:gridCol w="1210733">
-                  <a:extLst>
-                    <a:ext uri="{9D8B030D-6E8A-4147-A177-3AD203B41FA5}">
-                      <a16:colId xmlns:a16="http://schemas.microsoft.com/office/drawing/2014/main" val="468753050"/>
-                    </a:ext>
-                  </a:extLst>
-                </a:gridCol>
-                <a:gridCol w="999067">
-                  <a:extLst>
-                    <a:ext uri="{9D8B030D-6E8A-4147-A177-3AD203B41FA5}">
-                      <a16:colId xmlns:a16="http://schemas.microsoft.com/office/drawing/2014/main" val="1258009846"/>
-                    </a:ext>
-                  </a:extLst>
-                </a:gridCol>
-                <a:gridCol w="914400">
-                  <a:extLst>
-                    <a:ext uri="{9D8B030D-6E8A-4147-A177-3AD203B41FA5}">
-                      <a16:colId xmlns:a16="http://schemas.microsoft.com/office/drawing/2014/main" val="3496989669"/>
-                    </a:ext>
-                  </a:extLst>
-                </a:gridCol>
-                <a:gridCol w="1159933">
-                  <a:extLst>
-                    <a:ext uri="{9D8B030D-6E8A-4147-A177-3AD203B41FA5}">
-                      <a16:colId xmlns:a16="http://schemas.microsoft.com/office/drawing/2014/main" val="2906866505"/>
-                    </a:ext>
-                  </a:extLst>
-                </a:gridCol>
-                <a:gridCol w="1109133">
-                  <a:extLst>
-                    <a:ext uri="{9D8B030D-6E8A-4147-A177-3AD203B41FA5}">
-                      <a16:colId xmlns:a16="http://schemas.microsoft.com/office/drawing/2014/main" val="2120826267"/>
-                    </a:ext>
-                  </a:extLst>
-                </a:gridCol>
-                <a:gridCol w="1219200">
-                  <a:extLst>
-                    <a:ext uri="{9D8B030D-6E8A-4147-A177-3AD203B41FA5}">
-                      <a16:colId xmlns:a16="http://schemas.microsoft.com/office/drawing/2014/main" val="1970964562"/>
-                    </a:ext>
-                  </a:extLst>
-                </a:gridCol>
-                <a:gridCol w="1592507">
-                  <a:extLst>
-                    <a:ext uri="{9D8B030D-6E8A-4147-A177-3AD203B41FA5}">
-                      <a16:colId xmlns:a16="http://schemas.microsoft.com/office/drawing/2014/main" val="4241872789"/>
-                    </a:ext>
-                  </a:extLst>
-                </a:gridCol>
-                <a:gridCol w="1108364">
-                  <a:extLst>
-                    <a:ext uri="{9D8B030D-6E8A-4147-A177-3AD203B41FA5}">
-                      <a16:colId xmlns:a16="http://schemas.microsoft.com/office/drawing/2014/main" val="655485241"/>
-                    </a:ext>
-                  </a:extLst>
-                </a:gridCol>
-              </a:tblGrid>
-              <a:tr h="370840">
-                <a:tc gridSpan="11">
-                  <a:txBody>
-                    <a:bodyPr/>
-                    <a:lstStyle/>
-                    <a:p>
-                      <a:pPr algn="l"/>
-                      <a:r>
-                        <a:rPr lang="en-SG" sz="1600" dirty="0"/>
-                        <a:t>Viscosity Standard 204 – Best parameters according to volume pipetted experiment 2</a:t>
-                      </a:r>
-                    </a:p>
-                  </a:txBody>
-                  <a:tcPr/>
-                </a:tc>
-                <a:tc hMerge="1">
-                  <a:txBody>
-                    <a:bodyPr/>
-                    <a:lstStyle/>
-                    <a:p>
-                      <a:endParaRPr lang="en-SG" dirty="0"/>
-                    </a:p>
-                  </a:txBody>
-                  <a:tcPr/>
-                </a:tc>
-                <a:tc hMerge="1">
-                  <a:txBody>
-                    <a:bodyPr/>
-                    <a:lstStyle/>
-                    <a:p>
-                      <a:endParaRPr lang="en-SG"/>
-                    </a:p>
-                  </a:txBody>
-                  <a:tcPr/>
-                </a:tc>
-                <a:tc hMerge="1">
-                  <a:txBody>
-                    <a:bodyPr/>
-                    <a:lstStyle/>
-                    <a:p>
-                      <a:endParaRPr lang="en-SG"/>
-                    </a:p>
-                  </a:txBody>
-                  <a:tcPr/>
-                </a:tc>
-                <a:tc hMerge="1">
-                  <a:txBody>
-                    <a:bodyPr/>
-                    <a:lstStyle/>
-                    <a:p>
-                      <a:endParaRPr lang="en-SG"/>
-                    </a:p>
-                  </a:txBody>
-                  <a:tcPr/>
-                </a:tc>
-                <a:tc hMerge="1">
-                  <a:txBody>
-                    <a:bodyPr/>
-                    <a:lstStyle/>
-                    <a:p>
-                      <a:endParaRPr lang="en-SG"/>
-                    </a:p>
-                  </a:txBody>
-                  <a:tcPr/>
-                </a:tc>
-                <a:tc hMerge="1">
-                  <a:txBody>
-                    <a:bodyPr/>
-                    <a:lstStyle/>
-                    <a:p>
-                      <a:endParaRPr lang="en-SG" dirty="0"/>
-                    </a:p>
-                  </a:txBody>
-                  <a:tcPr/>
-                </a:tc>
-                <a:tc hMerge="1">
-                  <a:txBody>
-                    <a:bodyPr/>
-                    <a:lstStyle/>
-                    <a:p>
-                      <a:endParaRPr lang="en-SG"/>
-                    </a:p>
-                  </a:txBody>
-                  <a:tcPr/>
-                </a:tc>
-                <a:tc hMerge="1">
-                  <a:txBody>
-                    <a:bodyPr/>
-                    <a:lstStyle/>
-                    <a:p>
-                      <a:endParaRPr lang="en-SG" dirty="0"/>
-                    </a:p>
-                  </a:txBody>
-                  <a:tcPr/>
-                </a:tc>
-                <a:tc hMerge="1">
-                  <a:txBody>
-                    <a:bodyPr/>
-                    <a:lstStyle/>
-                    <a:p>
-                      <a:endParaRPr lang="en-SG" dirty="0"/>
-                    </a:p>
-                  </a:txBody>
-                  <a:tcPr/>
-                </a:tc>
-                <a:tc hMerge="1">
-                  <a:txBody>
-                    <a:bodyPr/>
-                    <a:lstStyle/>
-                    <a:p>
-                      <a:endParaRPr lang="en-SG" dirty="0"/>
-                    </a:p>
-                  </a:txBody>
-                  <a:tcPr/>
-                </a:tc>
-                <a:extLst>
-                  <a:ext uri="{0D108BD9-81ED-4DB2-BD59-A6C34878D82A}">
-                    <a16:rowId xmlns:a16="http://schemas.microsoft.com/office/drawing/2014/main" val="1977855465"/>
-                  </a:ext>
-                </a:extLst>
-              </a:tr>
-              <a:tr h="370840">
-                <a:tc>
-                  <a:txBody>
-                    <a:bodyPr/>
-                    <a:lstStyle/>
-                    <a:p>
-                      <a:pPr algn="l"/>
-                      <a:r>
-                        <a:rPr lang="en-SG" sz="1600" dirty="0"/>
-                        <a:t>Volume</a:t>
-                      </a:r>
-                    </a:p>
-                  </a:txBody>
-                  <a:tcPr/>
-                </a:tc>
-                <a:tc>
-                  <a:txBody>
-                    <a:bodyPr/>
-                    <a:lstStyle/>
-                    <a:p>
-                      <a:pPr algn="l"/>
-                      <a:r>
-                        <a:rPr lang="en-SG" sz="1600" dirty="0"/>
-                        <a:t>ML or Human</a:t>
-                      </a:r>
-                    </a:p>
-                  </a:txBody>
-                  <a:tcPr/>
-                </a:tc>
-                <a:tc>
-                  <a:txBody>
-                    <a:bodyPr/>
-                    <a:lstStyle/>
-                    <a:p>
-                      <a:pPr algn="l"/>
-                      <a:r>
-                        <a:rPr lang="en-SG" sz="1600" dirty="0"/>
-                        <a:t>Aspiration Rate</a:t>
-                      </a:r>
-                    </a:p>
-                  </a:txBody>
-                  <a:tcPr/>
-                </a:tc>
-                <a:tc>
-                  <a:txBody>
-                    <a:bodyPr/>
-                    <a:lstStyle/>
-                    <a:p>
-                      <a:pPr algn="l"/>
-                      <a:r>
-                        <a:rPr lang="en-SG" sz="1600" dirty="0"/>
-                        <a:t>Dispense Rate</a:t>
-                      </a:r>
-                    </a:p>
-                  </a:txBody>
-                  <a:tcPr/>
-                </a:tc>
-                <a:tc>
-                  <a:txBody>
-                    <a:bodyPr/>
-                    <a:lstStyle/>
-                    <a:p>
-                      <a:pPr algn="l"/>
-                      <a:r>
-                        <a:rPr lang="en-SG" sz="1600" dirty="0"/>
-                        <a:t>Blow Out Rate</a:t>
-                      </a:r>
-                    </a:p>
-                  </a:txBody>
-                  <a:tcPr/>
-                </a:tc>
-                <a:tc>
-                  <a:txBody>
-                    <a:bodyPr/>
-                    <a:lstStyle/>
-                    <a:p>
-                      <a:pPr algn="l"/>
-                      <a:r>
-                        <a:rPr lang="en-SG" sz="1600" dirty="0"/>
-                        <a:t>Delay Aspirate</a:t>
-                      </a:r>
-                    </a:p>
-                  </a:txBody>
-                  <a:tcPr/>
-                </a:tc>
-                <a:tc>
-                  <a:txBody>
-                    <a:bodyPr/>
-                    <a:lstStyle/>
-                    <a:p>
-                      <a:pPr algn="l"/>
-                      <a:r>
-                        <a:rPr lang="en-SG" sz="1600" dirty="0"/>
-                        <a:t>Delay Dispense</a:t>
-                      </a:r>
-                    </a:p>
-                  </a:txBody>
-                  <a:tcPr/>
-                </a:tc>
-                <a:tc>
-                  <a:txBody>
-                    <a:bodyPr/>
-                    <a:lstStyle/>
-                    <a:p>
-                      <a:pPr algn="l"/>
-                      <a:r>
-                        <a:rPr lang="en-SG" sz="1600" dirty="0"/>
-                        <a:t>Delay Blow Out</a:t>
-                      </a:r>
-                    </a:p>
-                  </a:txBody>
-                  <a:tcPr/>
-                </a:tc>
-                <a:tc>
-                  <a:txBody>
-                    <a:bodyPr/>
-                    <a:lstStyle/>
-                    <a:p>
-                      <a:pPr algn="l"/>
-                      <a:r>
-                        <a:rPr lang="en-SG" sz="1600" dirty="0"/>
-                        <a:t>%error</a:t>
-                      </a:r>
-                    </a:p>
-                  </a:txBody>
-                  <a:tcPr/>
-                </a:tc>
-                <a:tc>
-                  <a:txBody>
-                    <a:bodyPr/>
-                    <a:lstStyle/>
-                    <a:p>
-                      <a:pPr algn="l"/>
-                      <a:r>
-                        <a:rPr lang="en-SG" sz="1600" dirty="0"/>
-                        <a:t>Total Time for transfer 1000 </a:t>
-                      </a:r>
-                      <a:r>
-                        <a:rPr lang="en-SG" sz="1600" dirty="0" err="1"/>
-                        <a:t>ul</a:t>
-                      </a:r>
-                      <a:endParaRPr lang="en-SG" sz="1600" dirty="0"/>
-                    </a:p>
-                  </a:txBody>
-                  <a:tcPr/>
-                </a:tc>
-                <a:tc>
-                  <a:txBody>
-                    <a:bodyPr/>
-                    <a:lstStyle/>
-                    <a:p>
-                      <a:pPr algn="l"/>
-                      <a:r>
-                        <a:rPr lang="en-SG" sz="1600" dirty="0"/>
-                        <a:t>Iteration</a:t>
-                      </a:r>
-                    </a:p>
-                  </a:txBody>
-                  <a:tcPr/>
-                </a:tc>
-                <a:extLst>
-                  <a:ext uri="{0D108BD9-81ED-4DB2-BD59-A6C34878D82A}">
-                    <a16:rowId xmlns:a16="http://schemas.microsoft.com/office/drawing/2014/main" val="360042618"/>
-                  </a:ext>
-                </a:extLst>
-              </a:tr>
-              <a:tr h="370840">
-                <a:tc>
-                  <a:txBody>
-                    <a:bodyPr/>
-                    <a:lstStyle/>
-                    <a:p>
-                      <a:pPr algn="l"/>
-                      <a:r>
-                        <a:rPr lang="en-SG" sz="1600" dirty="0"/>
-                        <a:t>300</a:t>
-                      </a:r>
-                    </a:p>
-                  </a:txBody>
-                  <a:tcPr/>
-                </a:tc>
-                <a:tc>
-                  <a:txBody>
-                    <a:bodyPr/>
-                    <a:lstStyle/>
-                    <a:p>
-                      <a:pPr algn="l"/>
-                      <a:r>
-                        <a:rPr lang="en-SG" sz="1600"/>
-                        <a:t>ML</a:t>
-                      </a:r>
-                      <a:endParaRPr lang="en-SG" sz="1600" dirty="0"/>
-                    </a:p>
-                  </a:txBody>
-                  <a:tcPr/>
-                </a:tc>
-                <a:tc>
-                  <a:txBody>
-                    <a:bodyPr/>
-                    <a:lstStyle/>
-                    <a:p>
-                      <a:pPr algn="l"/>
-                      <a:r>
-                        <a:rPr lang="en-SG" sz="1600" b="0" i="0" kern="1200" dirty="0">
-                          <a:solidFill>
-                            <a:schemeClr val="dk1"/>
-                          </a:solidFill>
-                          <a:effectLst/>
-                          <a:latin typeface="+mn-lt"/>
-                          <a:ea typeface="+mn-ea"/>
-                          <a:cs typeface="+mn-cs"/>
-                        </a:rPr>
-                        <a:t>80.219249</a:t>
-                      </a:r>
-                      <a:endParaRPr lang="en-SG" sz="1600" dirty="0"/>
-                    </a:p>
-                  </a:txBody>
-                  <a:tcPr/>
-                </a:tc>
-                <a:tc>
-                  <a:txBody>
-                    <a:bodyPr/>
-                    <a:lstStyle/>
-                    <a:p>
-                      <a:pPr algn="l" fontAlgn="ctr"/>
-                      <a:r>
-                        <a:rPr lang="en-SG" sz="1600">
-                          <a:effectLst/>
-                        </a:rPr>
-                        <a:t>40.113611</a:t>
-                      </a:r>
-                      <a:endParaRPr lang="en-SG" sz="1600" dirty="0">
-                        <a:effectLst/>
-                      </a:endParaRPr>
-                    </a:p>
-                  </a:txBody>
-                  <a:tcPr anchor="ctr"/>
-                </a:tc>
-                <a:tc>
-                  <a:txBody>
-                    <a:bodyPr/>
-                    <a:lstStyle/>
-                    <a:p>
-                      <a:pPr algn="l"/>
-                      <a:r>
-                        <a:rPr lang="en-SG" sz="1600"/>
-                        <a:t>0</a:t>
-                      </a:r>
-                      <a:endParaRPr lang="en-SG" sz="1600" dirty="0"/>
-                    </a:p>
-                  </a:txBody>
-                  <a:tcPr/>
-                </a:tc>
-                <a:tc>
-                  <a:txBody>
-                    <a:bodyPr/>
-                    <a:lstStyle/>
-                    <a:p>
-                      <a:pPr algn="l"/>
-                      <a:r>
-                        <a:rPr lang="en-SG" sz="1600"/>
-                        <a:t>5</a:t>
-                      </a:r>
-                      <a:endParaRPr lang="en-SG" sz="1600" dirty="0"/>
-                    </a:p>
-                  </a:txBody>
-                  <a:tcPr/>
-                </a:tc>
-                <a:tc>
-                  <a:txBody>
-                    <a:bodyPr/>
-                    <a:lstStyle/>
-                    <a:p>
-                      <a:pPr algn="l"/>
-                      <a:r>
-                        <a:rPr lang="en-SG" sz="1600"/>
-                        <a:t>5</a:t>
-                      </a:r>
-                      <a:endParaRPr lang="en-SG" sz="1600" dirty="0"/>
-                    </a:p>
-                  </a:txBody>
-                  <a:tcPr/>
-                </a:tc>
-                <a:tc>
-                  <a:txBody>
-                    <a:bodyPr/>
-                    <a:lstStyle/>
-                    <a:p>
-                      <a:pPr algn="l" fontAlgn="ctr"/>
-                      <a:r>
-                        <a:rPr lang="en-SG" sz="1600">
-                          <a:effectLst/>
-                        </a:rPr>
-                        <a:t>0</a:t>
-                      </a:r>
-                      <a:endParaRPr lang="en-SG" sz="1600" dirty="0">
-                        <a:effectLst/>
-                      </a:endParaRPr>
-                    </a:p>
-                  </a:txBody>
-                  <a:tcPr anchor="ctr"/>
-                </a:tc>
-                <a:tc>
-                  <a:txBody>
-                    <a:bodyPr/>
-                    <a:lstStyle/>
-                    <a:p>
-                      <a:pPr algn="l" fontAlgn="ctr"/>
-                      <a:r>
-                        <a:rPr lang="en-SG" sz="1600" dirty="0">
-                          <a:effectLst/>
-                        </a:rPr>
-                        <a:t>+0.011575</a:t>
-                      </a:r>
-                    </a:p>
-                  </a:txBody>
-                  <a:tcPr anchor="ctr"/>
-                </a:tc>
-                <a:tc>
-                  <a:txBody>
-                    <a:bodyPr/>
-                    <a:lstStyle/>
-                    <a:p>
-                      <a:pPr algn="l"/>
-                      <a:r>
-                        <a:rPr lang="en-SG" sz="1600" dirty="0"/>
-                        <a:t>47.395030	</a:t>
-                      </a:r>
-                    </a:p>
-                  </a:txBody>
-                  <a:tcPr/>
-                </a:tc>
-                <a:tc>
-                  <a:txBody>
-                    <a:bodyPr/>
-                    <a:lstStyle/>
-                    <a:p>
-                      <a:pPr algn="l"/>
-                      <a:r>
-                        <a:rPr lang="en-SG" sz="1600" dirty="0"/>
-                        <a:t>9</a:t>
-                      </a:r>
-                    </a:p>
-                  </a:txBody>
-                  <a:tcPr/>
-                </a:tc>
-                <a:extLst>
-                  <a:ext uri="{0D108BD9-81ED-4DB2-BD59-A6C34878D82A}">
-                    <a16:rowId xmlns:a16="http://schemas.microsoft.com/office/drawing/2014/main" val="2839940444"/>
-                  </a:ext>
-                </a:extLst>
-              </a:tr>
-              <a:tr h="370840">
-                <a:tc>
-                  <a:txBody>
-                    <a:bodyPr/>
-                    <a:lstStyle/>
-                    <a:p>
-                      <a:pPr algn="l"/>
-                      <a:r>
-                        <a:rPr lang="en-SG" sz="1600" dirty="0"/>
-                        <a:t>300</a:t>
-                      </a:r>
-                    </a:p>
-                  </a:txBody>
-                  <a:tcPr/>
-                </a:tc>
-                <a:tc>
-                  <a:txBody>
-                    <a:bodyPr/>
-                    <a:lstStyle/>
-                    <a:p>
-                      <a:pPr algn="l"/>
-                      <a:r>
-                        <a:rPr lang="en-SG" sz="1600" dirty="0"/>
-                        <a:t>Human</a:t>
-                      </a:r>
-                    </a:p>
-                  </a:txBody>
-                  <a:tcPr/>
-                </a:tc>
-                <a:tc>
-                  <a:txBody>
-                    <a:bodyPr/>
-                    <a:lstStyle/>
-                    <a:p>
-                      <a:pPr algn="l"/>
-                      <a:r>
-                        <a:rPr lang="en-SG" sz="1600" dirty="0"/>
-                        <a:t>70</a:t>
-                      </a:r>
-                    </a:p>
-                  </a:txBody>
-                  <a:tcPr/>
-                </a:tc>
-                <a:tc>
-                  <a:txBody>
-                    <a:bodyPr/>
-                    <a:lstStyle/>
-                    <a:p>
-                      <a:pPr algn="l"/>
-                      <a:r>
-                        <a:rPr lang="en-SG" sz="1600" dirty="0"/>
-                        <a:t>70</a:t>
-                      </a:r>
-                    </a:p>
-                  </a:txBody>
-                  <a:tcPr/>
-                </a:tc>
-                <a:tc>
-                  <a:txBody>
-                    <a:bodyPr/>
-                    <a:lstStyle/>
-                    <a:p>
-                      <a:pPr algn="l"/>
-                      <a:r>
-                        <a:rPr lang="en-SG" sz="1600" dirty="0"/>
-                        <a:t>5</a:t>
-                      </a:r>
-                    </a:p>
-                  </a:txBody>
-                  <a:tcPr/>
-                </a:tc>
-                <a:tc>
-                  <a:txBody>
-                    <a:bodyPr/>
-                    <a:lstStyle/>
-                    <a:p>
-                      <a:pPr algn="l"/>
-                      <a:r>
-                        <a:rPr lang="en-SG" sz="1600" dirty="0"/>
-                        <a:t>0.3</a:t>
-                      </a:r>
-                    </a:p>
-                  </a:txBody>
-                  <a:tcPr/>
-                </a:tc>
-                <a:tc>
-                  <a:txBody>
-                    <a:bodyPr/>
-                    <a:lstStyle/>
-                    <a:p>
-                      <a:pPr algn="l"/>
-                      <a:r>
-                        <a:rPr lang="en-SG" sz="1600" dirty="0"/>
-                        <a:t>0</a:t>
-                      </a:r>
-                    </a:p>
-                  </a:txBody>
-                  <a:tcPr/>
-                </a:tc>
-                <a:tc>
-                  <a:txBody>
-                    <a:bodyPr/>
-                    <a:lstStyle/>
-                    <a:p>
-                      <a:pPr algn="l"/>
-                      <a:r>
-                        <a:rPr lang="en-SG" sz="1600" dirty="0"/>
-                        <a:t>0</a:t>
-                      </a:r>
-                    </a:p>
-                  </a:txBody>
-                  <a:tcPr/>
-                </a:tc>
-                <a:tc>
-                  <a:txBody>
-                    <a:bodyPr/>
-                    <a:lstStyle/>
-                    <a:p>
-                      <a:pPr algn="l"/>
-                      <a:r>
-                        <a:rPr lang="en-SG" sz="1600" b="0" i="0" kern="1200" dirty="0">
-                          <a:solidFill>
-                            <a:schemeClr val="dk1"/>
-                          </a:solidFill>
-                          <a:effectLst/>
-                          <a:latin typeface="+mn-lt"/>
-                          <a:ea typeface="+mn-ea"/>
-                          <a:cs typeface="+mn-cs"/>
-                        </a:rPr>
-                        <a:t>-0.451441</a:t>
-                      </a:r>
-                      <a:endParaRPr lang="en-SG" sz="1600" dirty="0"/>
-                    </a:p>
-                  </a:txBody>
-                  <a:tcPr/>
-                </a:tc>
-                <a:tc>
-                  <a:txBody>
-                    <a:bodyPr/>
-                    <a:lstStyle/>
-                    <a:p>
-                      <a:pPr algn="l"/>
-                      <a:r>
-                        <a:rPr lang="en-SG" sz="1600" dirty="0"/>
-                        <a:t>58.871429	</a:t>
-                      </a:r>
-                    </a:p>
-                  </a:txBody>
-                  <a:tcPr/>
-                </a:tc>
-                <a:tc>
-                  <a:txBody>
-                    <a:bodyPr/>
-                    <a:lstStyle/>
-                    <a:p>
-                      <a:pPr algn="l"/>
-                      <a:r>
-                        <a:rPr lang="en-SG" sz="1600" dirty="0"/>
-                        <a:t>11</a:t>
-                      </a:r>
-                    </a:p>
-                  </a:txBody>
-                  <a:tcPr/>
-                </a:tc>
-                <a:extLst>
-                  <a:ext uri="{0D108BD9-81ED-4DB2-BD59-A6C34878D82A}">
-                    <a16:rowId xmlns:a16="http://schemas.microsoft.com/office/drawing/2014/main" val="2296966347"/>
-                  </a:ext>
-                </a:extLst>
-              </a:tr>
-              <a:tr h="370840">
-                <a:tc>
-                  <a:txBody>
-                    <a:bodyPr/>
-                    <a:lstStyle/>
-                    <a:p>
-                      <a:pPr algn="l"/>
-                      <a:r>
-                        <a:rPr lang="en-SG" sz="1600" dirty="0"/>
-                        <a:t>500</a:t>
-                      </a:r>
-                    </a:p>
-                  </a:txBody>
-                  <a:tcPr/>
-                </a:tc>
-                <a:tc>
-                  <a:txBody>
-                    <a:bodyPr/>
-                    <a:lstStyle/>
-                    <a:p>
-                      <a:pPr algn="l"/>
-                      <a:r>
-                        <a:rPr lang="en-SG" sz="1600" dirty="0"/>
-                        <a:t>ML</a:t>
-                      </a:r>
-                    </a:p>
-                  </a:txBody>
-                  <a:tcPr/>
-                </a:tc>
-                <a:tc>
-                  <a:txBody>
-                    <a:bodyPr/>
-                    <a:lstStyle/>
-                    <a:p>
-                      <a:pPr algn="l"/>
-                      <a:r>
-                        <a:rPr lang="en-SG" sz="1600" dirty="0"/>
-                        <a:t>81.334604</a:t>
-                      </a:r>
-                    </a:p>
-                  </a:txBody>
-                  <a:tcPr/>
-                </a:tc>
-                <a:tc>
-                  <a:txBody>
-                    <a:bodyPr/>
-                    <a:lstStyle/>
-                    <a:p>
-                      <a:pPr algn="l"/>
-                      <a:r>
-                        <a:rPr lang="en-SG" sz="1600" dirty="0"/>
-                        <a:t>44.694355</a:t>
-                      </a:r>
-                    </a:p>
-                  </a:txBody>
-                  <a:tcPr/>
-                </a:tc>
-                <a:tc>
-                  <a:txBody>
-                    <a:bodyPr/>
-                    <a:lstStyle/>
-                    <a:p>
-                      <a:pPr algn="l"/>
-                      <a:r>
-                        <a:rPr lang="en-SG" sz="1600" dirty="0"/>
-                        <a:t>0</a:t>
-                      </a:r>
-                    </a:p>
-                  </a:txBody>
-                  <a:tcPr/>
-                </a:tc>
-                <a:tc>
-                  <a:txBody>
-                    <a:bodyPr/>
-                    <a:lstStyle/>
-                    <a:p>
-                      <a:pPr algn="l"/>
-                      <a:r>
-                        <a:rPr lang="en-SG" sz="1600" dirty="0"/>
-                        <a:t>5</a:t>
-                      </a:r>
-                    </a:p>
-                  </a:txBody>
-                  <a:tcPr/>
-                </a:tc>
-                <a:tc>
-                  <a:txBody>
-                    <a:bodyPr/>
-                    <a:lstStyle/>
-                    <a:p>
-                      <a:pPr algn="l"/>
-                      <a:r>
-                        <a:rPr lang="en-SG" sz="1600" dirty="0"/>
-                        <a:t>5</a:t>
-                      </a:r>
-                    </a:p>
-                  </a:txBody>
-                  <a:tcPr/>
-                </a:tc>
-                <a:tc>
-                  <a:txBody>
-                    <a:bodyPr/>
-                    <a:lstStyle/>
-                    <a:p>
-                      <a:pPr algn="l"/>
-                      <a:r>
-                        <a:rPr lang="en-SG" sz="1600" dirty="0"/>
-                        <a:t>0</a:t>
-                      </a:r>
-                    </a:p>
-                  </a:txBody>
-                  <a:tcPr/>
-                </a:tc>
-                <a:tc>
-                  <a:txBody>
-                    <a:bodyPr/>
-                    <a:lstStyle/>
-                    <a:p>
-                      <a:pPr algn="l"/>
-                      <a:r>
-                        <a:rPr lang="en-SG" sz="1600" dirty="0"/>
-                        <a:t>-0.219933	</a:t>
-                      </a:r>
-                    </a:p>
-                  </a:txBody>
-                  <a:tcPr/>
-                </a:tc>
-                <a:tc>
-                  <a:txBody>
-                    <a:bodyPr/>
-                    <a:lstStyle/>
-                    <a:p>
-                      <a:pPr algn="l"/>
-                      <a:r>
-                        <a:rPr lang="en-SG" sz="1600" dirty="0"/>
-                        <a:t>44.669080</a:t>
-                      </a:r>
-                    </a:p>
-                  </a:txBody>
-                  <a:tcPr/>
-                </a:tc>
-                <a:tc>
-                  <a:txBody>
-                    <a:bodyPr/>
-                    <a:lstStyle/>
-                    <a:p>
-                      <a:pPr algn="l"/>
-                      <a:r>
-                        <a:rPr lang="en-SG" sz="1600" dirty="0"/>
-                        <a:t>10</a:t>
-                      </a:r>
-                    </a:p>
-                  </a:txBody>
-                  <a:tcPr/>
-                </a:tc>
-                <a:extLst>
-                  <a:ext uri="{0D108BD9-81ED-4DB2-BD59-A6C34878D82A}">
-                    <a16:rowId xmlns:a16="http://schemas.microsoft.com/office/drawing/2014/main" val="1124578759"/>
-                  </a:ext>
-                </a:extLst>
-              </a:tr>
-              <a:tr h="370840">
-                <a:tc>
-                  <a:txBody>
-                    <a:bodyPr/>
-                    <a:lstStyle/>
-                    <a:p>
-                      <a:pPr algn="l"/>
-                      <a:r>
-                        <a:rPr lang="en-SG" sz="1600" dirty="0"/>
-                        <a:t>500</a:t>
-                      </a:r>
-                    </a:p>
-                  </a:txBody>
-                  <a:tcPr/>
-                </a:tc>
-                <a:tc>
-                  <a:txBody>
-                    <a:bodyPr/>
-                    <a:lstStyle/>
-                    <a:p>
-                      <a:pPr algn="l"/>
-                      <a:r>
-                        <a:rPr lang="en-SG" sz="1600" dirty="0"/>
-                        <a:t>Human</a:t>
-                      </a:r>
-                    </a:p>
-                  </a:txBody>
-                  <a:tcPr/>
-                </a:tc>
-                <a:tc>
-                  <a:txBody>
-                    <a:bodyPr/>
-                    <a:lstStyle/>
-                    <a:p>
-                      <a:pPr algn="l"/>
-                      <a:r>
-                        <a:rPr lang="en-SG" sz="1600" dirty="0"/>
-                        <a:t>70</a:t>
-                      </a:r>
-                    </a:p>
-                  </a:txBody>
-                  <a:tcPr/>
-                </a:tc>
-                <a:tc>
-                  <a:txBody>
-                    <a:bodyPr/>
-                    <a:lstStyle/>
-                    <a:p>
-                      <a:pPr algn="l"/>
-                      <a:r>
-                        <a:rPr lang="en-SG" sz="1600" dirty="0"/>
-                        <a:t>70</a:t>
-                      </a:r>
-                    </a:p>
-                  </a:txBody>
-                  <a:tcPr/>
-                </a:tc>
-                <a:tc>
-                  <a:txBody>
-                    <a:bodyPr/>
-                    <a:lstStyle/>
-                    <a:p>
-                      <a:pPr algn="l"/>
-                      <a:r>
-                        <a:rPr lang="en-SG" sz="1600" dirty="0"/>
-                        <a:t>5</a:t>
-                      </a:r>
-                    </a:p>
-                  </a:txBody>
-                  <a:tcPr/>
-                </a:tc>
-                <a:tc>
-                  <a:txBody>
-                    <a:bodyPr/>
-                    <a:lstStyle/>
-                    <a:p>
-                      <a:pPr algn="l"/>
-                      <a:r>
-                        <a:rPr lang="en-SG" sz="1600" dirty="0"/>
-                        <a:t>0.5</a:t>
-                      </a:r>
-                    </a:p>
-                  </a:txBody>
-                  <a:tcPr/>
-                </a:tc>
-                <a:tc>
-                  <a:txBody>
-                    <a:bodyPr/>
-                    <a:lstStyle/>
-                    <a:p>
-                      <a:pPr algn="l"/>
-                      <a:r>
-                        <a:rPr lang="en-SG" sz="1600" dirty="0"/>
-                        <a:t>0</a:t>
-                      </a:r>
-                    </a:p>
-                  </a:txBody>
-                  <a:tcPr/>
-                </a:tc>
-                <a:tc>
-                  <a:txBody>
-                    <a:bodyPr/>
-                    <a:lstStyle/>
-                    <a:p>
-                      <a:pPr algn="l"/>
-                      <a:r>
-                        <a:rPr lang="en-SG" sz="1600" dirty="0"/>
-                        <a:t>0</a:t>
-                      </a:r>
-                    </a:p>
-                  </a:txBody>
-                  <a:tcPr/>
-                </a:tc>
-                <a:tc>
-                  <a:txBody>
-                    <a:bodyPr/>
-                    <a:lstStyle/>
-                    <a:p>
-                      <a:pPr algn="l"/>
-                      <a:r>
-                        <a:rPr lang="en-SG" sz="1600" dirty="0"/>
-                        <a:t>-0.173631	</a:t>
-                      </a:r>
-                    </a:p>
-                  </a:txBody>
-                  <a:tcPr/>
-                </a:tc>
-                <a:tc>
-                  <a:txBody>
-                    <a:bodyPr/>
-                    <a:lstStyle/>
-                    <a:p>
-                      <a:pPr algn="l"/>
-                      <a:r>
-                        <a:rPr lang="en-SG" sz="1600" dirty="0"/>
-                        <a:t>59.071429	</a:t>
-                      </a:r>
-                    </a:p>
-                  </a:txBody>
-                  <a:tcPr/>
-                </a:tc>
-                <a:tc>
-                  <a:txBody>
-                    <a:bodyPr/>
-                    <a:lstStyle/>
-                    <a:p>
-                      <a:pPr algn="l"/>
-                      <a:r>
-                        <a:rPr lang="en-SG" sz="1600" dirty="0"/>
-                        <a:t>9</a:t>
-                      </a:r>
-                    </a:p>
-                  </a:txBody>
-                  <a:tcPr/>
-                </a:tc>
-                <a:extLst>
-                  <a:ext uri="{0D108BD9-81ED-4DB2-BD59-A6C34878D82A}">
-                    <a16:rowId xmlns:a16="http://schemas.microsoft.com/office/drawing/2014/main" val="480828811"/>
-                  </a:ext>
-                </a:extLst>
-              </a:tr>
-              <a:tr h="370840">
-                <a:tc>
-                  <a:txBody>
-                    <a:bodyPr/>
-                    <a:lstStyle/>
-                    <a:p>
-                      <a:pPr algn="l"/>
-                      <a:r>
-                        <a:rPr lang="en-SG" sz="1600" dirty="0"/>
-                        <a:t>1000</a:t>
-                      </a:r>
-                    </a:p>
-                  </a:txBody>
-                  <a:tcPr>
-                    <a:solidFill>
-                      <a:srgbClr val="FFFF00"/>
-                    </a:solidFill>
-                  </a:tcPr>
-                </a:tc>
-                <a:tc>
-                  <a:txBody>
-                    <a:bodyPr/>
-                    <a:lstStyle/>
-                    <a:p>
-                      <a:pPr algn="l"/>
-                      <a:r>
-                        <a:rPr lang="en-SG" sz="1600" dirty="0"/>
-                        <a:t>ML</a:t>
-                      </a:r>
-                    </a:p>
-                  </a:txBody>
-                  <a:tcPr>
-                    <a:solidFill>
-                      <a:srgbClr val="FFFF00"/>
-                    </a:solidFill>
-                  </a:tcPr>
-                </a:tc>
-                <a:tc>
-                  <a:txBody>
-                    <a:bodyPr/>
-                    <a:lstStyle/>
-                    <a:p>
-                      <a:pPr algn="l"/>
-                      <a:r>
-                        <a:rPr lang="en-SG" sz="1600" dirty="0"/>
-                        <a:t>53.327046</a:t>
-                      </a:r>
-                    </a:p>
-                  </a:txBody>
-                  <a:tcPr>
-                    <a:solidFill>
-                      <a:srgbClr val="FFFF00"/>
-                    </a:solidFill>
-                  </a:tcPr>
-                </a:tc>
-                <a:tc>
-                  <a:txBody>
-                    <a:bodyPr/>
-                    <a:lstStyle/>
-                    <a:p>
-                      <a:pPr algn="l"/>
-                      <a:r>
-                        <a:rPr lang="en-SG" sz="1600" dirty="0"/>
-                        <a:t>26.853867</a:t>
-                      </a:r>
-                    </a:p>
-                  </a:txBody>
-                  <a:tcPr>
-                    <a:solidFill>
-                      <a:srgbClr val="FFFF00"/>
-                    </a:solidFill>
-                  </a:tcPr>
-                </a:tc>
-                <a:tc>
-                  <a:txBody>
-                    <a:bodyPr/>
-                    <a:lstStyle/>
-                    <a:p>
-                      <a:pPr algn="l"/>
-                      <a:r>
-                        <a:rPr lang="en-SG" sz="1600" dirty="0"/>
-                        <a:t>0</a:t>
-                      </a:r>
-                    </a:p>
-                  </a:txBody>
-                  <a:tcPr>
-                    <a:solidFill>
-                      <a:srgbClr val="FFFF00"/>
-                    </a:solidFill>
-                  </a:tcPr>
-                </a:tc>
-                <a:tc>
-                  <a:txBody>
-                    <a:bodyPr/>
-                    <a:lstStyle/>
-                    <a:p>
-                      <a:pPr algn="l"/>
-                      <a:r>
-                        <a:rPr lang="en-SG" sz="1600" dirty="0"/>
-                        <a:t>5</a:t>
-                      </a:r>
-                    </a:p>
-                  </a:txBody>
-                  <a:tcPr>
-                    <a:solidFill>
-                      <a:srgbClr val="FFFF00"/>
-                    </a:solidFill>
-                  </a:tcPr>
-                </a:tc>
-                <a:tc>
-                  <a:txBody>
-                    <a:bodyPr/>
-                    <a:lstStyle/>
-                    <a:p>
-                      <a:pPr algn="l"/>
-                      <a:r>
-                        <a:rPr lang="en-SG" sz="1600" dirty="0"/>
-                        <a:t>5</a:t>
-                      </a:r>
-                    </a:p>
-                  </a:txBody>
-                  <a:tcPr>
-                    <a:solidFill>
-                      <a:srgbClr val="FFFF00"/>
-                    </a:solidFill>
-                  </a:tcPr>
-                </a:tc>
-                <a:tc>
-                  <a:txBody>
-                    <a:bodyPr/>
-                    <a:lstStyle/>
-                    <a:p>
-                      <a:pPr algn="l"/>
-                      <a:r>
-                        <a:rPr lang="en-SG" sz="1600" dirty="0"/>
-                        <a:t>0</a:t>
-                      </a:r>
-                    </a:p>
-                  </a:txBody>
-                  <a:tcPr>
-                    <a:solidFill>
-                      <a:srgbClr val="FFFF00"/>
-                    </a:solidFill>
-                  </a:tcPr>
-                </a:tc>
-                <a:tc>
-                  <a:txBody>
-                    <a:bodyPr/>
-                    <a:lstStyle/>
-                    <a:p>
-                      <a:pPr algn="l"/>
-                      <a:r>
-                        <a:rPr lang="en-SG" sz="1600" dirty="0"/>
-                        <a:t>-0.706100</a:t>
-                      </a:r>
-                    </a:p>
-                  </a:txBody>
-                  <a:tcPr>
-                    <a:solidFill>
-                      <a:srgbClr val="FFFF00"/>
-                    </a:solidFill>
-                  </a:tcPr>
-                </a:tc>
-                <a:tc>
-                  <a:txBody>
-                    <a:bodyPr/>
-                    <a:lstStyle/>
-                    <a:p>
-                      <a:pPr algn="l"/>
-                      <a:r>
-                        <a:rPr lang="en-SG" sz="1600" dirty="0"/>
-                        <a:t>65.990795	</a:t>
-                      </a:r>
-                    </a:p>
-                  </a:txBody>
-                  <a:tcPr>
-                    <a:solidFill>
-                      <a:srgbClr val="FFFF00"/>
-                    </a:solidFill>
-                  </a:tcPr>
-                </a:tc>
-                <a:tc>
-                  <a:txBody>
-                    <a:bodyPr/>
-                    <a:lstStyle/>
-                    <a:p>
-                      <a:pPr algn="l"/>
-                      <a:r>
-                        <a:rPr lang="en-SG" sz="1600" dirty="0"/>
-                        <a:t>8</a:t>
-                      </a:r>
-                    </a:p>
-                  </a:txBody>
-                  <a:tcPr>
-                    <a:solidFill>
-                      <a:srgbClr val="FFFF00"/>
-                    </a:solidFill>
-                  </a:tcPr>
-                </a:tc>
-                <a:extLst>
-                  <a:ext uri="{0D108BD9-81ED-4DB2-BD59-A6C34878D82A}">
-                    <a16:rowId xmlns:a16="http://schemas.microsoft.com/office/drawing/2014/main" val="823961516"/>
-                  </a:ext>
-                </a:extLst>
-              </a:tr>
-              <a:tr h="370840">
-                <a:tc>
-                  <a:txBody>
-                    <a:bodyPr/>
-                    <a:lstStyle/>
-                    <a:p>
-                      <a:pPr algn="l"/>
-                      <a:r>
-                        <a:rPr lang="en-SG" sz="1600" dirty="0"/>
-                        <a:t>1000</a:t>
-                      </a:r>
-                    </a:p>
-                  </a:txBody>
-                  <a:tcPr>
-                    <a:solidFill>
-                      <a:srgbClr val="FFFF00"/>
-                    </a:solidFill>
-                  </a:tcPr>
-                </a:tc>
-                <a:tc>
-                  <a:txBody>
-                    <a:bodyPr/>
-                    <a:lstStyle/>
-                    <a:p>
-                      <a:pPr algn="l"/>
-                      <a:r>
-                        <a:rPr lang="en-SG" sz="1600" dirty="0"/>
-                        <a:t>ML</a:t>
-                      </a:r>
-                    </a:p>
-                  </a:txBody>
-                  <a:tcPr>
-                    <a:solidFill>
-                      <a:srgbClr val="FFFF00"/>
-                    </a:solidFill>
-                  </a:tcPr>
-                </a:tc>
-                <a:tc>
-                  <a:txBody>
-                    <a:bodyPr/>
-                    <a:lstStyle/>
-                    <a:p>
-                      <a:pPr algn="l"/>
-                      <a:r>
-                        <a:rPr lang="en-SG" sz="1600" dirty="0"/>
-                        <a:t>44.301651</a:t>
-                      </a:r>
-                    </a:p>
-                  </a:txBody>
-                  <a:tcPr>
-                    <a:solidFill>
-                      <a:srgbClr val="FFFF00"/>
-                    </a:solidFill>
-                  </a:tcPr>
-                </a:tc>
-                <a:tc>
-                  <a:txBody>
-                    <a:bodyPr/>
-                    <a:lstStyle/>
-                    <a:p>
-                      <a:pPr algn="l"/>
-                      <a:r>
-                        <a:rPr lang="en-SG" sz="1600" dirty="0"/>
-                        <a:t>20.638166</a:t>
-                      </a:r>
-                    </a:p>
-                  </a:txBody>
-                  <a:tcPr>
-                    <a:solidFill>
-                      <a:srgbClr val="FFFF00"/>
-                    </a:solidFill>
-                  </a:tcPr>
-                </a:tc>
-                <a:tc>
-                  <a:txBody>
-                    <a:bodyPr/>
-                    <a:lstStyle/>
-                    <a:p>
-                      <a:pPr algn="l"/>
-                      <a:r>
-                        <a:rPr lang="en-SG" sz="1600" dirty="0"/>
-                        <a:t>0</a:t>
-                      </a:r>
-                    </a:p>
-                  </a:txBody>
-                  <a:tcPr>
-                    <a:solidFill>
-                      <a:srgbClr val="FFFF00"/>
-                    </a:solidFill>
-                  </a:tcPr>
-                </a:tc>
-                <a:tc>
-                  <a:txBody>
-                    <a:bodyPr/>
-                    <a:lstStyle/>
-                    <a:p>
-                      <a:pPr algn="l"/>
-                      <a:r>
-                        <a:rPr lang="en-SG" sz="1600" dirty="0"/>
-                        <a:t>5</a:t>
-                      </a:r>
-                    </a:p>
-                  </a:txBody>
-                  <a:tcPr>
-                    <a:solidFill>
-                      <a:srgbClr val="FFFF00"/>
-                    </a:solidFill>
-                  </a:tcPr>
-                </a:tc>
-                <a:tc>
-                  <a:txBody>
-                    <a:bodyPr/>
-                    <a:lstStyle/>
-                    <a:p>
-                      <a:pPr algn="l"/>
-                      <a:r>
-                        <a:rPr lang="en-SG" sz="1600" dirty="0"/>
-                        <a:t>5</a:t>
-                      </a:r>
-                    </a:p>
-                  </a:txBody>
-                  <a:tcPr>
-                    <a:solidFill>
-                      <a:srgbClr val="FFFF00"/>
-                    </a:solidFill>
-                  </a:tcPr>
-                </a:tc>
-                <a:tc>
-                  <a:txBody>
-                    <a:bodyPr/>
-                    <a:lstStyle/>
-                    <a:p>
-                      <a:pPr algn="l"/>
-                      <a:r>
-                        <a:rPr lang="en-SG" sz="1600" dirty="0"/>
-                        <a:t>0</a:t>
-                      </a:r>
-                    </a:p>
-                  </a:txBody>
-                  <a:tcPr>
-                    <a:solidFill>
-                      <a:srgbClr val="FFFF00"/>
-                    </a:solidFill>
-                  </a:tcPr>
-                </a:tc>
-                <a:tc>
-                  <a:txBody>
-                    <a:bodyPr/>
-                    <a:lstStyle/>
-                    <a:p>
-                      <a:pPr algn="l"/>
-                      <a:r>
-                        <a:rPr lang="en-SG" sz="1600" dirty="0"/>
-                        <a:t>0.312536</a:t>
-                      </a:r>
-                    </a:p>
-                  </a:txBody>
-                  <a:tcPr>
-                    <a:solidFill>
-                      <a:srgbClr val="FFFF00"/>
-                    </a:solidFill>
-                  </a:tcPr>
-                </a:tc>
-                <a:tc>
-                  <a:txBody>
-                    <a:bodyPr/>
-                    <a:lstStyle/>
-                    <a:p>
-                      <a:pPr algn="l"/>
-                      <a:r>
-                        <a:rPr lang="en-SG" sz="1600" dirty="0"/>
-                        <a:t>81.026441</a:t>
-                      </a:r>
-                    </a:p>
-                  </a:txBody>
-                  <a:tcPr>
-                    <a:solidFill>
-                      <a:srgbClr val="FFFF00"/>
-                    </a:solidFill>
-                  </a:tcPr>
-                </a:tc>
-                <a:tc>
-                  <a:txBody>
-                    <a:bodyPr/>
-                    <a:lstStyle/>
-                    <a:p>
-                      <a:pPr algn="l"/>
-                      <a:r>
-                        <a:rPr lang="en-SG" sz="1600" dirty="0"/>
-                        <a:t>9</a:t>
-                      </a:r>
-                    </a:p>
-                  </a:txBody>
-                  <a:tcPr>
-                    <a:solidFill>
-                      <a:srgbClr val="FFFF00"/>
-                    </a:solidFill>
-                  </a:tcPr>
-                </a:tc>
-                <a:extLst>
-                  <a:ext uri="{0D108BD9-81ED-4DB2-BD59-A6C34878D82A}">
-                    <a16:rowId xmlns:a16="http://schemas.microsoft.com/office/drawing/2014/main" val="2748972000"/>
-                  </a:ext>
-                </a:extLst>
-              </a:tr>
-              <a:tr h="370840">
-                <a:tc>
-                  <a:txBody>
-                    <a:bodyPr/>
-                    <a:lstStyle/>
-                    <a:p>
-                      <a:pPr algn="l"/>
-                      <a:r>
-                        <a:rPr lang="en-SG" sz="1600" dirty="0"/>
-                        <a:t>1000</a:t>
-                      </a:r>
-                    </a:p>
-                  </a:txBody>
-                  <a:tcPr/>
-                </a:tc>
-                <a:tc>
-                  <a:txBody>
-                    <a:bodyPr/>
-                    <a:lstStyle/>
-                    <a:p>
-                      <a:pPr algn="l"/>
-                      <a:r>
-                        <a:rPr lang="en-SG" sz="1600" dirty="0"/>
-                        <a:t>Human</a:t>
-                      </a:r>
-                    </a:p>
-                  </a:txBody>
-                  <a:tcPr/>
-                </a:tc>
-                <a:tc>
-                  <a:txBody>
-                    <a:bodyPr/>
-                    <a:lstStyle/>
-                    <a:p>
-                      <a:pPr algn="l"/>
-                      <a:r>
-                        <a:rPr lang="en-SG" sz="1600" dirty="0"/>
-                        <a:t>70</a:t>
-                      </a:r>
-                    </a:p>
-                  </a:txBody>
-                  <a:tcPr/>
-                </a:tc>
-                <a:tc>
-                  <a:txBody>
-                    <a:bodyPr/>
-                    <a:lstStyle/>
-                    <a:p>
-                      <a:pPr algn="l"/>
-                      <a:r>
-                        <a:rPr lang="en-SG" sz="1600" dirty="0"/>
-                        <a:t>70</a:t>
-                      </a:r>
-                    </a:p>
-                  </a:txBody>
-                  <a:tcPr/>
-                </a:tc>
-                <a:tc>
-                  <a:txBody>
-                    <a:bodyPr/>
-                    <a:lstStyle/>
-                    <a:p>
-                      <a:pPr algn="l"/>
-                      <a:r>
-                        <a:rPr lang="en-SG" sz="1600" dirty="0"/>
-                        <a:t>5</a:t>
-                      </a:r>
-                    </a:p>
-                  </a:txBody>
-                  <a:tcPr/>
-                </a:tc>
-                <a:tc>
-                  <a:txBody>
-                    <a:bodyPr/>
-                    <a:lstStyle/>
-                    <a:p>
-                      <a:pPr algn="l"/>
-                      <a:r>
-                        <a:rPr lang="en-SG" sz="1600" dirty="0"/>
-                        <a:t>1</a:t>
-                      </a:r>
-                    </a:p>
-                  </a:txBody>
-                  <a:tcPr/>
-                </a:tc>
-                <a:tc>
-                  <a:txBody>
-                    <a:bodyPr/>
-                    <a:lstStyle/>
-                    <a:p>
-                      <a:pPr algn="l"/>
-                      <a:r>
-                        <a:rPr lang="en-SG" sz="1600" dirty="0"/>
-                        <a:t>0</a:t>
-                      </a:r>
-                    </a:p>
-                  </a:txBody>
-                  <a:tcPr/>
-                </a:tc>
-                <a:tc>
-                  <a:txBody>
-                    <a:bodyPr/>
-                    <a:lstStyle/>
-                    <a:p>
-                      <a:pPr algn="l"/>
-                      <a:r>
-                        <a:rPr lang="en-SG" sz="1600" dirty="0"/>
-                        <a:t>0</a:t>
-                      </a:r>
-                    </a:p>
-                  </a:txBody>
-                  <a:tcPr/>
-                </a:tc>
-                <a:tc>
-                  <a:txBody>
-                    <a:bodyPr/>
-                    <a:lstStyle/>
-                    <a:p>
-                      <a:pPr algn="l"/>
-                      <a:r>
-                        <a:rPr lang="en-SG" sz="1600" dirty="0"/>
-                        <a:t>0.150480</a:t>
-                      </a:r>
-                    </a:p>
-                  </a:txBody>
-                  <a:tcPr/>
-                </a:tc>
-                <a:tc>
-                  <a:txBody>
-                    <a:bodyPr/>
-                    <a:lstStyle/>
-                    <a:p>
-                      <a:pPr algn="l"/>
-                      <a:r>
-                        <a:rPr lang="en-SG" sz="1600" dirty="0"/>
-                        <a:t>59.571429</a:t>
-                      </a:r>
-                    </a:p>
-                  </a:txBody>
-                  <a:tcPr/>
-                </a:tc>
-                <a:tc>
-                  <a:txBody>
-                    <a:bodyPr/>
-                    <a:lstStyle/>
-                    <a:p>
-                      <a:pPr algn="l"/>
-                      <a:r>
-                        <a:rPr lang="en-SG" sz="1600" dirty="0"/>
-                        <a:t>8</a:t>
-                      </a:r>
-                    </a:p>
-                  </a:txBody>
-                  <a:tcPr/>
-                </a:tc>
-                <a:extLst>
-                  <a:ext uri="{0D108BD9-81ED-4DB2-BD59-A6C34878D82A}">
-                    <a16:rowId xmlns:a16="http://schemas.microsoft.com/office/drawing/2014/main" val="2473693101"/>
-                  </a:ext>
-                </a:extLst>
-              </a:tr>
-            </a:tbl>
-          </a:graphicData>
-        </a:graphic>
-      </p:graphicFrame>
-      <p:sp>
-        <p:nvSpPr>
-          <p:cNvPr id="3" name="TextBox 2">
-            <a:extLst>
-              <a:ext uri="{FF2B5EF4-FFF2-40B4-BE49-F238E27FC236}">
-                <a16:creationId xmlns:a16="http://schemas.microsoft.com/office/drawing/2014/main" id="{1308D0C7-1A45-BA0F-910E-1B76483ABB3D}"/>
-              </a:ext>
-            </a:extLst>
-          </p:cNvPr>
-          <p:cNvSpPr txBox="1"/>
-          <p:nvPr/>
-        </p:nvSpPr>
-        <p:spPr>
-          <a:xfrm>
-            <a:off x="1786466" y="575733"/>
-            <a:ext cx="8619067" cy="369332"/>
-          </a:xfrm>
-          <a:prstGeom prst="rect">
-            <a:avLst/>
-          </a:prstGeom>
-          <a:noFill/>
-        </p:spPr>
-        <p:txBody>
-          <a:bodyPr wrap="square" rtlCol="0">
-            <a:spAutoFit/>
-          </a:bodyPr>
-          <a:lstStyle/>
-          <a:p>
-            <a:pPr algn="ctr"/>
-            <a:r>
-              <a:rPr lang="en-SG" dirty="0"/>
-              <a:t>All experiments we have touch tip for aspiration, no touch tip for dispense</a:t>
-            </a:r>
-          </a:p>
-        </p:txBody>
-      </p:sp>
-    </p:spTree>
-    <p:extLst>
-      <p:ext uri="{BB962C8B-B14F-4D97-AF65-F5344CB8AC3E}">
-        <p14:creationId xmlns:p14="http://schemas.microsoft.com/office/powerpoint/2010/main" val="1717108424"/>
-      </p:ext>
-    </p:extLst>
-  </p:cSld>
-  <p:clrMapOvr>
-    <a:masterClrMapping/>
-  </p:clrMapOvr>
-</p:sld>
-</file>
-
-<file path=ppt/slides/slide20.xml><?xml version="1.0" encoding="utf-8"?>
+<file path=ppt/slides/slide25.xml><?xml version="1.0" encoding="utf-8"?>
 <p:sld xmlns:a="http://schemas.openxmlformats.org/drawingml/2006/main" xmlns:r="http://schemas.openxmlformats.org/officeDocument/2006/relationships" xmlns:p="http://schemas.openxmlformats.org/presentationml/2006/main">
   <p:cSld>
     <p:spTree>
@@ -18451,6 +20109,1721 @@
           <a:chExt cx="0" cy="0"/>
         </a:xfrm>
       </p:grpSpPr>
+      <p:graphicFrame>
+        <p:nvGraphicFramePr>
+          <p:cNvPr id="2" name="Table 2">
+            <a:extLst>
+              <a:ext uri="{FF2B5EF4-FFF2-40B4-BE49-F238E27FC236}">
+                <a16:creationId xmlns:a16="http://schemas.microsoft.com/office/drawing/2014/main" id="{989BA033-4F80-E70F-3B44-29B8A78A35EE}"/>
+              </a:ext>
+            </a:extLst>
+          </p:cNvPr>
+          <p:cNvGraphicFramePr>
+            <a:graphicFrameLocks noGrp="1"/>
+          </p:cNvGraphicFramePr>
+          <p:nvPr>
+            <p:extLst>
+              <p:ext uri="{D42A27DB-BD31-4B8C-83A1-F6EECF244321}">
+                <p14:modId xmlns:p14="http://schemas.microsoft.com/office/powerpoint/2010/main" val="699376243"/>
+              </p:ext>
+            </p:extLst>
+          </p:nvPr>
+        </p:nvGraphicFramePr>
+        <p:xfrm>
+          <a:off x="0" y="1431063"/>
+          <a:ext cx="12192004" cy="3545840"/>
+        </p:xfrm>
+        <a:graphic>
+          <a:graphicData uri="http://schemas.openxmlformats.org/drawingml/2006/table">
+            <a:tbl>
+              <a:tblPr firstRow="1" bandRow="1">
+                <a:tableStyleId>{5C22544A-7EE6-4342-B048-85BDC9FD1C3A}</a:tableStyleId>
+              </a:tblPr>
+              <a:tblGrid>
+                <a:gridCol w="897467">
+                  <a:extLst>
+                    <a:ext uri="{9D8B030D-6E8A-4147-A177-3AD203B41FA5}">
+                      <a16:colId xmlns:a16="http://schemas.microsoft.com/office/drawing/2014/main" val="2206697726"/>
+                    </a:ext>
+                  </a:extLst>
+                </a:gridCol>
+                <a:gridCol w="872066">
+                  <a:extLst>
+                    <a:ext uri="{9D8B030D-6E8A-4147-A177-3AD203B41FA5}">
+                      <a16:colId xmlns:a16="http://schemas.microsoft.com/office/drawing/2014/main" val="4145438764"/>
+                    </a:ext>
+                  </a:extLst>
+                </a:gridCol>
+                <a:gridCol w="1109134">
+                  <a:extLst>
+                    <a:ext uri="{9D8B030D-6E8A-4147-A177-3AD203B41FA5}">
+                      <a16:colId xmlns:a16="http://schemas.microsoft.com/office/drawing/2014/main" val="867641991"/>
+                    </a:ext>
+                  </a:extLst>
+                </a:gridCol>
+                <a:gridCol w="1210733">
+                  <a:extLst>
+                    <a:ext uri="{9D8B030D-6E8A-4147-A177-3AD203B41FA5}">
+                      <a16:colId xmlns:a16="http://schemas.microsoft.com/office/drawing/2014/main" val="468753050"/>
+                    </a:ext>
+                  </a:extLst>
+                </a:gridCol>
+                <a:gridCol w="999067">
+                  <a:extLst>
+                    <a:ext uri="{9D8B030D-6E8A-4147-A177-3AD203B41FA5}">
+                      <a16:colId xmlns:a16="http://schemas.microsoft.com/office/drawing/2014/main" val="1258009846"/>
+                    </a:ext>
+                  </a:extLst>
+                </a:gridCol>
+                <a:gridCol w="914400">
+                  <a:extLst>
+                    <a:ext uri="{9D8B030D-6E8A-4147-A177-3AD203B41FA5}">
+                      <a16:colId xmlns:a16="http://schemas.microsoft.com/office/drawing/2014/main" val="3496989669"/>
+                    </a:ext>
+                  </a:extLst>
+                </a:gridCol>
+                <a:gridCol w="1159933">
+                  <a:extLst>
+                    <a:ext uri="{9D8B030D-6E8A-4147-A177-3AD203B41FA5}">
+                      <a16:colId xmlns:a16="http://schemas.microsoft.com/office/drawing/2014/main" val="2906866505"/>
+                    </a:ext>
+                  </a:extLst>
+                </a:gridCol>
+                <a:gridCol w="1109133">
+                  <a:extLst>
+                    <a:ext uri="{9D8B030D-6E8A-4147-A177-3AD203B41FA5}">
+                      <a16:colId xmlns:a16="http://schemas.microsoft.com/office/drawing/2014/main" val="2120826267"/>
+                    </a:ext>
+                  </a:extLst>
+                </a:gridCol>
+                <a:gridCol w="1219200">
+                  <a:extLst>
+                    <a:ext uri="{9D8B030D-6E8A-4147-A177-3AD203B41FA5}">
+                      <a16:colId xmlns:a16="http://schemas.microsoft.com/office/drawing/2014/main" val="1970964562"/>
+                    </a:ext>
+                  </a:extLst>
+                </a:gridCol>
+                <a:gridCol w="1592507">
+                  <a:extLst>
+                    <a:ext uri="{9D8B030D-6E8A-4147-A177-3AD203B41FA5}">
+                      <a16:colId xmlns:a16="http://schemas.microsoft.com/office/drawing/2014/main" val="4241872789"/>
+                    </a:ext>
+                  </a:extLst>
+                </a:gridCol>
+                <a:gridCol w="1108364">
+                  <a:extLst>
+                    <a:ext uri="{9D8B030D-6E8A-4147-A177-3AD203B41FA5}">
+                      <a16:colId xmlns:a16="http://schemas.microsoft.com/office/drawing/2014/main" val="655485241"/>
+                    </a:ext>
+                  </a:extLst>
+                </a:gridCol>
+              </a:tblGrid>
+              <a:tr h="370840">
+                <a:tc gridSpan="11">
+                  <a:txBody>
+                    <a:bodyPr/>
+                    <a:lstStyle/>
+                    <a:p>
+                      <a:pPr algn="l"/>
+                      <a:r>
+                        <a:rPr lang="en-SG" sz="1600" dirty="0"/>
+                        <a:t>Viscosity Standard 204 – Best parameters according to volume pipetted experiment 2</a:t>
+                      </a:r>
+                    </a:p>
+                  </a:txBody>
+                  <a:tcPr/>
+                </a:tc>
+                <a:tc hMerge="1">
+                  <a:txBody>
+                    <a:bodyPr/>
+                    <a:lstStyle/>
+                    <a:p>
+                      <a:endParaRPr lang="en-SG" dirty="0"/>
+                    </a:p>
+                  </a:txBody>
+                  <a:tcPr/>
+                </a:tc>
+                <a:tc hMerge="1">
+                  <a:txBody>
+                    <a:bodyPr/>
+                    <a:lstStyle/>
+                    <a:p>
+                      <a:endParaRPr lang="en-SG"/>
+                    </a:p>
+                  </a:txBody>
+                  <a:tcPr/>
+                </a:tc>
+                <a:tc hMerge="1">
+                  <a:txBody>
+                    <a:bodyPr/>
+                    <a:lstStyle/>
+                    <a:p>
+                      <a:endParaRPr lang="en-SG"/>
+                    </a:p>
+                  </a:txBody>
+                  <a:tcPr/>
+                </a:tc>
+                <a:tc hMerge="1">
+                  <a:txBody>
+                    <a:bodyPr/>
+                    <a:lstStyle/>
+                    <a:p>
+                      <a:endParaRPr lang="en-SG"/>
+                    </a:p>
+                  </a:txBody>
+                  <a:tcPr/>
+                </a:tc>
+                <a:tc hMerge="1">
+                  <a:txBody>
+                    <a:bodyPr/>
+                    <a:lstStyle/>
+                    <a:p>
+                      <a:endParaRPr lang="en-SG"/>
+                    </a:p>
+                  </a:txBody>
+                  <a:tcPr/>
+                </a:tc>
+                <a:tc hMerge="1">
+                  <a:txBody>
+                    <a:bodyPr/>
+                    <a:lstStyle/>
+                    <a:p>
+                      <a:endParaRPr lang="en-SG" dirty="0"/>
+                    </a:p>
+                  </a:txBody>
+                  <a:tcPr/>
+                </a:tc>
+                <a:tc hMerge="1">
+                  <a:txBody>
+                    <a:bodyPr/>
+                    <a:lstStyle/>
+                    <a:p>
+                      <a:endParaRPr lang="en-SG"/>
+                    </a:p>
+                  </a:txBody>
+                  <a:tcPr/>
+                </a:tc>
+                <a:tc hMerge="1">
+                  <a:txBody>
+                    <a:bodyPr/>
+                    <a:lstStyle/>
+                    <a:p>
+                      <a:endParaRPr lang="en-SG" dirty="0"/>
+                    </a:p>
+                  </a:txBody>
+                  <a:tcPr/>
+                </a:tc>
+                <a:tc hMerge="1">
+                  <a:txBody>
+                    <a:bodyPr/>
+                    <a:lstStyle/>
+                    <a:p>
+                      <a:endParaRPr lang="en-SG" dirty="0"/>
+                    </a:p>
+                  </a:txBody>
+                  <a:tcPr/>
+                </a:tc>
+                <a:tc hMerge="1">
+                  <a:txBody>
+                    <a:bodyPr/>
+                    <a:lstStyle/>
+                    <a:p>
+                      <a:endParaRPr lang="en-SG" dirty="0"/>
+                    </a:p>
+                  </a:txBody>
+                  <a:tcPr/>
+                </a:tc>
+                <a:extLst>
+                  <a:ext uri="{0D108BD9-81ED-4DB2-BD59-A6C34878D82A}">
+                    <a16:rowId xmlns:a16="http://schemas.microsoft.com/office/drawing/2014/main" val="1977855465"/>
+                  </a:ext>
+                </a:extLst>
+              </a:tr>
+              <a:tr h="370840">
+                <a:tc>
+                  <a:txBody>
+                    <a:bodyPr/>
+                    <a:lstStyle/>
+                    <a:p>
+                      <a:pPr algn="l"/>
+                      <a:r>
+                        <a:rPr lang="en-SG" sz="1600" dirty="0"/>
+                        <a:t>Volume</a:t>
+                      </a:r>
+                    </a:p>
+                  </a:txBody>
+                  <a:tcPr/>
+                </a:tc>
+                <a:tc>
+                  <a:txBody>
+                    <a:bodyPr/>
+                    <a:lstStyle/>
+                    <a:p>
+                      <a:pPr algn="l"/>
+                      <a:r>
+                        <a:rPr lang="en-SG" sz="1600" dirty="0"/>
+                        <a:t>ML or Human</a:t>
+                      </a:r>
+                    </a:p>
+                  </a:txBody>
+                  <a:tcPr/>
+                </a:tc>
+                <a:tc>
+                  <a:txBody>
+                    <a:bodyPr/>
+                    <a:lstStyle/>
+                    <a:p>
+                      <a:pPr algn="l"/>
+                      <a:r>
+                        <a:rPr lang="en-SG" sz="1600" dirty="0"/>
+                        <a:t>Aspiration Rate</a:t>
+                      </a:r>
+                    </a:p>
+                  </a:txBody>
+                  <a:tcPr/>
+                </a:tc>
+                <a:tc>
+                  <a:txBody>
+                    <a:bodyPr/>
+                    <a:lstStyle/>
+                    <a:p>
+                      <a:pPr algn="l"/>
+                      <a:r>
+                        <a:rPr lang="en-SG" sz="1600" dirty="0"/>
+                        <a:t>Dispense Rate</a:t>
+                      </a:r>
+                    </a:p>
+                  </a:txBody>
+                  <a:tcPr/>
+                </a:tc>
+                <a:tc>
+                  <a:txBody>
+                    <a:bodyPr/>
+                    <a:lstStyle/>
+                    <a:p>
+                      <a:pPr algn="l"/>
+                      <a:r>
+                        <a:rPr lang="en-SG" sz="1600" dirty="0"/>
+                        <a:t>Blow Out Rate</a:t>
+                      </a:r>
+                    </a:p>
+                  </a:txBody>
+                  <a:tcPr/>
+                </a:tc>
+                <a:tc>
+                  <a:txBody>
+                    <a:bodyPr/>
+                    <a:lstStyle/>
+                    <a:p>
+                      <a:pPr algn="l"/>
+                      <a:r>
+                        <a:rPr lang="en-SG" sz="1600" dirty="0"/>
+                        <a:t>Delay Aspirate</a:t>
+                      </a:r>
+                    </a:p>
+                  </a:txBody>
+                  <a:tcPr/>
+                </a:tc>
+                <a:tc>
+                  <a:txBody>
+                    <a:bodyPr/>
+                    <a:lstStyle/>
+                    <a:p>
+                      <a:pPr algn="l"/>
+                      <a:r>
+                        <a:rPr lang="en-SG" sz="1600" dirty="0"/>
+                        <a:t>Delay Dispense</a:t>
+                      </a:r>
+                    </a:p>
+                  </a:txBody>
+                  <a:tcPr/>
+                </a:tc>
+                <a:tc>
+                  <a:txBody>
+                    <a:bodyPr/>
+                    <a:lstStyle/>
+                    <a:p>
+                      <a:pPr algn="l"/>
+                      <a:r>
+                        <a:rPr lang="en-SG" sz="1600" dirty="0"/>
+                        <a:t>Delay Blow Out</a:t>
+                      </a:r>
+                    </a:p>
+                  </a:txBody>
+                  <a:tcPr/>
+                </a:tc>
+                <a:tc>
+                  <a:txBody>
+                    <a:bodyPr/>
+                    <a:lstStyle/>
+                    <a:p>
+                      <a:pPr algn="l"/>
+                      <a:r>
+                        <a:rPr lang="en-SG" sz="1600" dirty="0"/>
+                        <a:t>%error</a:t>
+                      </a:r>
+                    </a:p>
+                  </a:txBody>
+                  <a:tcPr/>
+                </a:tc>
+                <a:tc>
+                  <a:txBody>
+                    <a:bodyPr/>
+                    <a:lstStyle/>
+                    <a:p>
+                      <a:pPr algn="l"/>
+                      <a:r>
+                        <a:rPr lang="en-SG" sz="1600" dirty="0"/>
+                        <a:t>Total Time for transfer 1000 </a:t>
+                      </a:r>
+                      <a:r>
+                        <a:rPr lang="en-SG" sz="1600" dirty="0" err="1"/>
+                        <a:t>ul</a:t>
+                      </a:r>
+                      <a:endParaRPr lang="en-SG" sz="1600" dirty="0"/>
+                    </a:p>
+                  </a:txBody>
+                  <a:tcPr/>
+                </a:tc>
+                <a:tc>
+                  <a:txBody>
+                    <a:bodyPr/>
+                    <a:lstStyle/>
+                    <a:p>
+                      <a:pPr algn="l"/>
+                      <a:r>
+                        <a:rPr lang="en-SG" sz="1600" dirty="0"/>
+                        <a:t>Iteration</a:t>
+                      </a:r>
+                    </a:p>
+                  </a:txBody>
+                  <a:tcPr/>
+                </a:tc>
+                <a:extLst>
+                  <a:ext uri="{0D108BD9-81ED-4DB2-BD59-A6C34878D82A}">
+                    <a16:rowId xmlns:a16="http://schemas.microsoft.com/office/drawing/2014/main" val="360042618"/>
+                  </a:ext>
+                </a:extLst>
+              </a:tr>
+              <a:tr h="370840">
+                <a:tc>
+                  <a:txBody>
+                    <a:bodyPr/>
+                    <a:lstStyle/>
+                    <a:p>
+                      <a:pPr algn="l"/>
+                      <a:r>
+                        <a:rPr lang="en-SG" sz="1600" dirty="0"/>
+                        <a:t>300</a:t>
+                      </a:r>
+                    </a:p>
+                  </a:txBody>
+                  <a:tcPr/>
+                </a:tc>
+                <a:tc>
+                  <a:txBody>
+                    <a:bodyPr/>
+                    <a:lstStyle/>
+                    <a:p>
+                      <a:pPr algn="l"/>
+                      <a:r>
+                        <a:rPr lang="en-SG" sz="1600"/>
+                        <a:t>ML</a:t>
+                      </a:r>
+                      <a:endParaRPr lang="en-SG" sz="1600" dirty="0"/>
+                    </a:p>
+                  </a:txBody>
+                  <a:tcPr/>
+                </a:tc>
+                <a:tc>
+                  <a:txBody>
+                    <a:bodyPr/>
+                    <a:lstStyle/>
+                    <a:p>
+                      <a:pPr algn="l"/>
+                      <a:r>
+                        <a:rPr lang="en-SG" sz="1600" b="0" i="0" kern="1200" dirty="0">
+                          <a:solidFill>
+                            <a:schemeClr val="dk1"/>
+                          </a:solidFill>
+                          <a:effectLst/>
+                          <a:latin typeface="+mn-lt"/>
+                          <a:ea typeface="+mn-ea"/>
+                          <a:cs typeface="+mn-cs"/>
+                        </a:rPr>
+                        <a:t>80.219249</a:t>
+                      </a:r>
+                      <a:endParaRPr lang="en-SG" sz="1600" dirty="0"/>
+                    </a:p>
+                  </a:txBody>
+                  <a:tcPr/>
+                </a:tc>
+                <a:tc>
+                  <a:txBody>
+                    <a:bodyPr/>
+                    <a:lstStyle/>
+                    <a:p>
+                      <a:pPr algn="l" fontAlgn="ctr"/>
+                      <a:r>
+                        <a:rPr lang="en-SG" sz="1600">
+                          <a:effectLst/>
+                        </a:rPr>
+                        <a:t>40.113611</a:t>
+                      </a:r>
+                      <a:endParaRPr lang="en-SG" sz="1600" dirty="0">
+                        <a:effectLst/>
+                      </a:endParaRPr>
+                    </a:p>
+                  </a:txBody>
+                  <a:tcPr anchor="ctr"/>
+                </a:tc>
+                <a:tc>
+                  <a:txBody>
+                    <a:bodyPr/>
+                    <a:lstStyle/>
+                    <a:p>
+                      <a:pPr algn="l"/>
+                      <a:r>
+                        <a:rPr lang="en-SG" sz="1600"/>
+                        <a:t>0</a:t>
+                      </a:r>
+                      <a:endParaRPr lang="en-SG" sz="1600" dirty="0"/>
+                    </a:p>
+                  </a:txBody>
+                  <a:tcPr/>
+                </a:tc>
+                <a:tc>
+                  <a:txBody>
+                    <a:bodyPr/>
+                    <a:lstStyle/>
+                    <a:p>
+                      <a:pPr algn="l"/>
+                      <a:r>
+                        <a:rPr lang="en-SG" sz="1600"/>
+                        <a:t>5</a:t>
+                      </a:r>
+                      <a:endParaRPr lang="en-SG" sz="1600" dirty="0"/>
+                    </a:p>
+                  </a:txBody>
+                  <a:tcPr/>
+                </a:tc>
+                <a:tc>
+                  <a:txBody>
+                    <a:bodyPr/>
+                    <a:lstStyle/>
+                    <a:p>
+                      <a:pPr algn="l"/>
+                      <a:r>
+                        <a:rPr lang="en-SG" sz="1600"/>
+                        <a:t>5</a:t>
+                      </a:r>
+                      <a:endParaRPr lang="en-SG" sz="1600" dirty="0"/>
+                    </a:p>
+                  </a:txBody>
+                  <a:tcPr/>
+                </a:tc>
+                <a:tc>
+                  <a:txBody>
+                    <a:bodyPr/>
+                    <a:lstStyle/>
+                    <a:p>
+                      <a:pPr algn="l" fontAlgn="ctr"/>
+                      <a:r>
+                        <a:rPr lang="en-SG" sz="1600">
+                          <a:effectLst/>
+                        </a:rPr>
+                        <a:t>0</a:t>
+                      </a:r>
+                      <a:endParaRPr lang="en-SG" sz="1600" dirty="0">
+                        <a:effectLst/>
+                      </a:endParaRPr>
+                    </a:p>
+                  </a:txBody>
+                  <a:tcPr anchor="ctr"/>
+                </a:tc>
+                <a:tc>
+                  <a:txBody>
+                    <a:bodyPr/>
+                    <a:lstStyle/>
+                    <a:p>
+                      <a:pPr algn="l" fontAlgn="ctr"/>
+                      <a:r>
+                        <a:rPr lang="en-SG" sz="1600" dirty="0">
+                          <a:effectLst/>
+                        </a:rPr>
+                        <a:t>+0.011575</a:t>
+                      </a:r>
+                    </a:p>
+                  </a:txBody>
+                  <a:tcPr anchor="ctr"/>
+                </a:tc>
+                <a:tc>
+                  <a:txBody>
+                    <a:bodyPr/>
+                    <a:lstStyle/>
+                    <a:p>
+                      <a:pPr algn="l"/>
+                      <a:r>
+                        <a:rPr lang="en-SG" sz="1600" dirty="0"/>
+                        <a:t>47.395030	</a:t>
+                      </a:r>
+                    </a:p>
+                  </a:txBody>
+                  <a:tcPr/>
+                </a:tc>
+                <a:tc>
+                  <a:txBody>
+                    <a:bodyPr/>
+                    <a:lstStyle/>
+                    <a:p>
+                      <a:pPr algn="l"/>
+                      <a:r>
+                        <a:rPr lang="en-SG" sz="1600" dirty="0"/>
+                        <a:t>9</a:t>
+                      </a:r>
+                    </a:p>
+                  </a:txBody>
+                  <a:tcPr/>
+                </a:tc>
+                <a:extLst>
+                  <a:ext uri="{0D108BD9-81ED-4DB2-BD59-A6C34878D82A}">
+                    <a16:rowId xmlns:a16="http://schemas.microsoft.com/office/drawing/2014/main" val="2839940444"/>
+                  </a:ext>
+                </a:extLst>
+              </a:tr>
+              <a:tr h="370840">
+                <a:tc>
+                  <a:txBody>
+                    <a:bodyPr/>
+                    <a:lstStyle/>
+                    <a:p>
+                      <a:pPr algn="l"/>
+                      <a:r>
+                        <a:rPr lang="en-SG" sz="1600" dirty="0"/>
+                        <a:t>300</a:t>
+                      </a:r>
+                    </a:p>
+                  </a:txBody>
+                  <a:tcPr/>
+                </a:tc>
+                <a:tc>
+                  <a:txBody>
+                    <a:bodyPr/>
+                    <a:lstStyle/>
+                    <a:p>
+                      <a:pPr algn="l"/>
+                      <a:r>
+                        <a:rPr lang="en-SG" sz="1600" dirty="0"/>
+                        <a:t>Human</a:t>
+                      </a:r>
+                    </a:p>
+                  </a:txBody>
+                  <a:tcPr/>
+                </a:tc>
+                <a:tc>
+                  <a:txBody>
+                    <a:bodyPr/>
+                    <a:lstStyle/>
+                    <a:p>
+                      <a:pPr algn="l"/>
+                      <a:r>
+                        <a:rPr lang="en-SG" sz="1600" dirty="0"/>
+                        <a:t>70</a:t>
+                      </a:r>
+                    </a:p>
+                  </a:txBody>
+                  <a:tcPr/>
+                </a:tc>
+                <a:tc>
+                  <a:txBody>
+                    <a:bodyPr/>
+                    <a:lstStyle/>
+                    <a:p>
+                      <a:pPr algn="l"/>
+                      <a:r>
+                        <a:rPr lang="en-SG" sz="1600" dirty="0"/>
+                        <a:t>70</a:t>
+                      </a:r>
+                    </a:p>
+                  </a:txBody>
+                  <a:tcPr/>
+                </a:tc>
+                <a:tc>
+                  <a:txBody>
+                    <a:bodyPr/>
+                    <a:lstStyle/>
+                    <a:p>
+                      <a:pPr algn="l"/>
+                      <a:r>
+                        <a:rPr lang="en-SG" sz="1600" dirty="0"/>
+                        <a:t>5</a:t>
+                      </a:r>
+                    </a:p>
+                  </a:txBody>
+                  <a:tcPr/>
+                </a:tc>
+                <a:tc>
+                  <a:txBody>
+                    <a:bodyPr/>
+                    <a:lstStyle/>
+                    <a:p>
+                      <a:pPr algn="l"/>
+                      <a:r>
+                        <a:rPr lang="en-SG" sz="1600" dirty="0"/>
+                        <a:t>0.3</a:t>
+                      </a:r>
+                    </a:p>
+                  </a:txBody>
+                  <a:tcPr/>
+                </a:tc>
+                <a:tc>
+                  <a:txBody>
+                    <a:bodyPr/>
+                    <a:lstStyle/>
+                    <a:p>
+                      <a:pPr algn="l"/>
+                      <a:r>
+                        <a:rPr lang="en-SG" sz="1600" dirty="0"/>
+                        <a:t>0</a:t>
+                      </a:r>
+                    </a:p>
+                  </a:txBody>
+                  <a:tcPr/>
+                </a:tc>
+                <a:tc>
+                  <a:txBody>
+                    <a:bodyPr/>
+                    <a:lstStyle/>
+                    <a:p>
+                      <a:pPr algn="l"/>
+                      <a:r>
+                        <a:rPr lang="en-SG" sz="1600" dirty="0"/>
+                        <a:t>0</a:t>
+                      </a:r>
+                    </a:p>
+                  </a:txBody>
+                  <a:tcPr/>
+                </a:tc>
+                <a:tc>
+                  <a:txBody>
+                    <a:bodyPr/>
+                    <a:lstStyle/>
+                    <a:p>
+                      <a:pPr algn="l"/>
+                      <a:r>
+                        <a:rPr lang="en-SG" sz="1600" b="0" i="0" kern="1200" dirty="0">
+                          <a:solidFill>
+                            <a:schemeClr val="dk1"/>
+                          </a:solidFill>
+                          <a:effectLst/>
+                          <a:latin typeface="+mn-lt"/>
+                          <a:ea typeface="+mn-ea"/>
+                          <a:cs typeface="+mn-cs"/>
+                        </a:rPr>
+                        <a:t>-0.451441</a:t>
+                      </a:r>
+                      <a:endParaRPr lang="en-SG" sz="1600" dirty="0"/>
+                    </a:p>
+                  </a:txBody>
+                  <a:tcPr/>
+                </a:tc>
+                <a:tc>
+                  <a:txBody>
+                    <a:bodyPr/>
+                    <a:lstStyle/>
+                    <a:p>
+                      <a:pPr algn="l"/>
+                      <a:r>
+                        <a:rPr lang="en-SG" sz="1600" dirty="0"/>
+                        <a:t>58.871429	</a:t>
+                      </a:r>
+                    </a:p>
+                  </a:txBody>
+                  <a:tcPr/>
+                </a:tc>
+                <a:tc>
+                  <a:txBody>
+                    <a:bodyPr/>
+                    <a:lstStyle/>
+                    <a:p>
+                      <a:pPr algn="l"/>
+                      <a:r>
+                        <a:rPr lang="en-SG" sz="1600" dirty="0"/>
+                        <a:t>11</a:t>
+                      </a:r>
+                    </a:p>
+                  </a:txBody>
+                  <a:tcPr/>
+                </a:tc>
+                <a:extLst>
+                  <a:ext uri="{0D108BD9-81ED-4DB2-BD59-A6C34878D82A}">
+                    <a16:rowId xmlns:a16="http://schemas.microsoft.com/office/drawing/2014/main" val="2296966347"/>
+                  </a:ext>
+                </a:extLst>
+              </a:tr>
+              <a:tr h="370840">
+                <a:tc>
+                  <a:txBody>
+                    <a:bodyPr/>
+                    <a:lstStyle/>
+                    <a:p>
+                      <a:pPr algn="l"/>
+                      <a:r>
+                        <a:rPr lang="en-SG" sz="1600" dirty="0"/>
+                        <a:t>500</a:t>
+                      </a:r>
+                    </a:p>
+                  </a:txBody>
+                  <a:tcPr/>
+                </a:tc>
+                <a:tc>
+                  <a:txBody>
+                    <a:bodyPr/>
+                    <a:lstStyle/>
+                    <a:p>
+                      <a:pPr algn="l"/>
+                      <a:r>
+                        <a:rPr lang="en-SG" sz="1600" dirty="0"/>
+                        <a:t>ML</a:t>
+                      </a:r>
+                    </a:p>
+                  </a:txBody>
+                  <a:tcPr/>
+                </a:tc>
+                <a:tc>
+                  <a:txBody>
+                    <a:bodyPr/>
+                    <a:lstStyle/>
+                    <a:p>
+                      <a:pPr algn="l"/>
+                      <a:r>
+                        <a:rPr lang="en-SG" sz="1600" dirty="0"/>
+                        <a:t>81.334604</a:t>
+                      </a:r>
+                    </a:p>
+                  </a:txBody>
+                  <a:tcPr/>
+                </a:tc>
+                <a:tc>
+                  <a:txBody>
+                    <a:bodyPr/>
+                    <a:lstStyle/>
+                    <a:p>
+                      <a:pPr algn="l"/>
+                      <a:r>
+                        <a:rPr lang="en-SG" sz="1600" dirty="0"/>
+                        <a:t>44.694355</a:t>
+                      </a:r>
+                    </a:p>
+                  </a:txBody>
+                  <a:tcPr/>
+                </a:tc>
+                <a:tc>
+                  <a:txBody>
+                    <a:bodyPr/>
+                    <a:lstStyle/>
+                    <a:p>
+                      <a:pPr algn="l"/>
+                      <a:r>
+                        <a:rPr lang="en-SG" sz="1600" dirty="0"/>
+                        <a:t>0</a:t>
+                      </a:r>
+                    </a:p>
+                  </a:txBody>
+                  <a:tcPr/>
+                </a:tc>
+                <a:tc>
+                  <a:txBody>
+                    <a:bodyPr/>
+                    <a:lstStyle/>
+                    <a:p>
+                      <a:pPr algn="l"/>
+                      <a:r>
+                        <a:rPr lang="en-SG" sz="1600" dirty="0"/>
+                        <a:t>5</a:t>
+                      </a:r>
+                    </a:p>
+                  </a:txBody>
+                  <a:tcPr/>
+                </a:tc>
+                <a:tc>
+                  <a:txBody>
+                    <a:bodyPr/>
+                    <a:lstStyle/>
+                    <a:p>
+                      <a:pPr algn="l"/>
+                      <a:r>
+                        <a:rPr lang="en-SG" sz="1600" dirty="0"/>
+                        <a:t>5</a:t>
+                      </a:r>
+                    </a:p>
+                  </a:txBody>
+                  <a:tcPr/>
+                </a:tc>
+                <a:tc>
+                  <a:txBody>
+                    <a:bodyPr/>
+                    <a:lstStyle/>
+                    <a:p>
+                      <a:pPr algn="l"/>
+                      <a:r>
+                        <a:rPr lang="en-SG" sz="1600" dirty="0"/>
+                        <a:t>0</a:t>
+                      </a:r>
+                    </a:p>
+                  </a:txBody>
+                  <a:tcPr/>
+                </a:tc>
+                <a:tc>
+                  <a:txBody>
+                    <a:bodyPr/>
+                    <a:lstStyle/>
+                    <a:p>
+                      <a:pPr algn="l"/>
+                      <a:r>
+                        <a:rPr lang="en-SG" sz="1600" dirty="0"/>
+                        <a:t>-0.219933	</a:t>
+                      </a:r>
+                    </a:p>
+                  </a:txBody>
+                  <a:tcPr/>
+                </a:tc>
+                <a:tc>
+                  <a:txBody>
+                    <a:bodyPr/>
+                    <a:lstStyle/>
+                    <a:p>
+                      <a:pPr algn="l"/>
+                      <a:r>
+                        <a:rPr lang="en-SG" sz="1600" dirty="0"/>
+                        <a:t>44.669080</a:t>
+                      </a:r>
+                    </a:p>
+                  </a:txBody>
+                  <a:tcPr/>
+                </a:tc>
+                <a:tc>
+                  <a:txBody>
+                    <a:bodyPr/>
+                    <a:lstStyle/>
+                    <a:p>
+                      <a:pPr algn="l"/>
+                      <a:r>
+                        <a:rPr lang="en-SG" sz="1600" dirty="0"/>
+                        <a:t>10</a:t>
+                      </a:r>
+                    </a:p>
+                  </a:txBody>
+                  <a:tcPr/>
+                </a:tc>
+                <a:extLst>
+                  <a:ext uri="{0D108BD9-81ED-4DB2-BD59-A6C34878D82A}">
+                    <a16:rowId xmlns:a16="http://schemas.microsoft.com/office/drawing/2014/main" val="1124578759"/>
+                  </a:ext>
+                </a:extLst>
+              </a:tr>
+              <a:tr h="370840">
+                <a:tc>
+                  <a:txBody>
+                    <a:bodyPr/>
+                    <a:lstStyle/>
+                    <a:p>
+                      <a:pPr algn="l"/>
+                      <a:r>
+                        <a:rPr lang="en-SG" sz="1600" dirty="0"/>
+                        <a:t>500</a:t>
+                      </a:r>
+                    </a:p>
+                  </a:txBody>
+                  <a:tcPr/>
+                </a:tc>
+                <a:tc>
+                  <a:txBody>
+                    <a:bodyPr/>
+                    <a:lstStyle/>
+                    <a:p>
+                      <a:pPr algn="l"/>
+                      <a:r>
+                        <a:rPr lang="en-SG" sz="1600" dirty="0"/>
+                        <a:t>Human</a:t>
+                      </a:r>
+                    </a:p>
+                  </a:txBody>
+                  <a:tcPr/>
+                </a:tc>
+                <a:tc>
+                  <a:txBody>
+                    <a:bodyPr/>
+                    <a:lstStyle/>
+                    <a:p>
+                      <a:pPr algn="l"/>
+                      <a:r>
+                        <a:rPr lang="en-SG" sz="1600" dirty="0"/>
+                        <a:t>70</a:t>
+                      </a:r>
+                    </a:p>
+                  </a:txBody>
+                  <a:tcPr/>
+                </a:tc>
+                <a:tc>
+                  <a:txBody>
+                    <a:bodyPr/>
+                    <a:lstStyle/>
+                    <a:p>
+                      <a:pPr algn="l"/>
+                      <a:r>
+                        <a:rPr lang="en-SG" sz="1600" dirty="0"/>
+                        <a:t>70</a:t>
+                      </a:r>
+                    </a:p>
+                  </a:txBody>
+                  <a:tcPr/>
+                </a:tc>
+                <a:tc>
+                  <a:txBody>
+                    <a:bodyPr/>
+                    <a:lstStyle/>
+                    <a:p>
+                      <a:pPr algn="l"/>
+                      <a:r>
+                        <a:rPr lang="en-SG" sz="1600" dirty="0"/>
+                        <a:t>5</a:t>
+                      </a:r>
+                    </a:p>
+                  </a:txBody>
+                  <a:tcPr/>
+                </a:tc>
+                <a:tc>
+                  <a:txBody>
+                    <a:bodyPr/>
+                    <a:lstStyle/>
+                    <a:p>
+                      <a:pPr algn="l"/>
+                      <a:r>
+                        <a:rPr lang="en-SG" sz="1600" dirty="0"/>
+                        <a:t>0.5</a:t>
+                      </a:r>
+                    </a:p>
+                  </a:txBody>
+                  <a:tcPr/>
+                </a:tc>
+                <a:tc>
+                  <a:txBody>
+                    <a:bodyPr/>
+                    <a:lstStyle/>
+                    <a:p>
+                      <a:pPr algn="l"/>
+                      <a:r>
+                        <a:rPr lang="en-SG" sz="1600" dirty="0"/>
+                        <a:t>0</a:t>
+                      </a:r>
+                    </a:p>
+                  </a:txBody>
+                  <a:tcPr/>
+                </a:tc>
+                <a:tc>
+                  <a:txBody>
+                    <a:bodyPr/>
+                    <a:lstStyle/>
+                    <a:p>
+                      <a:pPr algn="l"/>
+                      <a:r>
+                        <a:rPr lang="en-SG" sz="1600" dirty="0"/>
+                        <a:t>0</a:t>
+                      </a:r>
+                    </a:p>
+                  </a:txBody>
+                  <a:tcPr/>
+                </a:tc>
+                <a:tc>
+                  <a:txBody>
+                    <a:bodyPr/>
+                    <a:lstStyle/>
+                    <a:p>
+                      <a:pPr algn="l"/>
+                      <a:r>
+                        <a:rPr lang="en-SG" sz="1600" dirty="0"/>
+                        <a:t>-0.173631	</a:t>
+                      </a:r>
+                    </a:p>
+                  </a:txBody>
+                  <a:tcPr/>
+                </a:tc>
+                <a:tc>
+                  <a:txBody>
+                    <a:bodyPr/>
+                    <a:lstStyle/>
+                    <a:p>
+                      <a:pPr algn="l"/>
+                      <a:r>
+                        <a:rPr lang="en-SG" sz="1600" dirty="0"/>
+                        <a:t>59.071429	</a:t>
+                      </a:r>
+                    </a:p>
+                  </a:txBody>
+                  <a:tcPr/>
+                </a:tc>
+                <a:tc>
+                  <a:txBody>
+                    <a:bodyPr/>
+                    <a:lstStyle/>
+                    <a:p>
+                      <a:pPr algn="l"/>
+                      <a:r>
+                        <a:rPr lang="en-SG" sz="1600" dirty="0"/>
+                        <a:t>9</a:t>
+                      </a:r>
+                    </a:p>
+                  </a:txBody>
+                  <a:tcPr/>
+                </a:tc>
+                <a:extLst>
+                  <a:ext uri="{0D108BD9-81ED-4DB2-BD59-A6C34878D82A}">
+                    <a16:rowId xmlns:a16="http://schemas.microsoft.com/office/drawing/2014/main" val="480828811"/>
+                  </a:ext>
+                </a:extLst>
+              </a:tr>
+              <a:tr h="370840">
+                <a:tc>
+                  <a:txBody>
+                    <a:bodyPr/>
+                    <a:lstStyle/>
+                    <a:p>
+                      <a:pPr algn="l"/>
+                      <a:r>
+                        <a:rPr lang="en-SG" sz="1600" dirty="0"/>
+                        <a:t>1000</a:t>
+                      </a:r>
+                    </a:p>
+                  </a:txBody>
+                  <a:tcPr>
+                    <a:solidFill>
+                      <a:srgbClr val="FFFF00"/>
+                    </a:solidFill>
+                  </a:tcPr>
+                </a:tc>
+                <a:tc>
+                  <a:txBody>
+                    <a:bodyPr/>
+                    <a:lstStyle/>
+                    <a:p>
+                      <a:pPr algn="l"/>
+                      <a:r>
+                        <a:rPr lang="en-SG" sz="1600" dirty="0"/>
+                        <a:t>ML</a:t>
+                      </a:r>
+                    </a:p>
+                  </a:txBody>
+                  <a:tcPr>
+                    <a:solidFill>
+                      <a:srgbClr val="FFFF00"/>
+                    </a:solidFill>
+                  </a:tcPr>
+                </a:tc>
+                <a:tc>
+                  <a:txBody>
+                    <a:bodyPr/>
+                    <a:lstStyle/>
+                    <a:p>
+                      <a:pPr algn="l"/>
+                      <a:r>
+                        <a:rPr lang="en-SG" sz="1600" dirty="0"/>
+                        <a:t>53.327046</a:t>
+                      </a:r>
+                    </a:p>
+                  </a:txBody>
+                  <a:tcPr>
+                    <a:solidFill>
+                      <a:srgbClr val="FFFF00"/>
+                    </a:solidFill>
+                  </a:tcPr>
+                </a:tc>
+                <a:tc>
+                  <a:txBody>
+                    <a:bodyPr/>
+                    <a:lstStyle/>
+                    <a:p>
+                      <a:pPr algn="l"/>
+                      <a:r>
+                        <a:rPr lang="en-SG" sz="1600" dirty="0"/>
+                        <a:t>26.853867</a:t>
+                      </a:r>
+                    </a:p>
+                  </a:txBody>
+                  <a:tcPr>
+                    <a:solidFill>
+                      <a:srgbClr val="FFFF00"/>
+                    </a:solidFill>
+                  </a:tcPr>
+                </a:tc>
+                <a:tc>
+                  <a:txBody>
+                    <a:bodyPr/>
+                    <a:lstStyle/>
+                    <a:p>
+                      <a:pPr algn="l"/>
+                      <a:r>
+                        <a:rPr lang="en-SG" sz="1600" dirty="0"/>
+                        <a:t>0</a:t>
+                      </a:r>
+                    </a:p>
+                  </a:txBody>
+                  <a:tcPr>
+                    <a:solidFill>
+                      <a:srgbClr val="FFFF00"/>
+                    </a:solidFill>
+                  </a:tcPr>
+                </a:tc>
+                <a:tc>
+                  <a:txBody>
+                    <a:bodyPr/>
+                    <a:lstStyle/>
+                    <a:p>
+                      <a:pPr algn="l"/>
+                      <a:r>
+                        <a:rPr lang="en-SG" sz="1600" dirty="0"/>
+                        <a:t>5</a:t>
+                      </a:r>
+                    </a:p>
+                  </a:txBody>
+                  <a:tcPr>
+                    <a:solidFill>
+                      <a:srgbClr val="FFFF00"/>
+                    </a:solidFill>
+                  </a:tcPr>
+                </a:tc>
+                <a:tc>
+                  <a:txBody>
+                    <a:bodyPr/>
+                    <a:lstStyle/>
+                    <a:p>
+                      <a:pPr algn="l"/>
+                      <a:r>
+                        <a:rPr lang="en-SG" sz="1600" dirty="0"/>
+                        <a:t>5</a:t>
+                      </a:r>
+                    </a:p>
+                  </a:txBody>
+                  <a:tcPr>
+                    <a:solidFill>
+                      <a:srgbClr val="FFFF00"/>
+                    </a:solidFill>
+                  </a:tcPr>
+                </a:tc>
+                <a:tc>
+                  <a:txBody>
+                    <a:bodyPr/>
+                    <a:lstStyle/>
+                    <a:p>
+                      <a:pPr algn="l"/>
+                      <a:r>
+                        <a:rPr lang="en-SG" sz="1600" dirty="0"/>
+                        <a:t>0</a:t>
+                      </a:r>
+                    </a:p>
+                  </a:txBody>
+                  <a:tcPr>
+                    <a:solidFill>
+                      <a:srgbClr val="FFFF00"/>
+                    </a:solidFill>
+                  </a:tcPr>
+                </a:tc>
+                <a:tc>
+                  <a:txBody>
+                    <a:bodyPr/>
+                    <a:lstStyle/>
+                    <a:p>
+                      <a:pPr algn="l"/>
+                      <a:r>
+                        <a:rPr lang="en-SG" sz="1600" dirty="0"/>
+                        <a:t>-0.706100</a:t>
+                      </a:r>
+                    </a:p>
+                  </a:txBody>
+                  <a:tcPr>
+                    <a:solidFill>
+                      <a:srgbClr val="FFFF00"/>
+                    </a:solidFill>
+                  </a:tcPr>
+                </a:tc>
+                <a:tc>
+                  <a:txBody>
+                    <a:bodyPr/>
+                    <a:lstStyle/>
+                    <a:p>
+                      <a:pPr algn="l"/>
+                      <a:r>
+                        <a:rPr lang="en-SG" sz="1600" dirty="0"/>
+                        <a:t>65.990795	</a:t>
+                      </a:r>
+                    </a:p>
+                  </a:txBody>
+                  <a:tcPr>
+                    <a:solidFill>
+                      <a:srgbClr val="FFFF00"/>
+                    </a:solidFill>
+                  </a:tcPr>
+                </a:tc>
+                <a:tc>
+                  <a:txBody>
+                    <a:bodyPr/>
+                    <a:lstStyle/>
+                    <a:p>
+                      <a:pPr algn="l"/>
+                      <a:r>
+                        <a:rPr lang="en-SG" sz="1600" dirty="0"/>
+                        <a:t>8</a:t>
+                      </a:r>
+                    </a:p>
+                  </a:txBody>
+                  <a:tcPr>
+                    <a:solidFill>
+                      <a:srgbClr val="FFFF00"/>
+                    </a:solidFill>
+                  </a:tcPr>
+                </a:tc>
+                <a:extLst>
+                  <a:ext uri="{0D108BD9-81ED-4DB2-BD59-A6C34878D82A}">
+                    <a16:rowId xmlns:a16="http://schemas.microsoft.com/office/drawing/2014/main" val="823961516"/>
+                  </a:ext>
+                </a:extLst>
+              </a:tr>
+              <a:tr h="370840">
+                <a:tc>
+                  <a:txBody>
+                    <a:bodyPr/>
+                    <a:lstStyle/>
+                    <a:p>
+                      <a:pPr algn="l"/>
+                      <a:r>
+                        <a:rPr lang="en-SG" sz="1600" dirty="0"/>
+                        <a:t>1000</a:t>
+                      </a:r>
+                    </a:p>
+                  </a:txBody>
+                  <a:tcPr>
+                    <a:solidFill>
+                      <a:srgbClr val="FFFF00"/>
+                    </a:solidFill>
+                  </a:tcPr>
+                </a:tc>
+                <a:tc>
+                  <a:txBody>
+                    <a:bodyPr/>
+                    <a:lstStyle/>
+                    <a:p>
+                      <a:pPr algn="l"/>
+                      <a:r>
+                        <a:rPr lang="en-SG" sz="1600" dirty="0"/>
+                        <a:t>ML</a:t>
+                      </a:r>
+                    </a:p>
+                  </a:txBody>
+                  <a:tcPr>
+                    <a:solidFill>
+                      <a:srgbClr val="FFFF00"/>
+                    </a:solidFill>
+                  </a:tcPr>
+                </a:tc>
+                <a:tc>
+                  <a:txBody>
+                    <a:bodyPr/>
+                    <a:lstStyle/>
+                    <a:p>
+                      <a:pPr algn="l"/>
+                      <a:r>
+                        <a:rPr lang="en-SG" sz="1600" dirty="0"/>
+                        <a:t>44.301651</a:t>
+                      </a:r>
+                    </a:p>
+                  </a:txBody>
+                  <a:tcPr>
+                    <a:solidFill>
+                      <a:srgbClr val="FFFF00"/>
+                    </a:solidFill>
+                  </a:tcPr>
+                </a:tc>
+                <a:tc>
+                  <a:txBody>
+                    <a:bodyPr/>
+                    <a:lstStyle/>
+                    <a:p>
+                      <a:pPr algn="l"/>
+                      <a:r>
+                        <a:rPr lang="en-SG" sz="1600" dirty="0"/>
+                        <a:t>20.638166</a:t>
+                      </a:r>
+                    </a:p>
+                  </a:txBody>
+                  <a:tcPr>
+                    <a:solidFill>
+                      <a:srgbClr val="FFFF00"/>
+                    </a:solidFill>
+                  </a:tcPr>
+                </a:tc>
+                <a:tc>
+                  <a:txBody>
+                    <a:bodyPr/>
+                    <a:lstStyle/>
+                    <a:p>
+                      <a:pPr algn="l"/>
+                      <a:r>
+                        <a:rPr lang="en-SG" sz="1600" dirty="0"/>
+                        <a:t>0</a:t>
+                      </a:r>
+                    </a:p>
+                  </a:txBody>
+                  <a:tcPr>
+                    <a:solidFill>
+                      <a:srgbClr val="FFFF00"/>
+                    </a:solidFill>
+                  </a:tcPr>
+                </a:tc>
+                <a:tc>
+                  <a:txBody>
+                    <a:bodyPr/>
+                    <a:lstStyle/>
+                    <a:p>
+                      <a:pPr algn="l"/>
+                      <a:r>
+                        <a:rPr lang="en-SG" sz="1600" dirty="0"/>
+                        <a:t>5</a:t>
+                      </a:r>
+                    </a:p>
+                  </a:txBody>
+                  <a:tcPr>
+                    <a:solidFill>
+                      <a:srgbClr val="FFFF00"/>
+                    </a:solidFill>
+                  </a:tcPr>
+                </a:tc>
+                <a:tc>
+                  <a:txBody>
+                    <a:bodyPr/>
+                    <a:lstStyle/>
+                    <a:p>
+                      <a:pPr algn="l"/>
+                      <a:r>
+                        <a:rPr lang="en-SG" sz="1600" dirty="0"/>
+                        <a:t>5</a:t>
+                      </a:r>
+                    </a:p>
+                  </a:txBody>
+                  <a:tcPr>
+                    <a:solidFill>
+                      <a:srgbClr val="FFFF00"/>
+                    </a:solidFill>
+                  </a:tcPr>
+                </a:tc>
+                <a:tc>
+                  <a:txBody>
+                    <a:bodyPr/>
+                    <a:lstStyle/>
+                    <a:p>
+                      <a:pPr algn="l"/>
+                      <a:r>
+                        <a:rPr lang="en-SG" sz="1600" dirty="0"/>
+                        <a:t>0</a:t>
+                      </a:r>
+                    </a:p>
+                  </a:txBody>
+                  <a:tcPr>
+                    <a:solidFill>
+                      <a:srgbClr val="FFFF00"/>
+                    </a:solidFill>
+                  </a:tcPr>
+                </a:tc>
+                <a:tc>
+                  <a:txBody>
+                    <a:bodyPr/>
+                    <a:lstStyle/>
+                    <a:p>
+                      <a:pPr algn="l"/>
+                      <a:r>
+                        <a:rPr lang="en-SG" sz="1600" dirty="0"/>
+                        <a:t>0.312536</a:t>
+                      </a:r>
+                    </a:p>
+                  </a:txBody>
+                  <a:tcPr>
+                    <a:solidFill>
+                      <a:srgbClr val="FFFF00"/>
+                    </a:solidFill>
+                  </a:tcPr>
+                </a:tc>
+                <a:tc>
+                  <a:txBody>
+                    <a:bodyPr/>
+                    <a:lstStyle/>
+                    <a:p>
+                      <a:pPr algn="l"/>
+                      <a:r>
+                        <a:rPr lang="en-SG" sz="1600" dirty="0"/>
+                        <a:t>81.026441</a:t>
+                      </a:r>
+                    </a:p>
+                  </a:txBody>
+                  <a:tcPr>
+                    <a:solidFill>
+                      <a:srgbClr val="FFFF00"/>
+                    </a:solidFill>
+                  </a:tcPr>
+                </a:tc>
+                <a:tc>
+                  <a:txBody>
+                    <a:bodyPr/>
+                    <a:lstStyle/>
+                    <a:p>
+                      <a:pPr algn="l"/>
+                      <a:r>
+                        <a:rPr lang="en-SG" sz="1600" dirty="0"/>
+                        <a:t>9</a:t>
+                      </a:r>
+                    </a:p>
+                  </a:txBody>
+                  <a:tcPr>
+                    <a:solidFill>
+                      <a:srgbClr val="FFFF00"/>
+                    </a:solidFill>
+                  </a:tcPr>
+                </a:tc>
+                <a:extLst>
+                  <a:ext uri="{0D108BD9-81ED-4DB2-BD59-A6C34878D82A}">
+                    <a16:rowId xmlns:a16="http://schemas.microsoft.com/office/drawing/2014/main" val="2748972000"/>
+                  </a:ext>
+                </a:extLst>
+              </a:tr>
+              <a:tr h="370840">
+                <a:tc>
+                  <a:txBody>
+                    <a:bodyPr/>
+                    <a:lstStyle/>
+                    <a:p>
+                      <a:pPr algn="l"/>
+                      <a:r>
+                        <a:rPr lang="en-SG" sz="1600" dirty="0"/>
+                        <a:t>1000</a:t>
+                      </a:r>
+                    </a:p>
+                  </a:txBody>
+                  <a:tcPr/>
+                </a:tc>
+                <a:tc>
+                  <a:txBody>
+                    <a:bodyPr/>
+                    <a:lstStyle/>
+                    <a:p>
+                      <a:pPr algn="l"/>
+                      <a:r>
+                        <a:rPr lang="en-SG" sz="1600" dirty="0"/>
+                        <a:t>Human</a:t>
+                      </a:r>
+                    </a:p>
+                  </a:txBody>
+                  <a:tcPr/>
+                </a:tc>
+                <a:tc>
+                  <a:txBody>
+                    <a:bodyPr/>
+                    <a:lstStyle/>
+                    <a:p>
+                      <a:pPr algn="l"/>
+                      <a:r>
+                        <a:rPr lang="en-SG" sz="1600" dirty="0"/>
+                        <a:t>70</a:t>
+                      </a:r>
+                    </a:p>
+                  </a:txBody>
+                  <a:tcPr/>
+                </a:tc>
+                <a:tc>
+                  <a:txBody>
+                    <a:bodyPr/>
+                    <a:lstStyle/>
+                    <a:p>
+                      <a:pPr algn="l"/>
+                      <a:r>
+                        <a:rPr lang="en-SG" sz="1600" dirty="0"/>
+                        <a:t>70</a:t>
+                      </a:r>
+                    </a:p>
+                  </a:txBody>
+                  <a:tcPr/>
+                </a:tc>
+                <a:tc>
+                  <a:txBody>
+                    <a:bodyPr/>
+                    <a:lstStyle/>
+                    <a:p>
+                      <a:pPr algn="l"/>
+                      <a:r>
+                        <a:rPr lang="en-SG" sz="1600" dirty="0"/>
+                        <a:t>5</a:t>
+                      </a:r>
+                    </a:p>
+                  </a:txBody>
+                  <a:tcPr/>
+                </a:tc>
+                <a:tc>
+                  <a:txBody>
+                    <a:bodyPr/>
+                    <a:lstStyle/>
+                    <a:p>
+                      <a:pPr algn="l"/>
+                      <a:r>
+                        <a:rPr lang="en-SG" sz="1600" dirty="0"/>
+                        <a:t>1</a:t>
+                      </a:r>
+                    </a:p>
+                  </a:txBody>
+                  <a:tcPr/>
+                </a:tc>
+                <a:tc>
+                  <a:txBody>
+                    <a:bodyPr/>
+                    <a:lstStyle/>
+                    <a:p>
+                      <a:pPr algn="l"/>
+                      <a:r>
+                        <a:rPr lang="en-SG" sz="1600" dirty="0"/>
+                        <a:t>0</a:t>
+                      </a:r>
+                    </a:p>
+                  </a:txBody>
+                  <a:tcPr/>
+                </a:tc>
+                <a:tc>
+                  <a:txBody>
+                    <a:bodyPr/>
+                    <a:lstStyle/>
+                    <a:p>
+                      <a:pPr algn="l"/>
+                      <a:r>
+                        <a:rPr lang="en-SG" sz="1600" dirty="0"/>
+                        <a:t>0</a:t>
+                      </a:r>
+                    </a:p>
+                  </a:txBody>
+                  <a:tcPr/>
+                </a:tc>
+                <a:tc>
+                  <a:txBody>
+                    <a:bodyPr/>
+                    <a:lstStyle/>
+                    <a:p>
+                      <a:pPr algn="l"/>
+                      <a:r>
+                        <a:rPr lang="en-SG" sz="1600" dirty="0"/>
+                        <a:t>0.150480</a:t>
+                      </a:r>
+                    </a:p>
+                  </a:txBody>
+                  <a:tcPr/>
+                </a:tc>
+                <a:tc>
+                  <a:txBody>
+                    <a:bodyPr/>
+                    <a:lstStyle/>
+                    <a:p>
+                      <a:pPr algn="l"/>
+                      <a:r>
+                        <a:rPr lang="en-SG" sz="1600" dirty="0"/>
+                        <a:t>59.571429</a:t>
+                      </a:r>
+                    </a:p>
+                  </a:txBody>
+                  <a:tcPr/>
+                </a:tc>
+                <a:tc>
+                  <a:txBody>
+                    <a:bodyPr/>
+                    <a:lstStyle/>
+                    <a:p>
+                      <a:pPr algn="l"/>
+                      <a:r>
+                        <a:rPr lang="en-SG" sz="1600" dirty="0"/>
+                        <a:t>8</a:t>
+                      </a:r>
+                    </a:p>
+                  </a:txBody>
+                  <a:tcPr/>
+                </a:tc>
+                <a:extLst>
+                  <a:ext uri="{0D108BD9-81ED-4DB2-BD59-A6C34878D82A}">
+                    <a16:rowId xmlns:a16="http://schemas.microsoft.com/office/drawing/2014/main" val="2473693101"/>
+                  </a:ext>
+                </a:extLst>
+              </a:tr>
+            </a:tbl>
+          </a:graphicData>
+        </a:graphic>
+      </p:graphicFrame>
+      <p:sp>
+        <p:nvSpPr>
+          <p:cNvPr id="3" name="TextBox 2">
+            <a:extLst>
+              <a:ext uri="{FF2B5EF4-FFF2-40B4-BE49-F238E27FC236}">
+                <a16:creationId xmlns:a16="http://schemas.microsoft.com/office/drawing/2014/main" id="{1308D0C7-1A45-BA0F-910E-1B76483ABB3D}"/>
+              </a:ext>
+            </a:extLst>
+          </p:cNvPr>
+          <p:cNvSpPr txBox="1"/>
+          <p:nvPr/>
+        </p:nvSpPr>
+        <p:spPr>
+          <a:xfrm>
+            <a:off x="1786466" y="575733"/>
+            <a:ext cx="8619067" cy="369332"/>
+          </a:xfrm>
+          <a:prstGeom prst="rect">
+            <a:avLst/>
+          </a:prstGeom>
+          <a:noFill/>
+        </p:spPr>
+        <p:txBody>
+          <a:bodyPr wrap="square" rtlCol="0">
+            <a:spAutoFit/>
+          </a:bodyPr>
+          <a:lstStyle/>
+          <a:p>
+            <a:pPr algn="ctr"/>
+            <a:r>
+              <a:rPr lang="en-SG" dirty="0"/>
+              <a:t>All experiments we have touch tip for aspiration, no touch tip for dispense</a:t>
+            </a:r>
+          </a:p>
+        </p:txBody>
+      </p:sp>
+    </p:spTree>
+    <p:extLst>
+      <p:ext uri="{BB962C8B-B14F-4D97-AF65-F5344CB8AC3E}">
+        <p14:creationId xmlns:p14="http://schemas.microsoft.com/office/powerpoint/2010/main" val="1717108424"/>
+      </p:ext>
+    </p:extLst>
+  </p:cSld>
+  <p:clrMapOvr>
+    <a:masterClrMapping/>
+  </p:clrMapOvr>
+</p:sld>
+</file>
+
+<file path=ppt/slides/slide4.xml><?xml version="1.0" encoding="utf-8"?>
+<p:sld xmlns:a="http://schemas.openxmlformats.org/drawingml/2006/main" xmlns:r="http://schemas.openxmlformats.org/officeDocument/2006/relationships" xmlns:p="http://schemas.openxmlformats.org/presentationml/2006/main">
+  <p:cSld>
+    <p:spTree>
+      <p:nvGrpSpPr>
+        <p:cNvPr id="1" name=""/>
+        <p:cNvGrpSpPr/>
+        <p:nvPr/>
+      </p:nvGrpSpPr>
+      <p:grpSpPr>
+        <a:xfrm>
+          <a:off x="0" y="0"/>
+          <a:ext cx="0" cy="0"/>
+          <a:chOff x="0" y="0"/>
+          <a:chExt cx="0" cy="0"/>
+        </a:xfrm>
+      </p:grpSpPr>
       <p:pic>
         <p:nvPicPr>
           <p:cNvPr id="3" name="Picture 2">
@@ -18499,7 +21872,7 @@
 </p:sld>
 </file>
 
-<file path=ppt/slides/slide4.xml><?xml version="1.0" encoding="utf-8"?>
+<file path=ppt/slides/slide5.xml><?xml version="1.0" encoding="utf-8"?>
 <p:sld xmlns:a="http://schemas.openxmlformats.org/drawingml/2006/main" xmlns:r="http://schemas.openxmlformats.org/officeDocument/2006/relationships" xmlns:p="http://schemas.openxmlformats.org/presentationml/2006/main">
   <p:cSld>
     <p:spTree>
@@ -20498,7 +23871,293 @@
 </p:sld>
 </file>
 
-<file path=ppt/slides/slide5.xml><?xml version="1.0" encoding="utf-8"?>
+<file path=ppt/slides/slide6.xml><?xml version="1.0" encoding="utf-8"?>
+<p:sld xmlns:a="http://schemas.openxmlformats.org/drawingml/2006/main" xmlns:r="http://schemas.openxmlformats.org/officeDocument/2006/relationships" xmlns:p="http://schemas.openxmlformats.org/presentationml/2006/main">
+  <p:cSld>
+    <p:spTree>
+      <p:nvGrpSpPr>
+        <p:cNvPr id="1" name=""/>
+        <p:cNvGrpSpPr/>
+        <p:nvPr/>
+      </p:nvGrpSpPr>
+      <p:grpSpPr>
+        <a:xfrm>
+          <a:off x="0" y="0"/>
+          <a:ext cx="0" cy="0"/>
+          <a:chOff x="0" y="0"/>
+          <a:chExt cx="0" cy="0"/>
+        </a:xfrm>
+      </p:grpSpPr>
+      <p:graphicFrame>
+        <p:nvGraphicFramePr>
+          <p:cNvPr id="3" name="Table 3">
+            <a:extLst>
+              <a:ext uri="{FF2B5EF4-FFF2-40B4-BE49-F238E27FC236}">
+                <a16:creationId xmlns:a16="http://schemas.microsoft.com/office/drawing/2014/main" id="{610456E9-E52F-91E6-43D8-CEB8EB1E636C}"/>
+              </a:ext>
+            </a:extLst>
+          </p:cNvPr>
+          <p:cNvGraphicFramePr>
+            <a:graphicFrameLocks noGrp="1"/>
+          </p:cNvGraphicFramePr>
+          <p:nvPr>
+            <p:extLst>
+              <p:ext uri="{D42A27DB-BD31-4B8C-83A1-F6EECF244321}">
+                <p14:modId xmlns:p14="http://schemas.microsoft.com/office/powerpoint/2010/main" val="3411570627"/>
+              </p:ext>
+            </p:extLst>
+          </p:nvPr>
+        </p:nvGraphicFramePr>
+        <p:xfrm>
+          <a:off x="2032000" y="2316480"/>
+          <a:ext cx="8128000" cy="2225040"/>
+        </p:xfrm>
+        <a:graphic>
+          <a:graphicData uri="http://schemas.openxmlformats.org/drawingml/2006/table">
+            <a:tbl>
+              <a:tblPr firstRow="1" bandRow="1">
+                <a:tableStyleId>{5C22544A-7EE6-4342-B048-85BDC9FD1C3A}</a:tableStyleId>
+              </a:tblPr>
+              <a:tblGrid>
+                <a:gridCol w="4064000">
+                  <a:extLst>
+                    <a:ext uri="{9D8B030D-6E8A-4147-A177-3AD203B41FA5}">
+                      <a16:colId xmlns:a16="http://schemas.microsoft.com/office/drawing/2014/main" val="800087567"/>
+                    </a:ext>
+                  </a:extLst>
+                </a:gridCol>
+                <a:gridCol w="4064000">
+                  <a:extLst>
+                    <a:ext uri="{9D8B030D-6E8A-4147-A177-3AD203B41FA5}">
+                      <a16:colId xmlns:a16="http://schemas.microsoft.com/office/drawing/2014/main" val="3778205308"/>
+                    </a:ext>
+                  </a:extLst>
+                </a:gridCol>
+              </a:tblGrid>
+              <a:tr h="370840">
+                <a:tc>
+                  <a:txBody>
+                    <a:bodyPr/>
+                    <a:lstStyle/>
+                    <a:p>
+                      <a:r>
+                        <a:rPr lang="en-SG" dirty="0"/>
+                        <a:t>Viscosity Standards @25°C</a:t>
+                      </a:r>
+                    </a:p>
+                  </a:txBody>
+                  <a:tcPr/>
+                </a:tc>
+                <a:tc>
+                  <a:txBody>
+                    <a:bodyPr/>
+                    <a:lstStyle/>
+                    <a:p>
+                      <a:r>
+                        <a:rPr lang="en-SG" dirty="0"/>
+                        <a:t>Density @25°C</a:t>
+                      </a:r>
+                    </a:p>
+                  </a:txBody>
+                  <a:tcPr/>
+                </a:tc>
+                <a:extLst>
+                  <a:ext uri="{0D108BD9-81ED-4DB2-BD59-A6C34878D82A}">
+                    <a16:rowId xmlns:a16="http://schemas.microsoft.com/office/drawing/2014/main" val="804246196"/>
+                  </a:ext>
+                </a:extLst>
+              </a:tr>
+              <a:tr h="370840">
+                <a:tc>
+                  <a:txBody>
+                    <a:bodyPr/>
+                    <a:lstStyle/>
+                    <a:p>
+                      <a:r>
+                        <a:rPr lang="en-SG" dirty="0"/>
+                        <a:t>204</a:t>
+                      </a:r>
+                    </a:p>
+                  </a:txBody>
+                  <a:tcPr/>
+                </a:tc>
+                <a:tc>
+                  <a:txBody>
+                    <a:bodyPr/>
+                    <a:lstStyle/>
+                    <a:p>
+                      <a:r>
+                        <a:rPr lang="en-SG" dirty="0"/>
+                        <a:t>.8639</a:t>
+                      </a:r>
+                    </a:p>
+                  </a:txBody>
+                  <a:tcPr/>
+                </a:tc>
+                <a:extLst>
+                  <a:ext uri="{0D108BD9-81ED-4DB2-BD59-A6C34878D82A}">
+                    <a16:rowId xmlns:a16="http://schemas.microsoft.com/office/drawing/2014/main" val="251864798"/>
+                  </a:ext>
+                </a:extLst>
+              </a:tr>
+              <a:tr h="370840">
+                <a:tc>
+                  <a:txBody>
+                    <a:bodyPr/>
+                    <a:lstStyle/>
+                    <a:p>
+                      <a:r>
+                        <a:rPr lang="en-SG" dirty="0"/>
+                        <a:t>398</a:t>
+                      </a:r>
+                    </a:p>
+                  </a:txBody>
+                  <a:tcPr>
+                    <a:solidFill>
+                      <a:srgbClr val="FFFF00"/>
+                    </a:solidFill>
+                  </a:tcPr>
+                </a:tc>
+                <a:tc>
+                  <a:txBody>
+                    <a:bodyPr/>
+                    <a:lstStyle/>
+                    <a:p>
+                      <a:r>
+                        <a:rPr lang="en-SG" dirty="0"/>
+                        <a:t>.8672</a:t>
+                      </a:r>
+                    </a:p>
+                  </a:txBody>
+                  <a:tcPr>
+                    <a:solidFill>
+                      <a:srgbClr val="FFFF00"/>
+                    </a:solidFill>
+                  </a:tcPr>
+                </a:tc>
+                <a:extLst>
+                  <a:ext uri="{0D108BD9-81ED-4DB2-BD59-A6C34878D82A}">
+                    <a16:rowId xmlns:a16="http://schemas.microsoft.com/office/drawing/2014/main" val="822895331"/>
+                  </a:ext>
+                </a:extLst>
+              </a:tr>
+              <a:tr h="370840">
+                <a:tc>
+                  <a:txBody>
+                    <a:bodyPr/>
+                    <a:lstStyle/>
+                    <a:p>
+                      <a:r>
+                        <a:rPr lang="en-SG" dirty="0"/>
+                        <a:t>505</a:t>
+                      </a:r>
+                    </a:p>
+                  </a:txBody>
+                  <a:tcPr/>
+                </a:tc>
+                <a:tc>
+                  <a:txBody>
+                    <a:bodyPr/>
+                    <a:lstStyle/>
+                    <a:p>
+                      <a:r>
+                        <a:rPr lang="en-SG" dirty="0"/>
+                        <a:t>.8683</a:t>
+                      </a:r>
+                    </a:p>
+                  </a:txBody>
+                  <a:tcPr/>
+                </a:tc>
+                <a:extLst>
+                  <a:ext uri="{0D108BD9-81ED-4DB2-BD59-A6C34878D82A}">
+                    <a16:rowId xmlns:a16="http://schemas.microsoft.com/office/drawing/2014/main" val="2110739059"/>
+                  </a:ext>
+                </a:extLst>
+              </a:tr>
+              <a:tr h="370840">
+                <a:tc>
+                  <a:txBody>
+                    <a:bodyPr/>
+                    <a:lstStyle/>
+                    <a:p>
+                      <a:r>
+                        <a:rPr lang="en-SG" dirty="0"/>
+                        <a:t>817</a:t>
+                      </a:r>
+                    </a:p>
+                  </a:txBody>
+                  <a:tcPr/>
+                </a:tc>
+                <a:tc>
+                  <a:txBody>
+                    <a:bodyPr/>
+                    <a:lstStyle/>
+                    <a:p>
+                      <a:r>
+                        <a:rPr lang="en-SG" dirty="0"/>
+                        <a:t>.8466</a:t>
+                      </a:r>
+                    </a:p>
+                  </a:txBody>
+                  <a:tcPr/>
+                </a:tc>
+                <a:extLst>
+                  <a:ext uri="{0D108BD9-81ED-4DB2-BD59-A6C34878D82A}">
+                    <a16:rowId xmlns:a16="http://schemas.microsoft.com/office/drawing/2014/main" val="4266566110"/>
+                  </a:ext>
+                </a:extLst>
+              </a:tr>
+              <a:tr h="370840">
+                <a:tc>
+                  <a:txBody>
+                    <a:bodyPr/>
+                    <a:lstStyle/>
+                    <a:p>
+                      <a:r>
+                        <a:rPr lang="en-SG" dirty="0"/>
+                        <a:t>1275</a:t>
+                      </a:r>
+                    </a:p>
+                  </a:txBody>
+                  <a:tcPr/>
+                </a:tc>
+                <a:tc>
+                  <a:txBody>
+                    <a:bodyPr/>
+                    <a:lstStyle/>
+                    <a:p>
+                      <a:r>
+                        <a:rPr lang="en-SG" dirty="0"/>
+                        <a:t>.8736</a:t>
+                      </a:r>
+                    </a:p>
+                  </a:txBody>
+                  <a:tcPr/>
+                </a:tc>
+                <a:extLst>
+                  <a:ext uri="{0D108BD9-81ED-4DB2-BD59-A6C34878D82A}">
+                    <a16:rowId xmlns:a16="http://schemas.microsoft.com/office/drawing/2014/main" val="772297377"/>
+                  </a:ext>
+                </a:extLst>
+              </a:tr>
+            </a:tbl>
+          </a:graphicData>
+        </a:graphic>
+      </p:graphicFrame>
+    </p:spTree>
+    <p:extLst>
+      <p:ext uri="{BB962C8B-B14F-4D97-AF65-F5344CB8AC3E}">
+        <p14:creationId xmlns:p14="http://schemas.microsoft.com/office/powerpoint/2010/main" val="3886607725"/>
+      </p:ext>
+    </p:extLst>
+  </p:cSld>
+  <p:clrMapOvr>
+    <a:masterClrMapping/>
+  </p:clrMapOvr>
+</p:sld>
+</file>
+
+<file path=ppt/slides/slide7.xml><?xml version="1.0" encoding="utf-8"?>
 <p:sld xmlns:a="http://schemas.openxmlformats.org/drawingml/2006/main" xmlns:r="http://schemas.openxmlformats.org/officeDocument/2006/relationships" xmlns:p="http://schemas.openxmlformats.org/presentationml/2006/main">
   <p:cSld>
     <p:spTree>
@@ -20563,7 +24222,7 @@
 </p:sld>
 </file>
 
-<file path=ppt/slides/slide6.xml><?xml version="1.0" encoding="utf-8"?>
+<file path=ppt/slides/slide8.xml><?xml version="1.0" encoding="utf-8"?>
 <p:sld xmlns:a="http://schemas.openxmlformats.org/drawingml/2006/main" xmlns:r="http://schemas.openxmlformats.org/officeDocument/2006/relationships" xmlns:p="http://schemas.openxmlformats.org/presentationml/2006/main">
   <p:cSld>
     <p:spTree>
@@ -22511,7 +26170,7 @@
 </p:sld>
 </file>
 
-<file path=ppt/slides/slide7.xml><?xml version="1.0" encoding="utf-8"?>
+<file path=ppt/slides/slide9.xml><?xml version="1.0" encoding="utf-8"?>
 <p:sld xmlns:a="http://schemas.openxmlformats.org/drawingml/2006/main" xmlns:r="http://schemas.openxmlformats.org/officeDocument/2006/relationships" xmlns:p="http://schemas.openxmlformats.org/presentationml/2006/main">
   <p:cSld>
     <p:spTree>
@@ -23434,2230 +27093,6 @@
 </p:sld>
 </file>
 
-<file path=ppt/slides/slide8.xml><?xml version="1.0" encoding="utf-8"?>
-<p:sld xmlns:a="http://schemas.openxmlformats.org/drawingml/2006/main" xmlns:r="http://schemas.openxmlformats.org/officeDocument/2006/relationships" xmlns:p="http://schemas.openxmlformats.org/presentationml/2006/main">
-  <p:cSld>
-    <p:spTree>
-      <p:nvGrpSpPr>
-        <p:cNvPr id="1" name=""/>
-        <p:cNvGrpSpPr/>
-        <p:nvPr/>
-      </p:nvGrpSpPr>
-      <p:grpSpPr>
-        <a:xfrm>
-          <a:off x="0" y="0"/>
-          <a:ext cx="0" cy="0"/>
-          <a:chOff x="0" y="0"/>
-          <a:chExt cx="0" cy="0"/>
-        </a:xfrm>
-      </p:grpSpPr>
-      <p:graphicFrame>
-        <p:nvGraphicFramePr>
-          <p:cNvPr id="2" name="Table 2">
-            <a:extLst>
-              <a:ext uri="{FF2B5EF4-FFF2-40B4-BE49-F238E27FC236}">
-                <a16:creationId xmlns:a16="http://schemas.microsoft.com/office/drawing/2014/main" id="{989BA033-4F80-E70F-3B44-29B8A78A35EE}"/>
-              </a:ext>
-            </a:extLst>
-          </p:cNvPr>
-          <p:cNvGraphicFramePr>
-            <a:graphicFrameLocks noGrp="1"/>
-          </p:cNvGraphicFramePr>
-          <p:nvPr>
-            <p:extLst>
-              <p:ext uri="{D42A27DB-BD31-4B8C-83A1-F6EECF244321}">
-                <p14:modId xmlns:p14="http://schemas.microsoft.com/office/powerpoint/2010/main" val="1659865467"/>
-              </p:ext>
-            </p:extLst>
-          </p:nvPr>
-        </p:nvGraphicFramePr>
-        <p:xfrm>
-          <a:off x="0" y="1431063"/>
-          <a:ext cx="12192004" cy="4531360"/>
-        </p:xfrm>
-        <a:graphic>
-          <a:graphicData uri="http://schemas.openxmlformats.org/drawingml/2006/table">
-            <a:tbl>
-              <a:tblPr firstRow="1" bandRow="1">
-                <a:tableStyleId>{5C22544A-7EE6-4342-B048-85BDC9FD1C3A}</a:tableStyleId>
-              </a:tblPr>
-              <a:tblGrid>
-                <a:gridCol w="897467">
-                  <a:extLst>
-                    <a:ext uri="{9D8B030D-6E8A-4147-A177-3AD203B41FA5}">
-                      <a16:colId xmlns:a16="http://schemas.microsoft.com/office/drawing/2014/main" val="2206697726"/>
-                    </a:ext>
-                  </a:extLst>
-                </a:gridCol>
-                <a:gridCol w="872066">
-                  <a:extLst>
-                    <a:ext uri="{9D8B030D-6E8A-4147-A177-3AD203B41FA5}">
-                      <a16:colId xmlns:a16="http://schemas.microsoft.com/office/drawing/2014/main" val="4145438764"/>
-                    </a:ext>
-                  </a:extLst>
-                </a:gridCol>
-                <a:gridCol w="1397000">
-                  <a:extLst>
-                    <a:ext uri="{9D8B030D-6E8A-4147-A177-3AD203B41FA5}">
-                      <a16:colId xmlns:a16="http://schemas.microsoft.com/office/drawing/2014/main" val="867641991"/>
-                    </a:ext>
-                  </a:extLst>
-                </a:gridCol>
-                <a:gridCol w="1109134">
-                  <a:extLst>
-                    <a:ext uri="{9D8B030D-6E8A-4147-A177-3AD203B41FA5}">
-                      <a16:colId xmlns:a16="http://schemas.microsoft.com/office/drawing/2014/main" val="468753050"/>
-                    </a:ext>
-                  </a:extLst>
-                </a:gridCol>
-                <a:gridCol w="1058333">
-                  <a:extLst>
-                    <a:ext uri="{9D8B030D-6E8A-4147-A177-3AD203B41FA5}">
-                      <a16:colId xmlns:a16="http://schemas.microsoft.com/office/drawing/2014/main" val="1258009846"/>
-                    </a:ext>
-                  </a:extLst>
-                </a:gridCol>
-                <a:gridCol w="1134533">
-                  <a:extLst>
-                    <a:ext uri="{9D8B030D-6E8A-4147-A177-3AD203B41FA5}">
-                      <a16:colId xmlns:a16="http://schemas.microsoft.com/office/drawing/2014/main" val="3496989669"/>
-                    </a:ext>
-                  </a:extLst>
-                </a:gridCol>
-                <a:gridCol w="965200">
-                  <a:extLst>
-                    <a:ext uri="{9D8B030D-6E8A-4147-A177-3AD203B41FA5}">
-                      <a16:colId xmlns:a16="http://schemas.microsoft.com/office/drawing/2014/main" val="2906866505"/>
-                    </a:ext>
-                  </a:extLst>
-                </a:gridCol>
-                <a:gridCol w="1066800">
-                  <a:extLst>
-                    <a:ext uri="{9D8B030D-6E8A-4147-A177-3AD203B41FA5}">
-                      <a16:colId xmlns:a16="http://schemas.microsoft.com/office/drawing/2014/main" val="2120826267"/>
-                    </a:ext>
-                  </a:extLst>
-                </a:gridCol>
-                <a:gridCol w="1286934">
-                  <a:extLst>
-                    <a:ext uri="{9D8B030D-6E8A-4147-A177-3AD203B41FA5}">
-                      <a16:colId xmlns:a16="http://schemas.microsoft.com/office/drawing/2014/main" val="1970964562"/>
-                    </a:ext>
-                  </a:extLst>
-                </a:gridCol>
-                <a:gridCol w="1296173">
-                  <a:extLst>
-                    <a:ext uri="{9D8B030D-6E8A-4147-A177-3AD203B41FA5}">
-                      <a16:colId xmlns:a16="http://schemas.microsoft.com/office/drawing/2014/main" val="4241872789"/>
-                    </a:ext>
-                  </a:extLst>
-                </a:gridCol>
-                <a:gridCol w="1108364">
-                  <a:extLst>
-                    <a:ext uri="{9D8B030D-6E8A-4147-A177-3AD203B41FA5}">
-                      <a16:colId xmlns:a16="http://schemas.microsoft.com/office/drawing/2014/main" val="655485241"/>
-                    </a:ext>
-                  </a:extLst>
-                </a:gridCol>
-              </a:tblGrid>
-              <a:tr h="370840">
-                <a:tc gridSpan="11">
-                  <a:txBody>
-                    <a:bodyPr/>
-                    <a:lstStyle/>
-                    <a:p>
-                      <a:pPr algn="l"/>
-                      <a:r>
-                        <a:rPr lang="en-SG" sz="1600" dirty="0"/>
-                        <a:t>Viscosity Standard 398 – Best parameters according to volume pipetted experiment 3</a:t>
-                      </a:r>
-                    </a:p>
-                  </a:txBody>
-                  <a:tcPr/>
-                </a:tc>
-                <a:tc hMerge="1">
-                  <a:txBody>
-                    <a:bodyPr/>
-                    <a:lstStyle/>
-                    <a:p>
-                      <a:endParaRPr lang="en-SG" dirty="0"/>
-                    </a:p>
-                  </a:txBody>
-                  <a:tcPr/>
-                </a:tc>
-                <a:tc hMerge="1">
-                  <a:txBody>
-                    <a:bodyPr/>
-                    <a:lstStyle/>
-                    <a:p>
-                      <a:endParaRPr lang="en-SG"/>
-                    </a:p>
-                  </a:txBody>
-                  <a:tcPr/>
-                </a:tc>
-                <a:tc hMerge="1">
-                  <a:txBody>
-                    <a:bodyPr/>
-                    <a:lstStyle/>
-                    <a:p>
-                      <a:endParaRPr lang="en-SG"/>
-                    </a:p>
-                  </a:txBody>
-                  <a:tcPr/>
-                </a:tc>
-                <a:tc hMerge="1">
-                  <a:txBody>
-                    <a:bodyPr/>
-                    <a:lstStyle/>
-                    <a:p>
-                      <a:endParaRPr lang="en-SG"/>
-                    </a:p>
-                  </a:txBody>
-                  <a:tcPr/>
-                </a:tc>
-                <a:tc hMerge="1">
-                  <a:txBody>
-                    <a:bodyPr/>
-                    <a:lstStyle/>
-                    <a:p>
-                      <a:endParaRPr lang="en-SG"/>
-                    </a:p>
-                  </a:txBody>
-                  <a:tcPr/>
-                </a:tc>
-                <a:tc hMerge="1">
-                  <a:txBody>
-                    <a:bodyPr/>
-                    <a:lstStyle/>
-                    <a:p>
-                      <a:endParaRPr lang="en-SG" dirty="0"/>
-                    </a:p>
-                  </a:txBody>
-                  <a:tcPr/>
-                </a:tc>
-                <a:tc hMerge="1">
-                  <a:txBody>
-                    <a:bodyPr/>
-                    <a:lstStyle/>
-                    <a:p>
-                      <a:endParaRPr lang="en-SG"/>
-                    </a:p>
-                  </a:txBody>
-                  <a:tcPr/>
-                </a:tc>
-                <a:tc hMerge="1">
-                  <a:txBody>
-                    <a:bodyPr/>
-                    <a:lstStyle/>
-                    <a:p>
-                      <a:endParaRPr lang="en-SG" dirty="0"/>
-                    </a:p>
-                  </a:txBody>
-                  <a:tcPr/>
-                </a:tc>
-                <a:tc hMerge="1">
-                  <a:txBody>
-                    <a:bodyPr/>
-                    <a:lstStyle/>
-                    <a:p>
-                      <a:endParaRPr lang="en-SG" dirty="0"/>
-                    </a:p>
-                  </a:txBody>
-                  <a:tcPr/>
-                </a:tc>
-                <a:tc hMerge="1">
-                  <a:txBody>
-                    <a:bodyPr/>
-                    <a:lstStyle/>
-                    <a:p>
-                      <a:endParaRPr lang="en-SG" dirty="0"/>
-                    </a:p>
-                  </a:txBody>
-                  <a:tcPr/>
-                </a:tc>
-                <a:extLst>
-                  <a:ext uri="{0D108BD9-81ED-4DB2-BD59-A6C34878D82A}">
-                    <a16:rowId xmlns:a16="http://schemas.microsoft.com/office/drawing/2014/main" val="1977855465"/>
-                  </a:ext>
-                </a:extLst>
-              </a:tr>
-              <a:tr h="370840">
-                <a:tc>
-                  <a:txBody>
-                    <a:bodyPr/>
-                    <a:lstStyle/>
-                    <a:p>
-                      <a:pPr algn="l"/>
-                      <a:r>
-                        <a:rPr lang="en-SG" sz="1600" dirty="0"/>
-                        <a:t>Volume</a:t>
-                      </a:r>
-                    </a:p>
-                  </a:txBody>
-                  <a:tcPr/>
-                </a:tc>
-                <a:tc>
-                  <a:txBody>
-                    <a:bodyPr/>
-                    <a:lstStyle/>
-                    <a:p>
-                      <a:pPr algn="l"/>
-                      <a:r>
-                        <a:rPr lang="en-SG" sz="1600" dirty="0"/>
-                        <a:t>ML or Human</a:t>
-                      </a:r>
-                    </a:p>
-                  </a:txBody>
-                  <a:tcPr/>
-                </a:tc>
-                <a:tc>
-                  <a:txBody>
-                    <a:bodyPr/>
-                    <a:lstStyle/>
-                    <a:p>
-                      <a:pPr algn="l"/>
-                      <a:r>
-                        <a:rPr lang="en-SG" sz="1600" dirty="0"/>
-                        <a:t>Aspiration Rate</a:t>
-                      </a:r>
-                    </a:p>
-                  </a:txBody>
-                  <a:tcPr/>
-                </a:tc>
-                <a:tc>
-                  <a:txBody>
-                    <a:bodyPr/>
-                    <a:lstStyle/>
-                    <a:p>
-                      <a:pPr algn="l"/>
-                      <a:r>
-                        <a:rPr lang="en-SG" sz="1600" dirty="0"/>
-                        <a:t>Dispense Rate</a:t>
-                      </a:r>
-                    </a:p>
-                  </a:txBody>
-                  <a:tcPr/>
-                </a:tc>
-                <a:tc>
-                  <a:txBody>
-                    <a:bodyPr/>
-                    <a:lstStyle/>
-                    <a:p>
-                      <a:pPr algn="l"/>
-                      <a:r>
-                        <a:rPr lang="en-SG" sz="1600" dirty="0"/>
-                        <a:t>Blow Out Rate</a:t>
-                      </a:r>
-                    </a:p>
-                  </a:txBody>
-                  <a:tcPr/>
-                </a:tc>
-                <a:tc>
-                  <a:txBody>
-                    <a:bodyPr/>
-                    <a:lstStyle/>
-                    <a:p>
-                      <a:pPr algn="l"/>
-                      <a:r>
-                        <a:rPr lang="en-SG" sz="1600" dirty="0"/>
-                        <a:t>Delay Aspirate</a:t>
-                      </a:r>
-                    </a:p>
-                  </a:txBody>
-                  <a:tcPr/>
-                </a:tc>
-                <a:tc>
-                  <a:txBody>
-                    <a:bodyPr/>
-                    <a:lstStyle/>
-                    <a:p>
-                      <a:pPr algn="l"/>
-                      <a:r>
-                        <a:rPr lang="en-SG" sz="1600" dirty="0"/>
-                        <a:t>Delay Dispense</a:t>
-                      </a:r>
-                    </a:p>
-                  </a:txBody>
-                  <a:tcPr/>
-                </a:tc>
-                <a:tc>
-                  <a:txBody>
-                    <a:bodyPr/>
-                    <a:lstStyle/>
-                    <a:p>
-                      <a:pPr algn="l"/>
-                      <a:r>
-                        <a:rPr lang="en-SG" sz="1600" dirty="0"/>
-                        <a:t>Delay Blow Out</a:t>
-                      </a:r>
-                    </a:p>
-                  </a:txBody>
-                  <a:tcPr/>
-                </a:tc>
-                <a:tc>
-                  <a:txBody>
-                    <a:bodyPr/>
-                    <a:lstStyle/>
-                    <a:p>
-                      <a:pPr algn="l"/>
-                      <a:r>
-                        <a:rPr lang="en-SG" sz="1600" dirty="0"/>
-                        <a:t>%error</a:t>
-                      </a:r>
-                    </a:p>
-                  </a:txBody>
-                  <a:tcPr/>
-                </a:tc>
-                <a:tc>
-                  <a:txBody>
-                    <a:bodyPr/>
-                    <a:lstStyle/>
-                    <a:p>
-                      <a:pPr algn="l"/>
-                      <a:r>
-                        <a:rPr lang="en-SG" sz="1600" dirty="0"/>
-                        <a:t>Total Time for transfer 1000 </a:t>
-                      </a:r>
-                      <a:r>
-                        <a:rPr lang="en-SG" sz="1600" dirty="0" err="1"/>
-                        <a:t>ul</a:t>
-                      </a:r>
-                      <a:endParaRPr lang="en-SG" sz="1600" dirty="0"/>
-                    </a:p>
-                  </a:txBody>
-                  <a:tcPr/>
-                </a:tc>
-                <a:tc>
-                  <a:txBody>
-                    <a:bodyPr/>
-                    <a:lstStyle/>
-                    <a:p>
-                      <a:pPr algn="l"/>
-                      <a:r>
-                        <a:rPr lang="en-SG" sz="1600" dirty="0"/>
-                        <a:t>Iteration</a:t>
-                      </a:r>
-                    </a:p>
-                  </a:txBody>
-                  <a:tcPr/>
-                </a:tc>
-                <a:extLst>
-                  <a:ext uri="{0D108BD9-81ED-4DB2-BD59-A6C34878D82A}">
-                    <a16:rowId xmlns:a16="http://schemas.microsoft.com/office/drawing/2014/main" val="360042618"/>
-                  </a:ext>
-                </a:extLst>
-              </a:tr>
-              <a:tr h="370840">
-                <a:tc>
-                  <a:txBody>
-                    <a:bodyPr/>
-                    <a:lstStyle/>
-                    <a:p>
-                      <a:pPr algn="l"/>
-                      <a:r>
-                        <a:rPr lang="en-SG" sz="1600" dirty="0"/>
-                        <a:t>300</a:t>
-                      </a:r>
-                    </a:p>
-                  </a:txBody>
-                  <a:tcPr>
-                    <a:solidFill>
-                      <a:srgbClr val="FFFF00"/>
-                    </a:solidFill>
-                  </a:tcPr>
-                </a:tc>
-                <a:tc>
-                  <a:txBody>
-                    <a:bodyPr/>
-                    <a:lstStyle/>
-                    <a:p>
-                      <a:pPr algn="l"/>
-                      <a:r>
-                        <a:rPr lang="en-SG" sz="1600" dirty="0"/>
-                        <a:t>ML</a:t>
-                      </a:r>
-                    </a:p>
-                  </a:txBody>
-                  <a:tcPr>
-                    <a:solidFill>
-                      <a:srgbClr val="FFFF00"/>
-                    </a:solidFill>
-                  </a:tcPr>
-                </a:tc>
-                <a:tc>
-                  <a:txBody>
-                    <a:bodyPr/>
-                    <a:lstStyle/>
-                    <a:p>
-                      <a:pPr algn="l"/>
-                      <a:r>
-                        <a:rPr lang="en-SG" sz="1600" dirty="0"/>
-                        <a:t>54.909220</a:t>
-                      </a:r>
-                    </a:p>
-                  </a:txBody>
-                  <a:tcPr>
-                    <a:solidFill>
-                      <a:srgbClr val="FFFF00"/>
-                    </a:solidFill>
-                  </a:tcPr>
-                </a:tc>
-                <a:tc>
-                  <a:txBody>
-                    <a:bodyPr/>
-                    <a:lstStyle/>
-                    <a:p>
-                      <a:pPr algn="l" fontAlgn="ctr"/>
-                      <a:r>
-                        <a:rPr lang="en-SG" sz="1600" dirty="0">
-                          <a:effectLst/>
-                        </a:rPr>
-                        <a:t>35.685845	</a:t>
-                      </a:r>
-                    </a:p>
-                  </a:txBody>
-                  <a:tcPr anchor="ctr">
-                    <a:solidFill>
-                      <a:srgbClr val="FFFF00"/>
-                    </a:solidFill>
-                  </a:tcPr>
-                </a:tc>
-                <a:tc>
-                  <a:txBody>
-                    <a:bodyPr/>
-                    <a:lstStyle/>
-                    <a:p>
-                      <a:pPr algn="l"/>
-                      <a:r>
-                        <a:rPr lang="en-SG" sz="1600" dirty="0"/>
-                        <a:t>0</a:t>
-                      </a:r>
-                    </a:p>
-                  </a:txBody>
-                  <a:tcPr>
-                    <a:solidFill>
-                      <a:srgbClr val="FFFF00"/>
-                    </a:solidFill>
-                  </a:tcPr>
-                </a:tc>
-                <a:tc>
-                  <a:txBody>
-                    <a:bodyPr/>
-                    <a:lstStyle/>
-                    <a:p>
-                      <a:pPr algn="l"/>
-                      <a:r>
-                        <a:rPr lang="en-SG" sz="1600" dirty="0"/>
-                        <a:t>5</a:t>
-                      </a:r>
-                    </a:p>
-                  </a:txBody>
-                  <a:tcPr>
-                    <a:solidFill>
-                      <a:srgbClr val="FFFF00"/>
-                    </a:solidFill>
-                  </a:tcPr>
-                </a:tc>
-                <a:tc>
-                  <a:txBody>
-                    <a:bodyPr/>
-                    <a:lstStyle/>
-                    <a:p>
-                      <a:pPr algn="l"/>
-                      <a:r>
-                        <a:rPr lang="en-SG" sz="1600" dirty="0"/>
-                        <a:t>5</a:t>
-                      </a:r>
-                    </a:p>
-                  </a:txBody>
-                  <a:tcPr>
-                    <a:solidFill>
-                      <a:srgbClr val="FFFF00"/>
-                    </a:solidFill>
-                  </a:tcPr>
-                </a:tc>
-                <a:tc>
-                  <a:txBody>
-                    <a:bodyPr/>
-                    <a:lstStyle/>
-                    <a:p>
-                      <a:pPr algn="l" fontAlgn="ctr"/>
-                      <a:r>
-                        <a:rPr lang="en-SG" sz="1600" dirty="0">
-                          <a:effectLst/>
-                        </a:rPr>
-                        <a:t>0</a:t>
-                      </a:r>
-                    </a:p>
-                  </a:txBody>
-                  <a:tcPr anchor="ctr">
-                    <a:solidFill>
-                      <a:srgbClr val="FFFF00"/>
-                    </a:solidFill>
-                  </a:tcPr>
-                </a:tc>
-                <a:tc>
-                  <a:txBody>
-                    <a:bodyPr/>
-                    <a:lstStyle/>
-                    <a:p>
-                      <a:pPr algn="l" fontAlgn="ctr"/>
-                      <a:r>
-                        <a:rPr lang="en-SG" sz="1600" dirty="0">
-                          <a:effectLst/>
-                        </a:rPr>
-                        <a:t>-0.984010	</a:t>
-                      </a:r>
-                    </a:p>
-                  </a:txBody>
-                  <a:tcPr anchor="ctr">
-                    <a:solidFill>
-                      <a:srgbClr val="FFFF00"/>
-                    </a:solidFill>
-                  </a:tcPr>
-                </a:tc>
-                <a:tc>
-                  <a:txBody>
-                    <a:bodyPr/>
-                    <a:lstStyle/>
-                    <a:p>
-                      <a:pPr algn="l"/>
-                      <a:r>
-                        <a:rPr lang="en-SG" sz="1600" dirty="0"/>
-                        <a:t>56.234193	</a:t>
-                      </a:r>
-                    </a:p>
-                  </a:txBody>
-                  <a:tcPr>
-                    <a:solidFill>
-                      <a:srgbClr val="FFFF00"/>
-                    </a:solidFill>
-                  </a:tcPr>
-                </a:tc>
-                <a:tc>
-                  <a:txBody>
-                    <a:bodyPr/>
-                    <a:lstStyle/>
-                    <a:p>
-                      <a:pPr algn="l"/>
-                      <a:r>
-                        <a:rPr lang="en-SG" sz="1600" dirty="0"/>
-                        <a:t>6</a:t>
-                      </a:r>
-                    </a:p>
-                  </a:txBody>
-                  <a:tcPr>
-                    <a:solidFill>
-                      <a:srgbClr val="FFFF00"/>
-                    </a:solidFill>
-                  </a:tcPr>
-                </a:tc>
-                <a:extLst>
-                  <a:ext uri="{0D108BD9-81ED-4DB2-BD59-A6C34878D82A}">
-                    <a16:rowId xmlns:a16="http://schemas.microsoft.com/office/drawing/2014/main" val="2839940444"/>
-                  </a:ext>
-                </a:extLst>
-              </a:tr>
-              <a:tr h="370840">
-                <a:tc>
-                  <a:txBody>
-                    <a:bodyPr/>
-                    <a:lstStyle/>
-                    <a:p>
-                      <a:pPr algn="l"/>
-                      <a:r>
-                        <a:rPr lang="en-SG" sz="1600" dirty="0"/>
-                        <a:t>300</a:t>
-                      </a:r>
-                    </a:p>
-                  </a:txBody>
-                  <a:tcPr>
-                    <a:solidFill>
-                      <a:srgbClr val="FFFF00"/>
-                    </a:solidFill>
-                  </a:tcPr>
-                </a:tc>
-                <a:tc>
-                  <a:txBody>
-                    <a:bodyPr/>
-                    <a:lstStyle/>
-                    <a:p>
-                      <a:pPr algn="l"/>
-                      <a:r>
-                        <a:rPr lang="en-SG" sz="1600" dirty="0"/>
-                        <a:t>ML</a:t>
-                      </a:r>
-                    </a:p>
-                  </a:txBody>
-                  <a:tcPr>
-                    <a:solidFill>
-                      <a:srgbClr val="FFFF00"/>
-                    </a:solidFill>
-                  </a:tcPr>
-                </a:tc>
-                <a:tc>
-                  <a:txBody>
-                    <a:bodyPr/>
-                    <a:lstStyle/>
-                    <a:p>
-                      <a:pPr algn="l"/>
-                      <a:r>
-                        <a:rPr lang="en-SG" sz="1600" dirty="0"/>
-                        <a:t>45.322314</a:t>
-                      </a:r>
-                    </a:p>
-                  </a:txBody>
-                  <a:tcPr>
-                    <a:solidFill>
-                      <a:srgbClr val="FFFF00"/>
-                    </a:solidFill>
-                  </a:tcPr>
-                </a:tc>
-                <a:tc>
-                  <a:txBody>
-                    <a:bodyPr/>
-                    <a:lstStyle/>
-                    <a:p>
-                      <a:pPr algn="l" fontAlgn="ctr"/>
-                      <a:r>
-                        <a:rPr lang="en-SG" sz="1600" dirty="0">
-                          <a:effectLst/>
-                        </a:rPr>
-                        <a:t>35.333833	</a:t>
-                      </a:r>
-                    </a:p>
-                  </a:txBody>
-                  <a:tcPr anchor="ctr">
-                    <a:solidFill>
-                      <a:srgbClr val="FFFF00"/>
-                    </a:solidFill>
-                  </a:tcPr>
-                </a:tc>
-                <a:tc>
-                  <a:txBody>
-                    <a:bodyPr/>
-                    <a:lstStyle/>
-                    <a:p>
-                      <a:pPr algn="l"/>
-                      <a:r>
-                        <a:rPr lang="en-SG" sz="1600" dirty="0"/>
-                        <a:t>0</a:t>
-                      </a:r>
-                    </a:p>
-                  </a:txBody>
-                  <a:tcPr>
-                    <a:solidFill>
-                      <a:srgbClr val="FFFF00"/>
-                    </a:solidFill>
-                  </a:tcPr>
-                </a:tc>
-                <a:tc>
-                  <a:txBody>
-                    <a:bodyPr/>
-                    <a:lstStyle/>
-                    <a:p>
-                      <a:pPr algn="l"/>
-                      <a:r>
-                        <a:rPr lang="en-SG" sz="1600" dirty="0"/>
-                        <a:t>5</a:t>
-                      </a:r>
-                    </a:p>
-                  </a:txBody>
-                  <a:tcPr>
-                    <a:solidFill>
-                      <a:srgbClr val="FFFF00"/>
-                    </a:solidFill>
-                  </a:tcPr>
-                </a:tc>
-                <a:tc>
-                  <a:txBody>
-                    <a:bodyPr/>
-                    <a:lstStyle/>
-                    <a:p>
-                      <a:pPr algn="l"/>
-                      <a:r>
-                        <a:rPr lang="en-SG" sz="1600" dirty="0"/>
-                        <a:t>5</a:t>
-                      </a:r>
-                    </a:p>
-                  </a:txBody>
-                  <a:tcPr>
-                    <a:solidFill>
-                      <a:srgbClr val="FFFF00"/>
-                    </a:solidFill>
-                  </a:tcPr>
-                </a:tc>
-                <a:tc>
-                  <a:txBody>
-                    <a:bodyPr/>
-                    <a:lstStyle/>
-                    <a:p>
-                      <a:pPr algn="l" fontAlgn="ctr"/>
-                      <a:r>
-                        <a:rPr lang="en-SG" sz="1600" dirty="0">
-                          <a:effectLst/>
-                        </a:rPr>
-                        <a:t>0</a:t>
-                      </a:r>
-                    </a:p>
-                  </a:txBody>
-                  <a:tcPr anchor="ctr">
-                    <a:solidFill>
-                      <a:srgbClr val="FFFF00"/>
-                    </a:solidFill>
-                  </a:tcPr>
-                </a:tc>
-                <a:tc>
-                  <a:txBody>
-                    <a:bodyPr/>
-                    <a:lstStyle/>
-                    <a:p>
-                      <a:pPr algn="l" fontAlgn="ctr"/>
-                      <a:r>
-                        <a:rPr lang="en-SG" sz="1600" dirty="0">
-                          <a:effectLst/>
-                        </a:rPr>
-                        <a:t>0.899446	</a:t>
-                      </a:r>
-                    </a:p>
-                  </a:txBody>
-                  <a:tcPr anchor="ctr">
-                    <a:solidFill>
-                      <a:srgbClr val="FFFF00"/>
-                    </a:solidFill>
-                  </a:tcPr>
-                </a:tc>
-                <a:tc>
-                  <a:txBody>
-                    <a:bodyPr/>
-                    <a:lstStyle/>
-                    <a:p>
-                      <a:pPr algn="l"/>
-                      <a:r>
-                        <a:rPr lang="en-SG" sz="1600" dirty="0"/>
-                        <a:t>60.365673	</a:t>
-                      </a:r>
-                    </a:p>
-                  </a:txBody>
-                  <a:tcPr>
-                    <a:solidFill>
-                      <a:srgbClr val="FFFF00"/>
-                    </a:solidFill>
-                  </a:tcPr>
-                </a:tc>
-                <a:tc>
-                  <a:txBody>
-                    <a:bodyPr/>
-                    <a:lstStyle/>
-                    <a:p>
-                      <a:pPr algn="l"/>
-                      <a:r>
-                        <a:rPr lang="en-SG" sz="1600" dirty="0"/>
-                        <a:t>7</a:t>
-                      </a:r>
-                    </a:p>
-                  </a:txBody>
-                  <a:tcPr>
-                    <a:solidFill>
-                      <a:srgbClr val="FFFF00"/>
-                    </a:solidFill>
-                  </a:tcPr>
-                </a:tc>
-                <a:extLst>
-                  <a:ext uri="{0D108BD9-81ED-4DB2-BD59-A6C34878D82A}">
-                    <a16:rowId xmlns:a16="http://schemas.microsoft.com/office/drawing/2014/main" val="2869700518"/>
-                  </a:ext>
-                </a:extLst>
-              </a:tr>
-              <a:tr h="370840">
-                <a:tc>
-                  <a:txBody>
-                    <a:bodyPr/>
-                    <a:lstStyle/>
-                    <a:p>
-                      <a:pPr algn="l"/>
-                      <a:r>
-                        <a:rPr lang="en-SG" sz="1600" dirty="0"/>
-                        <a:t>300</a:t>
-                      </a:r>
-                    </a:p>
-                  </a:txBody>
-                  <a:tcPr/>
-                </a:tc>
-                <a:tc>
-                  <a:txBody>
-                    <a:bodyPr/>
-                    <a:lstStyle/>
-                    <a:p>
-                      <a:pPr algn="l"/>
-                      <a:r>
-                        <a:rPr lang="en-SG" sz="1600" dirty="0"/>
-                        <a:t>Human</a:t>
-                      </a:r>
-                    </a:p>
-                  </a:txBody>
-                  <a:tcPr/>
-                </a:tc>
-                <a:tc>
-                  <a:txBody>
-                    <a:bodyPr/>
-                    <a:lstStyle/>
-                    <a:p>
-                      <a:pPr algn="l"/>
-                      <a:r>
-                        <a:rPr lang="en-SG" sz="1600" dirty="0"/>
-                        <a:t>53</a:t>
-                      </a:r>
-                    </a:p>
-                  </a:txBody>
-                  <a:tcPr/>
-                </a:tc>
-                <a:tc>
-                  <a:txBody>
-                    <a:bodyPr/>
-                    <a:lstStyle/>
-                    <a:p>
-                      <a:pPr algn="l"/>
-                      <a:r>
-                        <a:rPr lang="en-SG" sz="1600" dirty="0"/>
-                        <a:t>53</a:t>
-                      </a:r>
-                    </a:p>
-                  </a:txBody>
-                  <a:tcPr/>
-                </a:tc>
-                <a:tc>
-                  <a:txBody>
-                    <a:bodyPr/>
-                    <a:lstStyle/>
-                    <a:p>
-                      <a:pPr algn="l"/>
-                      <a:r>
-                        <a:rPr lang="en-SG" sz="1600" dirty="0"/>
-                        <a:t>5 </a:t>
-                      </a:r>
-                    </a:p>
-                  </a:txBody>
-                  <a:tcPr/>
-                </a:tc>
-                <a:tc>
-                  <a:txBody>
-                    <a:bodyPr/>
-                    <a:lstStyle/>
-                    <a:p>
-                      <a:pPr algn="l"/>
-                      <a:r>
-                        <a:rPr lang="en-SG" sz="1600" dirty="0"/>
-                        <a:t>2.83</a:t>
-                      </a:r>
-                    </a:p>
-                  </a:txBody>
-                  <a:tcPr/>
-                </a:tc>
-                <a:tc>
-                  <a:txBody>
-                    <a:bodyPr/>
-                    <a:lstStyle/>
-                    <a:p>
-                      <a:pPr algn="l"/>
-                      <a:r>
-                        <a:rPr lang="en-SG" sz="1600" dirty="0"/>
-                        <a:t>3</a:t>
-                      </a:r>
-                    </a:p>
-                  </a:txBody>
-                  <a:tcPr/>
-                </a:tc>
-                <a:tc>
-                  <a:txBody>
-                    <a:bodyPr/>
-                    <a:lstStyle/>
-                    <a:p>
-                      <a:pPr algn="l"/>
-                      <a:r>
-                        <a:rPr lang="en-SG" sz="1600" dirty="0"/>
-                        <a:t>0</a:t>
-                      </a:r>
-                    </a:p>
-                  </a:txBody>
-                  <a:tcPr/>
-                </a:tc>
-                <a:tc>
-                  <a:txBody>
-                    <a:bodyPr/>
-                    <a:lstStyle/>
-                    <a:p>
-                      <a:pPr algn="l"/>
-                      <a:r>
-                        <a:rPr lang="en-SG" sz="1600" dirty="0"/>
-                        <a:t>-0.023063	</a:t>
-                      </a:r>
-                    </a:p>
-                  </a:txBody>
-                  <a:tcPr/>
-                </a:tc>
-                <a:tc>
-                  <a:txBody>
-                    <a:bodyPr/>
-                    <a:lstStyle/>
-                    <a:p>
-                      <a:pPr algn="l"/>
-                      <a:r>
-                        <a:rPr lang="en-SG" sz="1600" dirty="0"/>
-                        <a:t>73.565849</a:t>
-                      </a:r>
-                    </a:p>
-                  </a:txBody>
-                  <a:tcPr/>
-                </a:tc>
-                <a:tc>
-                  <a:txBody>
-                    <a:bodyPr/>
-                    <a:lstStyle/>
-                    <a:p>
-                      <a:pPr algn="l"/>
-                      <a:r>
-                        <a:rPr lang="en-SG" sz="1600" dirty="0"/>
-                        <a:t>16</a:t>
-                      </a:r>
-                    </a:p>
-                  </a:txBody>
-                  <a:tcPr/>
-                </a:tc>
-                <a:extLst>
-                  <a:ext uri="{0D108BD9-81ED-4DB2-BD59-A6C34878D82A}">
-                    <a16:rowId xmlns:a16="http://schemas.microsoft.com/office/drawing/2014/main" val="2296966347"/>
-                  </a:ext>
-                </a:extLst>
-              </a:tr>
-              <a:tr h="370840">
-                <a:tc>
-                  <a:txBody>
-                    <a:bodyPr/>
-                    <a:lstStyle/>
-                    <a:p>
-                      <a:pPr algn="l"/>
-                      <a:r>
-                        <a:rPr lang="en-SG" sz="1600" dirty="0"/>
-                        <a:t>500</a:t>
-                      </a:r>
-                    </a:p>
-                  </a:txBody>
-                  <a:tcPr/>
-                </a:tc>
-                <a:tc>
-                  <a:txBody>
-                    <a:bodyPr/>
-                    <a:lstStyle/>
-                    <a:p>
-                      <a:pPr algn="l"/>
-                      <a:r>
-                        <a:rPr lang="en-SG" sz="1600" dirty="0"/>
-                        <a:t>ML</a:t>
-                      </a:r>
-                    </a:p>
-                  </a:txBody>
-                  <a:tcPr/>
-                </a:tc>
-                <a:tc>
-                  <a:txBody>
-                    <a:bodyPr/>
-                    <a:lstStyle/>
-                    <a:p>
-                      <a:pPr algn="l"/>
-                      <a:r>
-                        <a:rPr lang="en-SG" sz="1600" dirty="0"/>
-                        <a:t>54.909220</a:t>
-                      </a:r>
-                    </a:p>
-                  </a:txBody>
-                  <a:tcPr/>
-                </a:tc>
-                <a:tc>
-                  <a:txBody>
-                    <a:bodyPr/>
-                    <a:lstStyle/>
-                    <a:p>
-                      <a:pPr algn="l"/>
-                      <a:r>
-                        <a:rPr lang="en-SG" sz="1600" dirty="0"/>
-                        <a:t>35.685845</a:t>
-                      </a:r>
-                    </a:p>
-                  </a:txBody>
-                  <a:tcPr/>
-                </a:tc>
-                <a:tc>
-                  <a:txBody>
-                    <a:bodyPr/>
-                    <a:lstStyle/>
-                    <a:p>
-                      <a:pPr algn="l"/>
-                      <a:r>
-                        <a:rPr lang="en-SG" sz="1600" dirty="0"/>
-                        <a:t>0</a:t>
-                      </a:r>
-                    </a:p>
-                  </a:txBody>
-                  <a:tcPr/>
-                </a:tc>
-                <a:tc>
-                  <a:txBody>
-                    <a:bodyPr/>
-                    <a:lstStyle/>
-                    <a:p>
-                      <a:pPr algn="l"/>
-                      <a:r>
-                        <a:rPr lang="en-SG" sz="1600" dirty="0"/>
-                        <a:t>5</a:t>
-                      </a:r>
-                    </a:p>
-                  </a:txBody>
-                  <a:tcPr/>
-                </a:tc>
-                <a:tc>
-                  <a:txBody>
-                    <a:bodyPr/>
-                    <a:lstStyle/>
-                    <a:p>
-                      <a:pPr algn="l"/>
-                      <a:r>
-                        <a:rPr lang="en-SG" sz="1600" dirty="0"/>
-                        <a:t>5</a:t>
-                      </a:r>
-                    </a:p>
-                  </a:txBody>
-                  <a:tcPr/>
-                </a:tc>
-                <a:tc>
-                  <a:txBody>
-                    <a:bodyPr/>
-                    <a:lstStyle/>
-                    <a:p>
-                      <a:pPr algn="l" fontAlgn="ctr"/>
-                      <a:r>
-                        <a:rPr lang="en-SG" sz="1600" dirty="0">
-                          <a:effectLst/>
-                        </a:rPr>
-                        <a:t>0</a:t>
-                      </a:r>
-                    </a:p>
-                  </a:txBody>
-                  <a:tcPr anchor="ctr"/>
-                </a:tc>
-                <a:tc>
-                  <a:txBody>
-                    <a:bodyPr/>
-                    <a:lstStyle/>
-                    <a:p>
-                      <a:pPr algn="l"/>
-                      <a:r>
-                        <a:rPr lang="en-SG" sz="1600" dirty="0"/>
-                        <a:t>-0.415129</a:t>
-                      </a:r>
-                    </a:p>
-                  </a:txBody>
-                  <a:tcPr/>
-                </a:tc>
-                <a:tc>
-                  <a:txBody>
-                    <a:bodyPr/>
-                    <a:lstStyle/>
-                    <a:p>
-                      <a:pPr algn="l"/>
-                      <a:r>
-                        <a:rPr lang="en-SG" sz="1600" dirty="0"/>
-                        <a:t>56.234193</a:t>
-                      </a:r>
-                    </a:p>
-                  </a:txBody>
-                  <a:tcPr/>
-                </a:tc>
-                <a:tc>
-                  <a:txBody>
-                    <a:bodyPr/>
-                    <a:lstStyle/>
-                    <a:p>
-                      <a:pPr algn="l"/>
-                      <a:r>
-                        <a:rPr lang="en-SG" sz="1600" dirty="0"/>
-                        <a:t>6</a:t>
-                      </a:r>
-                    </a:p>
-                  </a:txBody>
-                  <a:tcPr/>
-                </a:tc>
-                <a:extLst>
-                  <a:ext uri="{0D108BD9-81ED-4DB2-BD59-A6C34878D82A}">
-                    <a16:rowId xmlns:a16="http://schemas.microsoft.com/office/drawing/2014/main" val="1124578759"/>
-                  </a:ext>
-                </a:extLst>
-              </a:tr>
-              <a:tr h="370840">
-                <a:tc>
-                  <a:txBody>
-                    <a:bodyPr/>
-                    <a:lstStyle/>
-                    <a:p>
-                      <a:pPr algn="l"/>
-                      <a:r>
-                        <a:rPr lang="en-SG" sz="1600" dirty="0"/>
-                        <a:t>500</a:t>
-                      </a:r>
-                    </a:p>
-                  </a:txBody>
-                  <a:tcPr/>
-                </a:tc>
-                <a:tc>
-                  <a:txBody>
-                    <a:bodyPr/>
-                    <a:lstStyle/>
-                    <a:p>
-                      <a:pPr algn="l"/>
-                      <a:r>
-                        <a:rPr lang="en-SG" sz="1600" dirty="0"/>
-                        <a:t>Human</a:t>
-                      </a:r>
-                    </a:p>
-                  </a:txBody>
-                  <a:tcPr/>
-                </a:tc>
-                <a:tc>
-                  <a:txBody>
-                    <a:bodyPr/>
-                    <a:lstStyle/>
-                    <a:p>
-                      <a:pPr algn="l"/>
-                      <a:r>
-                        <a:rPr lang="en-SG" sz="1600" dirty="0"/>
-                        <a:t>53</a:t>
-                      </a:r>
-                    </a:p>
-                  </a:txBody>
-                  <a:tcPr/>
-                </a:tc>
-                <a:tc>
-                  <a:txBody>
-                    <a:bodyPr/>
-                    <a:lstStyle/>
-                    <a:p>
-                      <a:pPr algn="l"/>
-                      <a:r>
-                        <a:rPr lang="en-SG" sz="1600" dirty="0"/>
-                        <a:t>53</a:t>
-                      </a:r>
-                    </a:p>
-                  </a:txBody>
-                  <a:tcPr/>
-                </a:tc>
-                <a:tc>
-                  <a:txBody>
-                    <a:bodyPr/>
-                    <a:lstStyle/>
-                    <a:p>
-                      <a:pPr algn="l"/>
-                      <a:r>
-                        <a:rPr lang="en-SG" sz="1600" dirty="0"/>
-                        <a:t>5</a:t>
-                      </a:r>
-                    </a:p>
-                  </a:txBody>
-                  <a:tcPr/>
-                </a:tc>
-                <a:tc>
-                  <a:txBody>
-                    <a:bodyPr/>
-                    <a:lstStyle/>
-                    <a:p>
-                      <a:pPr algn="l"/>
-                      <a:r>
-                        <a:rPr lang="en-SG" sz="1600" dirty="0"/>
-                        <a:t>3</a:t>
-                      </a:r>
-                    </a:p>
-                  </a:txBody>
-                  <a:tcPr/>
-                </a:tc>
-                <a:tc>
-                  <a:txBody>
-                    <a:bodyPr/>
-                    <a:lstStyle/>
-                    <a:p>
-                      <a:pPr algn="l"/>
-                      <a:r>
-                        <a:rPr lang="en-SG" sz="1600" dirty="0"/>
-                        <a:t>3</a:t>
-                      </a:r>
-                    </a:p>
-                  </a:txBody>
-                  <a:tcPr/>
-                </a:tc>
-                <a:tc>
-                  <a:txBody>
-                    <a:bodyPr/>
-                    <a:lstStyle/>
-                    <a:p>
-                      <a:pPr algn="l"/>
-                      <a:r>
-                        <a:rPr lang="en-SG" sz="1600" dirty="0"/>
-                        <a:t>0</a:t>
-                      </a:r>
-                    </a:p>
-                  </a:txBody>
-                  <a:tcPr/>
-                </a:tc>
-                <a:tc>
-                  <a:txBody>
-                    <a:bodyPr/>
-                    <a:lstStyle/>
-                    <a:p>
-                      <a:pPr algn="l"/>
-                      <a:r>
-                        <a:rPr lang="en-SG" sz="1600" dirty="0"/>
-                        <a:t>-0.668819	</a:t>
-                      </a:r>
-                    </a:p>
-                  </a:txBody>
-                  <a:tcPr/>
-                </a:tc>
-                <a:tc>
-                  <a:txBody>
-                    <a:bodyPr/>
-                    <a:lstStyle/>
-                    <a:p>
-                      <a:pPr algn="l"/>
-                      <a:r>
-                        <a:rPr lang="en-SG" sz="1600" dirty="0"/>
-                        <a:t>73.735849	</a:t>
-                      </a:r>
-                    </a:p>
-                  </a:txBody>
-                  <a:tcPr/>
-                </a:tc>
-                <a:tc>
-                  <a:txBody>
-                    <a:bodyPr/>
-                    <a:lstStyle/>
-                    <a:p>
-                      <a:pPr algn="l"/>
-                      <a:r>
-                        <a:rPr lang="en-SG" sz="1600" dirty="0"/>
-                        <a:t>6</a:t>
-                      </a:r>
-                    </a:p>
-                  </a:txBody>
-                  <a:tcPr/>
-                </a:tc>
-                <a:extLst>
-                  <a:ext uri="{0D108BD9-81ED-4DB2-BD59-A6C34878D82A}">
-                    <a16:rowId xmlns:a16="http://schemas.microsoft.com/office/drawing/2014/main" val="480828811"/>
-                  </a:ext>
-                </a:extLst>
-              </a:tr>
-              <a:tr h="370840">
-                <a:tc>
-                  <a:txBody>
-                    <a:bodyPr/>
-                    <a:lstStyle/>
-                    <a:p>
-                      <a:pPr algn="l"/>
-                      <a:r>
-                        <a:rPr lang="en-SG" sz="1600" dirty="0"/>
-                        <a:t>1000</a:t>
-                      </a:r>
-                    </a:p>
-                  </a:txBody>
-                  <a:tcPr>
-                    <a:solidFill>
-                      <a:srgbClr val="CFD5EA"/>
-                    </a:solidFill>
-                  </a:tcPr>
-                </a:tc>
-                <a:tc>
-                  <a:txBody>
-                    <a:bodyPr/>
-                    <a:lstStyle/>
-                    <a:p>
-                      <a:pPr algn="l"/>
-                      <a:r>
-                        <a:rPr lang="en-SG" sz="1600" dirty="0"/>
-                        <a:t>ML</a:t>
-                      </a:r>
-                    </a:p>
-                  </a:txBody>
-                  <a:tcPr>
-                    <a:solidFill>
-                      <a:srgbClr val="CFD5EA"/>
-                    </a:solidFill>
-                  </a:tcPr>
-                </a:tc>
-                <a:tc>
-                  <a:txBody>
-                    <a:bodyPr/>
-                    <a:lstStyle/>
-                    <a:p>
-                      <a:pPr algn="l"/>
-                      <a:r>
-                        <a:rPr lang="en-SG" sz="1600" dirty="0"/>
-                        <a:t>44.249646</a:t>
-                      </a:r>
-                    </a:p>
-                  </a:txBody>
-                  <a:tcPr>
-                    <a:solidFill>
-                      <a:srgbClr val="CFD5EA"/>
-                    </a:solidFill>
-                  </a:tcPr>
-                </a:tc>
-                <a:tc>
-                  <a:txBody>
-                    <a:bodyPr/>
-                    <a:lstStyle/>
-                    <a:p>
-                      <a:pPr algn="l"/>
-                      <a:r>
-                        <a:rPr lang="en-SG" sz="1600" dirty="0"/>
-                        <a:t>22.724214	</a:t>
-                      </a:r>
-                    </a:p>
-                  </a:txBody>
-                  <a:tcPr>
-                    <a:solidFill>
-                      <a:srgbClr val="CFD5EA"/>
-                    </a:solidFill>
-                  </a:tcPr>
-                </a:tc>
-                <a:tc>
-                  <a:txBody>
-                    <a:bodyPr/>
-                    <a:lstStyle/>
-                    <a:p>
-                      <a:pPr algn="l"/>
-                      <a:r>
-                        <a:rPr lang="en-SG" sz="1600" dirty="0"/>
-                        <a:t>0</a:t>
-                      </a:r>
-                    </a:p>
-                  </a:txBody>
-                  <a:tcPr>
-                    <a:solidFill>
-                      <a:srgbClr val="CFD5EA"/>
-                    </a:solidFill>
-                  </a:tcPr>
-                </a:tc>
-                <a:tc>
-                  <a:txBody>
-                    <a:bodyPr/>
-                    <a:lstStyle/>
-                    <a:p>
-                      <a:pPr algn="l"/>
-                      <a:r>
-                        <a:rPr lang="en-SG" sz="1600" dirty="0"/>
-                        <a:t>5</a:t>
-                      </a:r>
-                    </a:p>
-                  </a:txBody>
-                  <a:tcPr>
-                    <a:solidFill>
-                      <a:srgbClr val="CFD5EA"/>
-                    </a:solidFill>
-                  </a:tcPr>
-                </a:tc>
-                <a:tc>
-                  <a:txBody>
-                    <a:bodyPr/>
-                    <a:lstStyle/>
-                    <a:p>
-                      <a:pPr algn="l"/>
-                      <a:r>
-                        <a:rPr lang="en-SG" sz="1600" dirty="0"/>
-                        <a:t>5</a:t>
-                      </a:r>
-                    </a:p>
-                  </a:txBody>
-                  <a:tcPr>
-                    <a:solidFill>
-                      <a:srgbClr val="CFD5EA"/>
-                    </a:solidFill>
-                  </a:tcPr>
-                </a:tc>
-                <a:tc>
-                  <a:txBody>
-                    <a:bodyPr/>
-                    <a:lstStyle/>
-                    <a:p>
-                      <a:pPr algn="l" fontAlgn="ctr"/>
-                      <a:r>
-                        <a:rPr lang="en-SG" sz="1600" dirty="0">
-                          <a:effectLst/>
-                        </a:rPr>
-                        <a:t>0</a:t>
-                      </a:r>
-                    </a:p>
-                  </a:txBody>
-                  <a:tcPr anchor="ctr">
-                    <a:solidFill>
-                      <a:srgbClr val="CFD5EA"/>
-                    </a:solidFill>
-                  </a:tcPr>
-                </a:tc>
-                <a:tc>
-                  <a:txBody>
-                    <a:bodyPr/>
-                    <a:lstStyle/>
-                    <a:p>
-                      <a:pPr algn="l"/>
-                      <a:r>
-                        <a:rPr lang="en-SG" sz="1600" dirty="0"/>
-                        <a:t>-1.845018	</a:t>
-                      </a:r>
-                    </a:p>
-                  </a:txBody>
-                  <a:tcPr>
-                    <a:solidFill>
-                      <a:srgbClr val="CFD5EA"/>
-                    </a:solidFill>
-                  </a:tcPr>
-                </a:tc>
-                <a:tc>
-                  <a:txBody>
-                    <a:bodyPr/>
-                    <a:lstStyle/>
-                    <a:p>
-                      <a:pPr algn="l"/>
-                      <a:r>
-                        <a:rPr lang="en-SG" sz="1600" dirty="0"/>
-                        <a:t>76.604973	</a:t>
-                      </a:r>
-                    </a:p>
-                  </a:txBody>
-                  <a:tcPr>
-                    <a:solidFill>
-                      <a:srgbClr val="CFD5EA"/>
-                    </a:solidFill>
-                  </a:tcPr>
-                </a:tc>
-                <a:tc>
-                  <a:txBody>
-                    <a:bodyPr/>
-                    <a:lstStyle/>
-                    <a:p>
-                      <a:pPr algn="l"/>
-                      <a:r>
-                        <a:rPr lang="en-SG" sz="1600" dirty="0"/>
-                        <a:t>10</a:t>
-                      </a:r>
-                    </a:p>
-                  </a:txBody>
-                  <a:tcPr>
-                    <a:solidFill>
-                      <a:srgbClr val="CFD5EA"/>
-                    </a:solidFill>
-                  </a:tcPr>
-                </a:tc>
-                <a:extLst>
-                  <a:ext uri="{0D108BD9-81ED-4DB2-BD59-A6C34878D82A}">
-                    <a16:rowId xmlns:a16="http://schemas.microsoft.com/office/drawing/2014/main" val="823961516"/>
-                  </a:ext>
-                </a:extLst>
-              </a:tr>
-              <a:tr h="370840">
-                <a:tc>
-                  <a:txBody>
-                    <a:bodyPr/>
-                    <a:lstStyle/>
-                    <a:p>
-                      <a:pPr algn="l"/>
-                      <a:r>
-                        <a:rPr lang="en-SG" sz="1600" dirty="0"/>
-                        <a:t>1000</a:t>
-                      </a:r>
-                    </a:p>
-                  </a:txBody>
-                  <a:tcPr/>
-                </a:tc>
-                <a:tc>
-                  <a:txBody>
-                    <a:bodyPr/>
-                    <a:lstStyle/>
-                    <a:p>
-                      <a:pPr algn="l"/>
-                      <a:r>
-                        <a:rPr lang="en-SG" sz="1600" dirty="0"/>
-                        <a:t>Human</a:t>
-                      </a:r>
-                    </a:p>
-                  </a:txBody>
-                  <a:tcPr/>
-                </a:tc>
-                <a:tc>
-                  <a:txBody>
-                    <a:bodyPr/>
-                    <a:lstStyle/>
-                    <a:p>
-                      <a:pPr algn="l"/>
-                      <a:r>
-                        <a:rPr lang="en-SG" sz="1600" dirty="0"/>
-                        <a:t>53</a:t>
-                      </a:r>
-                    </a:p>
-                  </a:txBody>
-                  <a:tcPr/>
-                </a:tc>
-                <a:tc>
-                  <a:txBody>
-                    <a:bodyPr/>
-                    <a:lstStyle/>
-                    <a:p>
-                      <a:pPr algn="l"/>
-                      <a:r>
-                        <a:rPr lang="en-SG" sz="1600" dirty="0"/>
-                        <a:t>53</a:t>
-                      </a:r>
-                    </a:p>
-                  </a:txBody>
-                  <a:tcPr/>
-                </a:tc>
-                <a:tc>
-                  <a:txBody>
-                    <a:bodyPr/>
-                    <a:lstStyle/>
-                    <a:p>
-                      <a:pPr algn="l"/>
-                      <a:r>
-                        <a:rPr lang="en-SG" sz="1600" dirty="0"/>
-                        <a:t>5</a:t>
-                      </a:r>
-                    </a:p>
-                  </a:txBody>
-                  <a:tcPr/>
-                </a:tc>
-                <a:tc>
-                  <a:txBody>
-                    <a:bodyPr/>
-                    <a:lstStyle/>
-                    <a:p>
-                      <a:pPr algn="l"/>
-                      <a:r>
-                        <a:rPr lang="en-SG" sz="1600" dirty="0"/>
-                        <a:t>1</a:t>
-                      </a:r>
-                    </a:p>
-                  </a:txBody>
-                  <a:tcPr/>
-                </a:tc>
-                <a:tc>
-                  <a:txBody>
-                    <a:bodyPr/>
-                    <a:lstStyle/>
-                    <a:p>
-                      <a:pPr algn="l"/>
-                      <a:r>
-                        <a:rPr lang="en-SG" sz="1600" dirty="0"/>
-                        <a:t>5</a:t>
-                      </a:r>
-                    </a:p>
-                  </a:txBody>
-                  <a:tcPr/>
-                </a:tc>
-                <a:tc>
-                  <a:txBody>
-                    <a:bodyPr/>
-                    <a:lstStyle/>
-                    <a:p>
-                      <a:pPr algn="l"/>
-                      <a:r>
-                        <a:rPr lang="en-SG" sz="1600" dirty="0"/>
-                        <a:t>0</a:t>
-                      </a:r>
-                    </a:p>
-                  </a:txBody>
-                  <a:tcPr/>
-                </a:tc>
-                <a:tc>
-                  <a:txBody>
-                    <a:bodyPr/>
-                    <a:lstStyle/>
-                    <a:p>
-                      <a:pPr algn="l"/>
-                      <a:r>
-                        <a:rPr lang="en-SG" sz="1600" dirty="0"/>
-                        <a:t>-0.438192	</a:t>
-                      </a:r>
-                    </a:p>
-                  </a:txBody>
-                  <a:tcPr/>
-                </a:tc>
-                <a:tc>
-                  <a:txBody>
-                    <a:bodyPr/>
-                    <a:lstStyle/>
-                    <a:p>
-                      <a:pPr algn="l"/>
-                      <a:r>
-                        <a:rPr lang="en-SG" sz="1600" dirty="0"/>
-                        <a:t>73.735849</a:t>
-                      </a:r>
-                    </a:p>
-                  </a:txBody>
-                  <a:tcPr/>
-                </a:tc>
-                <a:tc>
-                  <a:txBody>
-                    <a:bodyPr/>
-                    <a:lstStyle/>
-                    <a:p>
-                      <a:pPr algn="l"/>
-                      <a:r>
-                        <a:rPr lang="en-SG" sz="1600" dirty="0"/>
-                        <a:t>4</a:t>
-                      </a:r>
-                    </a:p>
-                  </a:txBody>
-                  <a:tcPr/>
-                </a:tc>
-                <a:extLst>
-                  <a:ext uri="{0D108BD9-81ED-4DB2-BD59-A6C34878D82A}">
-                    <a16:rowId xmlns:a16="http://schemas.microsoft.com/office/drawing/2014/main" val="2473693101"/>
-                  </a:ext>
-                </a:extLst>
-              </a:tr>
-              <a:tr h="370840">
-                <a:tc>
-                  <a:txBody>
-                    <a:bodyPr/>
-                    <a:lstStyle/>
-                    <a:p>
-                      <a:pPr algn="l"/>
-                      <a:r>
-                        <a:rPr lang="en-SG" sz="1600" dirty="0"/>
-                        <a:t>Mean</a:t>
-                      </a:r>
-                    </a:p>
-                  </a:txBody>
-                  <a:tcPr>
-                    <a:solidFill>
-                      <a:srgbClr val="FFFF00"/>
-                    </a:solidFill>
-                  </a:tcPr>
-                </a:tc>
-                <a:tc>
-                  <a:txBody>
-                    <a:bodyPr/>
-                    <a:lstStyle/>
-                    <a:p>
-                      <a:pPr algn="l"/>
-                      <a:r>
-                        <a:rPr lang="en-SG" sz="1600" dirty="0"/>
-                        <a:t>ML</a:t>
-                      </a:r>
-                    </a:p>
-                  </a:txBody>
-                  <a:tcPr>
-                    <a:solidFill>
-                      <a:srgbClr val="FFFF00"/>
-                    </a:solidFill>
-                  </a:tcPr>
-                </a:tc>
-                <a:tc>
-                  <a:txBody>
-                    <a:bodyPr/>
-                    <a:lstStyle/>
-                    <a:p>
-                      <a:pPr algn="l"/>
-                      <a:r>
-                        <a:rPr lang="en-SG" sz="1600" dirty="0"/>
-                        <a:t>39.299209</a:t>
-                      </a:r>
-                    </a:p>
-                  </a:txBody>
-                  <a:tcPr>
-                    <a:solidFill>
-                      <a:srgbClr val="FFFF00"/>
-                    </a:solidFill>
-                  </a:tcPr>
-                </a:tc>
-                <a:tc>
-                  <a:txBody>
-                    <a:bodyPr/>
-                    <a:lstStyle/>
-                    <a:p>
-                      <a:pPr algn="l"/>
-                      <a:r>
-                        <a:rPr lang="en-SG" sz="1600" dirty="0"/>
-                        <a:t>33.334143</a:t>
-                      </a:r>
-                    </a:p>
-                  </a:txBody>
-                  <a:tcPr>
-                    <a:solidFill>
-                      <a:srgbClr val="FFFF00"/>
-                    </a:solidFill>
-                  </a:tcPr>
-                </a:tc>
-                <a:tc>
-                  <a:txBody>
-                    <a:bodyPr/>
-                    <a:lstStyle/>
-                    <a:p>
-                      <a:pPr algn="l"/>
-                      <a:r>
-                        <a:rPr lang="en-SG" sz="1600" dirty="0"/>
-                        <a:t>0</a:t>
-                      </a:r>
-                    </a:p>
-                  </a:txBody>
-                  <a:tcPr>
-                    <a:solidFill>
-                      <a:srgbClr val="FFFF00"/>
-                    </a:solidFill>
-                  </a:tcPr>
-                </a:tc>
-                <a:tc>
-                  <a:txBody>
-                    <a:bodyPr/>
-                    <a:lstStyle/>
-                    <a:p>
-                      <a:pPr algn="l"/>
-                      <a:r>
-                        <a:rPr lang="en-SG" sz="1600" dirty="0"/>
-                        <a:t>5</a:t>
-                      </a:r>
-                    </a:p>
-                  </a:txBody>
-                  <a:tcPr>
-                    <a:solidFill>
-                      <a:srgbClr val="FFFF00"/>
-                    </a:solidFill>
-                  </a:tcPr>
-                </a:tc>
-                <a:tc>
-                  <a:txBody>
-                    <a:bodyPr/>
-                    <a:lstStyle/>
-                    <a:p>
-                      <a:pPr algn="l"/>
-                      <a:r>
-                        <a:rPr lang="en-SG" sz="1600" dirty="0"/>
-                        <a:t>5</a:t>
-                      </a:r>
-                    </a:p>
-                  </a:txBody>
-                  <a:tcPr>
-                    <a:solidFill>
-                      <a:srgbClr val="FFFF00"/>
-                    </a:solidFill>
-                  </a:tcPr>
-                </a:tc>
-                <a:tc>
-                  <a:txBody>
-                    <a:bodyPr/>
-                    <a:lstStyle/>
-                    <a:p>
-                      <a:pPr algn="l" fontAlgn="ctr"/>
-                      <a:r>
-                        <a:rPr lang="en-SG" sz="1600" dirty="0">
-                          <a:effectLst/>
-                        </a:rPr>
-                        <a:t>0</a:t>
-                      </a:r>
-                    </a:p>
-                  </a:txBody>
-                  <a:tcPr anchor="ctr">
-                    <a:solidFill>
-                      <a:srgbClr val="FFFF00"/>
-                    </a:solidFill>
-                  </a:tcPr>
-                </a:tc>
-                <a:tc>
-                  <a:txBody>
-                    <a:bodyPr/>
-                    <a:lstStyle/>
-                    <a:p>
-                      <a:pPr algn="l"/>
-                      <a:r>
-                        <a:rPr lang="en-SG" sz="1600" dirty="0"/>
-                        <a:t>-2.066677	</a:t>
-                      </a:r>
-                    </a:p>
-                  </a:txBody>
-                  <a:tcPr>
-                    <a:solidFill>
-                      <a:srgbClr val="FFFF00"/>
-                    </a:solidFill>
-                  </a:tcPr>
-                </a:tc>
-                <a:tc>
-                  <a:txBody>
-                    <a:bodyPr/>
-                    <a:lstStyle/>
-                    <a:p>
-                      <a:pPr algn="l"/>
-                      <a:r>
-                        <a:rPr lang="en-SG" sz="1600" dirty="0"/>
-                        <a:t>65.445076</a:t>
-                      </a:r>
-                    </a:p>
-                  </a:txBody>
-                  <a:tcPr>
-                    <a:solidFill>
-                      <a:srgbClr val="FFFF00"/>
-                    </a:solidFill>
-                  </a:tcPr>
-                </a:tc>
-                <a:tc>
-                  <a:txBody>
-                    <a:bodyPr/>
-                    <a:lstStyle/>
-                    <a:p>
-                      <a:pPr algn="l"/>
-                      <a:r>
-                        <a:rPr lang="en-SG" sz="1600" dirty="0"/>
-                        <a:t>8</a:t>
-                      </a:r>
-                    </a:p>
-                  </a:txBody>
-                  <a:tcPr>
-                    <a:solidFill>
-                      <a:srgbClr val="FFFF00"/>
-                    </a:solidFill>
-                  </a:tcPr>
-                </a:tc>
-                <a:extLst>
-                  <a:ext uri="{0D108BD9-81ED-4DB2-BD59-A6C34878D82A}">
-                    <a16:rowId xmlns:a16="http://schemas.microsoft.com/office/drawing/2014/main" val="3628976853"/>
-                  </a:ext>
-                </a:extLst>
-              </a:tr>
-              <a:tr h="370840">
-                <a:tc>
-                  <a:txBody>
-                    <a:bodyPr/>
-                    <a:lstStyle/>
-                    <a:p>
-                      <a:pPr algn="l"/>
-                      <a:r>
-                        <a:rPr lang="en-SG" sz="1600" dirty="0"/>
-                        <a:t>Mean</a:t>
-                      </a:r>
-                    </a:p>
-                  </a:txBody>
-                  <a:tcPr>
-                    <a:solidFill>
-                      <a:srgbClr val="FFFF00"/>
-                    </a:solidFill>
-                  </a:tcPr>
-                </a:tc>
-                <a:tc>
-                  <a:txBody>
-                    <a:bodyPr/>
-                    <a:lstStyle/>
-                    <a:p>
-                      <a:pPr algn="l"/>
-                      <a:r>
-                        <a:rPr lang="en-SG" sz="1600" dirty="0"/>
-                        <a:t>ML</a:t>
-                      </a:r>
-                    </a:p>
-                  </a:txBody>
-                  <a:tcPr>
-                    <a:solidFill>
-                      <a:srgbClr val="FFFF00"/>
-                    </a:solidFill>
-                  </a:tcPr>
-                </a:tc>
-                <a:tc>
-                  <a:txBody>
-                    <a:bodyPr/>
-                    <a:lstStyle/>
-                    <a:p>
-                      <a:pPr algn="l"/>
-                      <a:r>
-                        <a:rPr lang="en-SG" sz="1600" dirty="0"/>
-                        <a:t>40.938049	</a:t>
-                      </a:r>
-                    </a:p>
-                  </a:txBody>
-                  <a:tcPr>
-                    <a:solidFill>
-                      <a:srgbClr val="FFFF00"/>
-                    </a:solidFill>
-                  </a:tcPr>
-                </a:tc>
-                <a:tc>
-                  <a:txBody>
-                    <a:bodyPr/>
-                    <a:lstStyle/>
-                    <a:p>
-                      <a:pPr algn="l"/>
-                      <a:r>
-                        <a:rPr lang="en-SG" sz="1600" dirty="0"/>
-                        <a:t>23.891547</a:t>
-                      </a:r>
-                    </a:p>
-                  </a:txBody>
-                  <a:tcPr>
-                    <a:solidFill>
-                      <a:srgbClr val="FFFF00"/>
-                    </a:solidFill>
-                  </a:tcPr>
-                </a:tc>
-                <a:tc>
-                  <a:txBody>
-                    <a:bodyPr/>
-                    <a:lstStyle/>
-                    <a:p>
-                      <a:pPr algn="l"/>
-                      <a:r>
-                        <a:rPr lang="en-SG" sz="1600" dirty="0"/>
-                        <a:t>0</a:t>
-                      </a:r>
-                    </a:p>
-                  </a:txBody>
-                  <a:tcPr>
-                    <a:solidFill>
-                      <a:srgbClr val="FFFF00"/>
-                    </a:solidFill>
-                  </a:tcPr>
-                </a:tc>
-                <a:tc>
-                  <a:txBody>
-                    <a:bodyPr/>
-                    <a:lstStyle/>
-                    <a:p>
-                      <a:pPr algn="l"/>
-                      <a:r>
-                        <a:rPr lang="en-SG" sz="1600" dirty="0"/>
-                        <a:t>5</a:t>
-                      </a:r>
-                    </a:p>
-                  </a:txBody>
-                  <a:tcPr>
-                    <a:solidFill>
-                      <a:srgbClr val="FFFF00"/>
-                    </a:solidFill>
-                  </a:tcPr>
-                </a:tc>
-                <a:tc>
-                  <a:txBody>
-                    <a:bodyPr/>
-                    <a:lstStyle/>
-                    <a:p>
-                      <a:pPr algn="l"/>
-                      <a:r>
-                        <a:rPr lang="en-SG" sz="1600" dirty="0"/>
-                        <a:t>5</a:t>
-                      </a:r>
-                    </a:p>
-                  </a:txBody>
-                  <a:tcPr>
-                    <a:solidFill>
-                      <a:srgbClr val="FFFF00"/>
-                    </a:solidFill>
-                  </a:tcPr>
-                </a:tc>
-                <a:tc>
-                  <a:txBody>
-                    <a:bodyPr/>
-                    <a:lstStyle/>
-                    <a:p>
-                      <a:pPr algn="l" fontAlgn="ctr"/>
-                      <a:r>
-                        <a:rPr lang="en-SG" sz="1600" dirty="0">
-                          <a:effectLst/>
-                        </a:rPr>
-                        <a:t>0</a:t>
-                      </a:r>
-                    </a:p>
-                  </a:txBody>
-                  <a:tcPr anchor="ctr">
-                    <a:solidFill>
-                      <a:srgbClr val="FFFF00"/>
-                    </a:solidFill>
-                  </a:tcPr>
-                </a:tc>
-                <a:tc>
-                  <a:txBody>
-                    <a:bodyPr/>
-                    <a:lstStyle/>
-                    <a:p>
-                      <a:pPr algn="l"/>
-                      <a:r>
-                        <a:rPr lang="en-SG" sz="1600"/>
-                        <a:t>0.426661</a:t>
-                      </a:r>
-                      <a:r>
-                        <a:rPr lang="en-SG" sz="1600" dirty="0"/>
-                        <a:t>	</a:t>
-                      </a:r>
-                    </a:p>
-                  </a:txBody>
-                  <a:tcPr>
-                    <a:solidFill>
-                      <a:srgbClr val="FFFF00"/>
-                    </a:solidFill>
-                  </a:tcPr>
-                </a:tc>
-                <a:tc>
-                  <a:txBody>
-                    <a:bodyPr/>
-                    <a:lstStyle/>
-                    <a:p>
-                      <a:pPr algn="l"/>
-                      <a:r>
-                        <a:rPr lang="en-SG" sz="1600" dirty="0"/>
-                        <a:t>76.282960	</a:t>
-                      </a:r>
-                    </a:p>
-                  </a:txBody>
-                  <a:tcPr>
-                    <a:solidFill>
-                      <a:srgbClr val="FFFF00"/>
-                    </a:solidFill>
-                  </a:tcPr>
-                </a:tc>
-                <a:tc>
-                  <a:txBody>
-                    <a:bodyPr/>
-                    <a:lstStyle/>
-                    <a:p>
-                      <a:pPr algn="l"/>
-                      <a:r>
-                        <a:rPr lang="en-SG" sz="1600" dirty="0"/>
-                        <a:t>9</a:t>
-                      </a:r>
-                    </a:p>
-                  </a:txBody>
-                  <a:tcPr>
-                    <a:solidFill>
-                      <a:srgbClr val="FFFF00"/>
-                    </a:solidFill>
-                  </a:tcPr>
-                </a:tc>
-                <a:extLst>
-                  <a:ext uri="{0D108BD9-81ED-4DB2-BD59-A6C34878D82A}">
-                    <a16:rowId xmlns:a16="http://schemas.microsoft.com/office/drawing/2014/main" val="2289668880"/>
-                  </a:ext>
-                </a:extLst>
-              </a:tr>
-            </a:tbl>
-          </a:graphicData>
-        </a:graphic>
-      </p:graphicFrame>
-      <p:sp>
-        <p:nvSpPr>
-          <p:cNvPr id="3" name="TextBox 2">
-            <a:extLst>
-              <a:ext uri="{FF2B5EF4-FFF2-40B4-BE49-F238E27FC236}">
-                <a16:creationId xmlns:a16="http://schemas.microsoft.com/office/drawing/2014/main" id="{1308D0C7-1A45-BA0F-910E-1B76483ABB3D}"/>
-              </a:ext>
-            </a:extLst>
-          </p:cNvPr>
-          <p:cNvSpPr txBox="1"/>
-          <p:nvPr/>
-        </p:nvSpPr>
-        <p:spPr>
-          <a:xfrm>
-            <a:off x="1786466" y="575733"/>
-            <a:ext cx="8619067" cy="369332"/>
-          </a:xfrm>
-          <a:prstGeom prst="rect">
-            <a:avLst/>
-          </a:prstGeom>
-          <a:noFill/>
-        </p:spPr>
-        <p:txBody>
-          <a:bodyPr wrap="square" rtlCol="0">
-            <a:spAutoFit/>
-          </a:bodyPr>
-          <a:lstStyle/>
-          <a:p>
-            <a:pPr algn="ctr"/>
-            <a:r>
-              <a:rPr lang="en-SG" dirty="0"/>
-              <a:t>All experiments we have touch tip for aspiration, no touch tip for dispense</a:t>
-            </a:r>
-          </a:p>
-        </p:txBody>
-      </p:sp>
-    </p:spTree>
-    <p:extLst>
-      <p:ext uri="{BB962C8B-B14F-4D97-AF65-F5344CB8AC3E}">
-        <p14:creationId xmlns:p14="http://schemas.microsoft.com/office/powerpoint/2010/main" val="550988208"/>
-      </p:ext>
-    </p:extLst>
-  </p:cSld>
-  <p:clrMapOvr>
-    <a:masterClrMapping/>
-  </p:clrMapOvr>
-</p:sld>
-</file>
-
-<file path=ppt/slides/slide9.xml><?xml version="1.0" encoding="utf-8"?>
-<p:sld xmlns:a="http://schemas.openxmlformats.org/drawingml/2006/main" xmlns:r="http://schemas.openxmlformats.org/officeDocument/2006/relationships" xmlns:p="http://schemas.openxmlformats.org/presentationml/2006/main">
-  <p:cSld>
-    <p:spTree>
-      <p:nvGrpSpPr>
-        <p:cNvPr id="1" name=""/>
-        <p:cNvGrpSpPr/>
-        <p:nvPr/>
-      </p:nvGrpSpPr>
-      <p:grpSpPr>
-        <a:xfrm>
-          <a:off x="0" y="0"/>
-          <a:ext cx="0" cy="0"/>
-          <a:chOff x="0" y="0"/>
-          <a:chExt cx="0" cy="0"/>
-        </a:xfrm>
-      </p:grpSpPr>
-      <p:pic>
-        <p:nvPicPr>
-          <p:cNvPr id="3" name="Picture 2">
-            <a:extLst>
-              <a:ext uri="{FF2B5EF4-FFF2-40B4-BE49-F238E27FC236}">
-                <a16:creationId xmlns:a16="http://schemas.microsoft.com/office/drawing/2014/main" id="{4D455D8F-3CE0-A86E-2D51-897DBDDF3079}"/>
-              </a:ext>
-            </a:extLst>
-          </p:cNvPr>
-          <p:cNvPicPr>
-            <a:picLocks noChangeAspect="1"/>
-          </p:cNvPicPr>
-          <p:nvPr/>
-        </p:nvPicPr>
-        <p:blipFill>
-          <a:blip r:embed="rId2">
-            <a:extLst>
-              <a:ext uri="{28A0092B-C50C-407E-A947-70E740481C1C}">
-                <a14:useLocalDpi xmlns:a14="http://schemas.microsoft.com/office/drawing/2010/main" val="0"/>
-              </a:ext>
-            </a:extLst>
-          </a:blip>
-          <a:srcRect/>
-          <a:stretch/>
-        </p:blipFill>
-        <p:spPr>
-          <a:xfrm>
-            <a:off x="266701" y="320039"/>
-            <a:ext cx="11658598" cy="6217919"/>
-          </a:xfrm>
-          <a:prstGeom prst="rect">
-            <a:avLst/>
-          </a:prstGeom>
-        </p:spPr>
-      </p:pic>
-    </p:spTree>
-    <p:extLst>
-      <p:ext uri="{BB962C8B-B14F-4D97-AF65-F5344CB8AC3E}">
-        <p14:creationId xmlns:p14="http://schemas.microsoft.com/office/powerpoint/2010/main" val="2831213154"/>
-      </p:ext>
-    </p:extLst>
-  </p:cSld>
-  <p:clrMapOvr>
-    <a:masterClrMapping/>
-  </p:clrMapOvr>
-</p:sld>
-</file>
-
 <file path=ppt/theme/theme1.xml><?xml version="1.0" encoding="utf-8"?>
 <a:theme xmlns:a="http://schemas.openxmlformats.org/drawingml/2006/main" name="Office Theme">
   <a:themeElements>
